--- a/PicMe Project Presentation.pptx
+++ b/PicMe Project Presentation.pptx
@@ -16,16 +16,22 @@
     <p:sldId id="261" r:id="rId11"/>
     <p:sldId id="262" r:id="rId12"/>
     <p:sldId id="263" r:id="rId13"/>
+    <p:sldId id="264" r:id="rId14"/>
   </p:sldIdLst>
   <p:sldSz cy="5143500" cx="9144000"/>
   <p:notesSz cx="6858000" cy="9144000"/>
   <p:embeddedFontLst>
     <p:embeddedFont>
       <p:font typeface="Roboto"/>
-      <p:regular r:id="rId14"/>
-      <p:bold r:id="rId15"/>
-      <p:italic r:id="rId16"/>
-      <p:boldItalic r:id="rId17"/>
+      <p:regular r:id="rId15"/>
+      <p:bold r:id="rId16"/>
+      <p:italic r:id="rId17"/>
+      <p:boldItalic r:id="rId18"/>
+    </p:embeddedFont>
+    <p:embeddedFont>
+      <p:font typeface="Lexend"/>
+      <p:regular r:id="rId19"/>
+      <p:bold r:id="rId20"/>
     </p:embeddedFont>
   </p:embeddedFontLst>
   <p:defaultTextStyle>
@@ -892,6 +898,22 @@
             </a:r>
             <a:endParaRPr/>
           </a:p>
+          <a:p>
+            <a:pPr indent="0" lvl="0" marL="0" rtl="0" algn="l">
+              <a:spcBef>
+                <a:spcPts val="0"/>
+              </a:spcBef>
+              <a:spcAft>
+                <a:spcPts val="0"/>
+              </a:spcAft>
+              <a:buNone/>
+            </a:pPr>
+            <a:r>
+              <a:rPr lang="en"/>
+              <a:t>We each talk about ourselves.</a:t>
+            </a:r>
+            <a:endParaRPr/>
+          </a:p>
         </p:txBody>
       </p:sp>
     </p:spTree>
@@ -1005,6 +1027,21 @@
             <a:r>
               <a:rPr lang="en"/>
               <a:t> were more significant.</a:t>
+            </a:r>
+            <a:endParaRPr/>
+          </a:p>
+          <a:p>
+            <a:pPr indent="0" lvl="0" marL="0" rtl="0" algn="l">
+              <a:spcBef>
+                <a:spcPts val="0"/>
+              </a:spcBef>
+              <a:spcAft>
+                <a:spcPts val="0"/>
+              </a:spcAft>
+              <a:buNone/>
+            </a:pPr>
+            <a:r>
+              <a:t/>
             </a:r>
             <a:endParaRPr/>
           </a:p>
@@ -1239,7 +1276,7 @@
   <p:cSld>
     <p:spTree>
       <p:nvGrpSpPr>
-        <p:cNvPr id="101" name="Shape 101"/>
+        <p:cNvPr id="100" name="Shape 100"/>
         <p:cNvGrpSpPr/>
         <p:nvPr/>
       </p:nvGrpSpPr>
@@ -1253,7 +1290,7 @@
       </p:grpSpPr>
       <p:sp>
         <p:nvSpPr>
-          <p:cNvPr id="102" name="Google Shape;102;g226beb88262_0_103:notes"/>
+          <p:cNvPr id="101" name="Google Shape;101;g226beb88262_0_103:notes"/>
           <p:cNvSpPr/>
           <p:nvPr>
             <p:ph idx="2" type="sldImg"/>
@@ -1288,7 +1325,7 @@
       </p:sp>
       <p:sp>
         <p:nvSpPr>
-          <p:cNvPr id="103" name="Google Shape;103;g226beb88262_0_103:notes"/>
+          <p:cNvPr id="102" name="Google Shape;102;g226beb88262_0_103:notes"/>
           <p:cNvSpPr txBox="1"/>
           <p:nvPr>
             <p:ph idx="1" type="body"/>
@@ -1339,7 +1376,7 @@
   <p:cSld>
     <p:spTree>
       <p:nvGrpSpPr>
-        <p:cNvPr id="106" name="Shape 106"/>
+        <p:cNvPr id="105" name="Shape 105"/>
         <p:cNvGrpSpPr/>
         <p:nvPr/>
       </p:nvGrpSpPr>
@@ -1353,7 +1390,7 @@
       </p:grpSpPr>
       <p:sp>
         <p:nvSpPr>
-          <p:cNvPr id="107" name="Google Shape;107;g226beb88262_0_107:notes"/>
+          <p:cNvPr id="106" name="Google Shape;106;g226beb88262_0_107:notes"/>
           <p:cNvSpPr/>
           <p:nvPr>
             <p:ph idx="2" type="sldImg"/>
@@ -1388,7 +1425,7 @@
       </p:sp>
       <p:sp>
         <p:nvSpPr>
-          <p:cNvPr id="108" name="Google Shape;108;g226beb88262_0_107:notes"/>
+          <p:cNvPr id="107" name="Google Shape;107;g226beb88262_0_107:notes"/>
           <p:cNvSpPr txBox="1"/>
           <p:nvPr>
             <p:ph idx="1" type="body"/>
@@ -1439,7 +1476,7 @@
   <p:cSld>
     <p:spTree>
       <p:nvGrpSpPr>
-        <p:cNvPr id="113" name="Shape 113"/>
+        <p:cNvPr id="112" name="Shape 112"/>
         <p:cNvGrpSpPr/>
         <p:nvPr/>
       </p:nvGrpSpPr>
@@ -1453,7 +1490,7 @@
       </p:grpSpPr>
       <p:sp>
         <p:nvSpPr>
-          <p:cNvPr id="114" name="Google Shape;114;g226beb88262_0_119:notes"/>
+          <p:cNvPr id="113" name="Google Shape;113;g226beb88262_0_119:notes"/>
           <p:cNvSpPr/>
           <p:nvPr>
             <p:ph idx="2" type="sldImg"/>
@@ -1488,7 +1525,7 @@
       </p:sp>
       <p:sp>
         <p:nvSpPr>
-          <p:cNvPr id="115" name="Google Shape;115;g226beb88262_0_119:notes"/>
+          <p:cNvPr id="114" name="Google Shape;114;g226beb88262_0_119:notes"/>
           <p:cNvSpPr txBox="1"/>
           <p:nvPr>
             <p:ph idx="1" type="body"/>
@@ -1521,6 +1558,106 @@
             <a:r>
               <a:rPr lang="en"/>
               <a:t>Talk about the initial vision we had for the project.</a:t>
+            </a:r>
+            <a:endParaRPr/>
+          </a:p>
+        </p:txBody>
+      </p:sp>
+    </p:spTree>
+  </p:cSld>
+  <p:clrMapOvr>
+    <a:masterClrMapping/>
+  </p:clrMapOvr>
+</p:notes>
+</file>
+
+<file path=ppt/notesSlides/notesSlide9.xml><?xml version="1.0" encoding="utf-8"?>
+<p:notes xmlns:a="http://schemas.openxmlformats.org/drawingml/2006/main" xmlns:r="http://schemas.openxmlformats.org/officeDocument/2006/relationships" xmlns:mc="http://schemas.openxmlformats.org/markup-compatibility/2006" xmlns:mv="urn:schemas-microsoft-com:mac:vml" xmlns:p="http://schemas.openxmlformats.org/presentationml/2006/main" xmlns:c="http://schemas.openxmlformats.org/drawingml/2006/chart" xmlns:dgm="http://schemas.openxmlformats.org/drawingml/2006/diagram" xmlns:o="urn:schemas-microsoft-com:office:office" xmlns:v="urn:schemas-microsoft-com:vml" xmlns:pvml="urn:schemas-microsoft-com:office:powerpoint" xmlns:com="http://schemas.openxmlformats.org/drawingml/2006/compatibility" xmlns:p14="http://schemas.microsoft.com/office/powerpoint/2010/main" xmlns:p15="http://schemas.microsoft.com/office/powerpoint/2012/main" xmlns:ahyp="http://schemas.microsoft.com/office/drawing/2018/hyperlinkcolor" showMasterPhAnim="0" showMasterSp="0">
+  <p:cSld>
+    <p:spTree>
+      <p:nvGrpSpPr>
+        <p:cNvPr id="117" name="Shape 117"/>
+        <p:cNvGrpSpPr/>
+        <p:nvPr/>
+      </p:nvGrpSpPr>
+      <p:grpSpPr>
+        <a:xfrm>
+          <a:off x="0" y="0"/>
+          <a:ext cx="0" cy="0"/>
+          <a:chOff x="0" y="0"/>
+          <a:chExt cx="0" cy="0"/>
+        </a:xfrm>
+      </p:grpSpPr>
+      <p:sp>
+        <p:nvSpPr>
+          <p:cNvPr id="118" name="Google Shape;118;g226beb88262_4_0:notes"/>
+          <p:cNvSpPr/>
+          <p:nvPr>
+            <p:ph idx="2" type="sldImg"/>
+          </p:nvPr>
+        </p:nvSpPr>
+        <p:spPr>
+          <a:xfrm>
+            <a:off x="381300" y="685800"/>
+            <a:ext cx="6096000" cy="3429000"/>
+          </a:xfrm>
+          <a:custGeom>
+            <a:rect b="b" l="l" r="r" t="t"/>
+            <a:pathLst>
+              <a:path extrusionOk="0" h="120000" w="120000">
+                <a:moveTo>
+                  <a:pt x="0" y="0"/>
+                </a:moveTo>
+                <a:lnTo>
+                  <a:pt x="120000" y="0"/>
+                </a:lnTo>
+                <a:lnTo>
+                  <a:pt x="120000" y="120000"/>
+                </a:lnTo>
+                <a:lnTo>
+                  <a:pt x="0" y="120000"/>
+                </a:lnTo>
+                <a:close/>
+              </a:path>
+            </a:pathLst>
+          </a:custGeom>
+        </p:spPr>
+      </p:sp>
+      <p:sp>
+        <p:nvSpPr>
+          <p:cNvPr id="119" name="Google Shape;119;g226beb88262_4_0:notes"/>
+          <p:cNvSpPr txBox="1"/>
+          <p:nvPr>
+            <p:ph idx="1" type="body"/>
+          </p:nvPr>
+        </p:nvSpPr>
+        <p:spPr>
+          <a:xfrm>
+            <a:off x="685800" y="4343400"/>
+            <a:ext cx="5486400" cy="4114800"/>
+          </a:xfrm>
+          <a:prstGeom prst="rect">
+            <a:avLst/>
+          </a:prstGeom>
+        </p:spPr>
+        <p:txBody>
+          <a:bodyPr anchorCtr="0" anchor="t" bIns="91425" lIns="91425" spcFirstLastPara="1" rIns="91425" wrap="square" tIns="91425">
+            <a:noAutofit/>
+          </a:bodyPr>
+          <a:lstStyle/>
+          <a:p>
+            <a:pPr indent="0" lvl="0" marL="0" rtl="0" algn="l">
+              <a:spcBef>
+                <a:spcPts val="0"/>
+              </a:spcBef>
+              <a:spcAft>
+                <a:spcPts val="0"/>
+              </a:spcAft>
+              <a:buNone/>
+            </a:pPr>
+            <a:r>
+              <a:rPr lang="en"/>
+              <a:t>Close and ask for questions.</a:t>
             </a:r>
             <a:endParaRPr/>
           </a:p>
@@ -8492,15 +8629,15 @@
         </p:nvSpPr>
         <p:spPr>
           <a:xfrm>
-            <a:off x="471900" y="738725"/>
-            <a:ext cx="4100100" cy="767700"/>
+            <a:off x="98250" y="16350"/>
+            <a:ext cx="8826600" cy="602700"/>
           </a:xfrm>
           <a:prstGeom prst="rect">
             <a:avLst/>
           </a:prstGeom>
         </p:spPr>
         <p:txBody>
-          <a:bodyPr anchorCtr="0" anchor="b" bIns="91425" lIns="91425" spcFirstLastPara="1" rIns="91425" wrap="square" tIns="91425">
+          <a:bodyPr anchorCtr="0" anchor="ctr" bIns="91425" lIns="91425" spcFirstLastPara="1" rIns="91425" wrap="square" tIns="91425">
             <a:normAutofit fontScale="90000"/>
           </a:bodyPr>
           <a:lstStyle/>
@@ -8543,13 +8680,13 @@
           <p:cNvPr id="98" name="Google Shape;98;p17"/>
           <p:cNvSpPr txBox="1"/>
           <p:nvPr>
-            <p:ph idx="1" type="body"/>
+            <p:ph idx="4294967295" type="body"/>
           </p:nvPr>
         </p:nvSpPr>
         <p:spPr>
           <a:xfrm>
-            <a:off x="471900" y="1919075"/>
-            <a:ext cx="4100100" cy="2710200"/>
+            <a:off x="46450" y="878000"/>
+            <a:ext cx="2345700" cy="4023600"/>
           </a:xfrm>
           <a:prstGeom prst="rect">
             <a:avLst/>
@@ -8578,58 +8715,9 @@
           </a:p>
         </p:txBody>
       </p:sp>
-      <p:sp>
-        <p:nvSpPr>
-          <p:cNvPr id="99" name="Google Shape;99;p17"/>
-          <p:cNvSpPr/>
-          <p:nvPr/>
-        </p:nvSpPr>
-        <p:spPr>
-          <a:xfrm>
-            <a:off x="5025575" y="-50"/>
-            <a:ext cx="4118400" cy="5143500"/>
-          </a:xfrm>
-          <a:prstGeom prst="rect">
-            <a:avLst/>
-          </a:prstGeom>
-          <a:solidFill>
-            <a:schemeClr val="lt1"/>
-          </a:solidFill>
-          <a:ln cap="flat" cmpd="sng" w="9525">
-            <a:solidFill>
-              <a:schemeClr val="lt1"/>
-            </a:solidFill>
-            <a:prstDash val="solid"/>
-            <a:round/>
-            <a:headEnd len="sm" w="sm" type="none"/>
-            <a:tailEnd len="sm" w="sm" type="none"/>
-          </a:ln>
-        </p:spPr>
-        <p:txBody>
-          <a:bodyPr anchorCtr="0" anchor="ctr" bIns="91425" lIns="91425" spcFirstLastPara="1" rIns="91425" wrap="square" tIns="91425">
-            <a:noAutofit/>
-          </a:bodyPr>
-          <a:lstStyle/>
-          <a:p>
-            <a:pPr indent="0" lvl="0" marL="0" rtl="0" algn="l">
-              <a:spcBef>
-                <a:spcPts val="0"/>
-              </a:spcBef>
-              <a:spcAft>
-                <a:spcPts val="0"/>
-              </a:spcAft>
-              <a:buNone/>
-            </a:pPr>
-            <a:r>
-              <a:t/>
-            </a:r>
-            <a:endParaRPr/>
-          </a:p>
-        </p:txBody>
-      </p:sp>
       <p:pic>
         <p:nvPicPr>
-          <p:cNvPr id="100" name="Google Shape;100;p17"/>
+          <p:cNvPr id="99" name="Google Shape;99;p17"/>
           <p:cNvPicPr preferRelativeResize="0"/>
           <p:nvPr/>
         </p:nvPicPr>
@@ -8643,21 +8731,15 @@
         </p:blipFill>
         <p:spPr>
           <a:xfrm>
-            <a:off x="5199375" y="63500"/>
-            <a:ext cx="3770800" cy="5016501"/>
+            <a:off x="2488775" y="878000"/>
+            <a:ext cx="6498627" cy="4023551"/>
           </a:xfrm>
           <a:prstGeom prst="rect">
             <a:avLst/>
           </a:prstGeom>
           <a:noFill/>
-          <a:ln cap="flat" cmpd="sng" w="9525">
-            <a:solidFill>
-              <a:schemeClr val="lt1"/>
-            </a:solidFill>
-            <a:prstDash val="solid"/>
-            <a:round/>
-            <a:headEnd len="sm" w="sm" type="none"/>
-            <a:tailEnd len="sm" w="sm" type="none"/>
+          <a:ln>
+            <a:noFill/>
           </a:ln>
         </p:spPr>
       </p:pic>
@@ -8674,7 +8756,7 @@
   <p:cSld>
     <p:spTree>
       <p:nvGrpSpPr>
-        <p:cNvPr id="104" name="Shape 104"/>
+        <p:cNvPr id="103" name="Shape 103"/>
         <p:cNvGrpSpPr/>
         <p:nvPr/>
       </p:nvGrpSpPr>
@@ -8688,7 +8770,7 @@
       </p:grpSpPr>
       <p:sp>
         <p:nvSpPr>
-          <p:cNvPr id="105" name="Google Shape;105;p18"/>
+          <p:cNvPr id="104" name="Google Shape;104;p18"/>
           <p:cNvSpPr txBox="1"/>
           <p:nvPr>
             <p:ph type="title"/>
@@ -8739,7 +8821,7 @@
   <p:cSld>
     <p:spTree>
       <p:nvGrpSpPr>
-        <p:cNvPr id="109" name="Shape 109"/>
+        <p:cNvPr id="108" name="Shape 108"/>
         <p:cNvGrpSpPr/>
         <p:nvPr/>
       </p:nvGrpSpPr>
@@ -8753,7 +8835,7 @@
       </p:grpSpPr>
       <p:sp>
         <p:nvSpPr>
-          <p:cNvPr id="110" name="Google Shape;110;p19"/>
+          <p:cNvPr id="109" name="Google Shape;109;p19"/>
           <p:cNvSpPr txBox="1"/>
           <p:nvPr>
             <p:ph type="title"/>
@@ -8793,7 +8875,7 @@
       </p:sp>
       <p:sp>
         <p:nvSpPr>
-          <p:cNvPr id="111" name="Google Shape;111;p19"/>
+          <p:cNvPr id="110" name="Google Shape;110;p19"/>
           <p:cNvSpPr txBox="1"/>
           <p:nvPr>
             <p:ph idx="1" type="body"/>
@@ -8860,7 +8942,7 @@
             </a:pPr>
             <a:r>
               <a:rPr lang="en"/>
-              <a:t>Post/Picture/Comment Upload</a:t>
+              <a:t>Posting pictures and comments</a:t>
             </a:r>
             <a:endParaRPr/>
           </a:p>
@@ -8877,7 +8959,7 @@
             </a:pPr>
             <a:r>
               <a:rPr lang="en"/>
-              <a:t>Comments</a:t>
+              <a:t>Viewing comments</a:t>
             </a:r>
             <a:endParaRPr/>
           </a:p>
@@ -8953,7 +9035,7 @@
       </p:sp>
       <p:sp>
         <p:nvSpPr>
-          <p:cNvPr id="112" name="Google Shape;112;p19"/>
+          <p:cNvPr id="111" name="Google Shape;111;p19"/>
           <p:cNvSpPr txBox="1"/>
           <p:nvPr>
             <p:ph idx="1" type="body"/>
@@ -9037,7 +9119,7 @@
             </a:pPr>
             <a:r>
               <a:rPr lang="en"/>
-              <a:t>Like Posts</a:t>
+              <a:t>Ability to like posts</a:t>
             </a:r>
             <a:endParaRPr/>
           </a:p>
@@ -9056,7 +9138,7 @@
   <p:cSld>
     <p:spTree>
       <p:nvGrpSpPr>
-        <p:cNvPr id="116" name="Shape 116"/>
+        <p:cNvPr id="115" name="Shape 115"/>
         <p:cNvGrpSpPr/>
         <p:nvPr/>
       </p:nvGrpSpPr>
@@ -9070,7 +9152,7 @@
       </p:grpSpPr>
       <p:pic>
         <p:nvPicPr>
-          <p:cNvPr id="117" name="Google Shape;117;p20"/>
+          <p:cNvPr id="116" name="Google Shape;116;p20"/>
           <p:cNvPicPr preferRelativeResize="0"/>
           <p:nvPr/>
         </p:nvPicPr>
@@ -9096,6 +9178,107 @@
           </a:ln>
         </p:spPr>
       </p:pic>
+    </p:spTree>
+  </p:cSld>
+  <p:clrMapOvr>
+    <a:masterClrMapping/>
+  </p:clrMapOvr>
+</p:sld>
+</file>
+
+<file path=ppt/slides/slide9.xml><?xml version="1.0" encoding="utf-8"?>
+<p:sld xmlns:a="http://schemas.openxmlformats.org/drawingml/2006/main" xmlns:r="http://schemas.openxmlformats.org/officeDocument/2006/relationships" xmlns:mc="http://schemas.openxmlformats.org/markup-compatibility/2006" xmlns:mv="urn:schemas-microsoft-com:mac:vml" xmlns:p="http://schemas.openxmlformats.org/presentationml/2006/main" xmlns:c="http://schemas.openxmlformats.org/drawingml/2006/chart" xmlns:dgm="http://schemas.openxmlformats.org/drawingml/2006/diagram" xmlns:o="urn:schemas-microsoft-com:office:office" xmlns:v="urn:schemas-microsoft-com:vml" xmlns:pvml="urn:schemas-microsoft-com:office:powerpoint" xmlns:com="http://schemas.openxmlformats.org/drawingml/2006/compatibility" xmlns:p14="http://schemas.microsoft.com/office/powerpoint/2010/main" xmlns:p15="http://schemas.microsoft.com/office/powerpoint/2012/main" xmlns:ahyp="http://schemas.microsoft.com/office/drawing/2018/hyperlinkcolor">
+  <p:cSld>
+    <p:spTree>
+      <p:nvGrpSpPr>
+        <p:cNvPr id="120" name="Shape 120"/>
+        <p:cNvGrpSpPr/>
+        <p:nvPr/>
+      </p:nvGrpSpPr>
+      <p:grpSpPr>
+        <a:xfrm>
+          <a:off x="0" y="0"/>
+          <a:ext cx="0" cy="0"/>
+          <a:chOff x="0" y="0"/>
+          <a:chExt cx="0" cy="0"/>
+        </a:xfrm>
+      </p:grpSpPr>
+      <p:sp>
+        <p:nvSpPr>
+          <p:cNvPr id="121" name="Google Shape;121;p21"/>
+          <p:cNvSpPr txBox="1"/>
+          <p:nvPr>
+            <p:ph type="title"/>
+          </p:nvPr>
+        </p:nvSpPr>
+        <p:spPr>
+          <a:xfrm>
+            <a:off x="460950" y="2065350"/>
+            <a:ext cx="8222100" cy="1012800"/>
+          </a:xfrm>
+          <a:prstGeom prst="rect">
+            <a:avLst/>
+          </a:prstGeom>
+        </p:spPr>
+        <p:txBody>
+          <a:bodyPr anchorCtr="0" anchor="ctr" bIns="91425" lIns="91425" spcFirstLastPara="1" rIns="91425" wrap="square" tIns="91425">
+            <a:noAutofit/>
+          </a:bodyPr>
+          <a:lstStyle/>
+          <a:p>
+            <a:pPr indent="0" lvl="0" marL="0" rtl="0" algn="ctr">
+              <a:spcBef>
+                <a:spcPts val="0"/>
+              </a:spcBef>
+              <a:spcAft>
+                <a:spcPts val="0"/>
+              </a:spcAft>
+              <a:buNone/>
+            </a:pPr>
+            <a:r>
+              <a:rPr lang="en" sz="6200">
+                <a:latin typeface="Lexend"/>
+                <a:ea typeface="Lexend"/>
+                <a:cs typeface="Lexend"/>
+                <a:sym typeface="Lexend"/>
+              </a:rPr>
+              <a:t>Thank you!</a:t>
+            </a:r>
+            <a:endParaRPr sz="6200">
+              <a:latin typeface="Lexend"/>
+              <a:ea typeface="Lexend"/>
+              <a:cs typeface="Lexend"/>
+              <a:sym typeface="Lexend"/>
+            </a:endParaRPr>
+          </a:p>
+          <a:p>
+            <a:pPr indent="0" lvl="0" marL="0" rtl="0" algn="ctr">
+              <a:spcBef>
+                <a:spcPts val="0"/>
+              </a:spcBef>
+              <a:spcAft>
+                <a:spcPts val="0"/>
+              </a:spcAft>
+              <a:buNone/>
+            </a:pPr>
+            <a:r>
+              <a:rPr lang="en" sz="4000">
+                <a:latin typeface="Lexend"/>
+                <a:ea typeface="Lexend"/>
+                <a:cs typeface="Lexend"/>
+                <a:sym typeface="Lexend"/>
+              </a:rPr>
+              <a:t>Questions?</a:t>
+            </a:r>
+            <a:endParaRPr sz="4000">
+              <a:latin typeface="Lexend"/>
+              <a:ea typeface="Lexend"/>
+              <a:cs typeface="Lexend"/>
+              <a:sym typeface="Lexend"/>
+            </a:endParaRPr>
+          </a:p>
+        </p:txBody>
+      </p:sp>
     </p:spTree>
   </p:cSld>
   <p:clrMapOvr>

--- a/PicMe Project Presentation.pptx
+++ b/PicMe Project Presentation.pptx
@@ -1,41 +1,41 @@
 
 <file path=ppt/presentation.xml><?xml version="1.0" encoding="utf-8"?>
-<p:presentation xmlns:a="http://schemas.openxmlformats.org/drawingml/2006/main" xmlns:r="http://schemas.openxmlformats.org/officeDocument/2006/relationships" xmlns:mc="http://schemas.openxmlformats.org/markup-compatibility/2006" xmlns:mv="urn:schemas-microsoft-com:mac:vml" xmlns:p="http://schemas.openxmlformats.org/presentationml/2006/main" xmlns:c="http://schemas.openxmlformats.org/drawingml/2006/chart" xmlns:dgm="http://schemas.openxmlformats.org/drawingml/2006/diagram" xmlns:o="urn:schemas-microsoft-com:office:office" xmlns:v="urn:schemas-microsoft-com:vml" xmlns:pvml="urn:schemas-microsoft-com:office:powerpoint" xmlns:com="http://schemas.openxmlformats.org/drawingml/2006/compatibility" xmlns:p14="http://schemas.microsoft.com/office/powerpoint/2010/main" xmlns:p15="http://schemas.microsoft.com/office/powerpoint/2012/main" xmlns:ahyp="http://schemas.microsoft.com/office/drawing/2018/hyperlinkcolor" autoCompressPictures="0" embedTrueTypeFonts="1" strictFirstAndLastChars="0" saveSubsetFonts="1">
+<p:presentation xmlns:a="http://schemas.openxmlformats.org/drawingml/2006/main" xmlns:r="http://schemas.openxmlformats.org/officeDocument/2006/relationships" xmlns:p="http://schemas.openxmlformats.org/presentationml/2006/main" strictFirstAndLastChars="0" embedTrueTypeFonts="1" saveSubsetFonts="1" autoCompressPictures="0">
   <p:sldMasterIdLst>
-    <p:sldMasterId id="2147483659" r:id="rId4"/>
+    <p:sldMasterId id="2147483659" r:id="rId1"/>
   </p:sldMasterIdLst>
   <p:notesMasterIdLst>
-    <p:notesMasterId r:id="rId5"/>
+    <p:notesMasterId r:id="rId11"/>
   </p:notesMasterIdLst>
   <p:sldIdLst>
-    <p:sldId id="256" r:id="rId6"/>
-    <p:sldId id="257" r:id="rId7"/>
-    <p:sldId id="258" r:id="rId8"/>
-    <p:sldId id="259" r:id="rId9"/>
-    <p:sldId id="260" r:id="rId10"/>
-    <p:sldId id="261" r:id="rId11"/>
-    <p:sldId id="262" r:id="rId12"/>
-    <p:sldId id="263" r:id="rId13"/>
-    <p:sldId id="264" r:id="rId14"/>
+    <p:sldId id="256" r:id="rId2"/>
+    <p:sldId id="257" r:id="rId3"/>
+    <p:sldId id="258" r:id="rId4"/>
+    <p:sldId id="259" r:id="rId5"/>
+    <p:sldId id="260" r:id="rId6"/>
+    <p:sldId id="261" r:id="rId7"/>
+    <p:sldId id="262" r:id="rId8"/>
+    <p:sldId id="263" r:id="rId9"/>
+    <p:sldId id="264" r:id="rId10"/>
   </p:sldIdLst>
-  <p:sldSz cy="5143500" cx="9144000"/>
+  <p:sldSz cx="9144000" cy="5143500" type="screen16x9"/>
   <p:notesSz cx="6858000" cy="9144000"/>
   <p:embeddedFontLst>
     <p:embeddedFont>
-      <p:font typeface="Roboto"/>
-      <p:regular r:id="rId15"/>
-      <p:bold r:id="rId16"/>
-      <p:italic r:id="rId17"/>
-      <p:boldItalic r:id="rId18"/>
+      <p:font typeface="Lexend" pitchFamily="2" charset="77"/>
+      <p:regular r:id="rId12"/>
+      <p:bold r:id="rId13"/>
     </p:embeddedFont>
     <p:embeddedFont>
-      <p:font typeface="Lexend"/>
-      <p:regular r:id="rId19"/>
-      <p:bold r:id="rId20"/>
+      <p:font typeface="Roboto" panose="02000000000000000000" pitchFamily="2" charset="0"/>
+      <p:regular r:id="rId14"/>
+      <p:bold r:id="rId15"/>
+      <p:italic r:id="rId16"/>
+      <p:boldItalic r:id="rId17"/>
     </p:embeddedFont>
   </p:embeddedFontLst>
   <p:defaultTextStyle>
-    <a:defPPr lvl="0" marR="0" rtl="0" algn="l">
+    <a:defPPr marR="0" lvl="0" algn="l" rtl="0">
       <a:lnSpc>
         <a:spcPct val="100000"/>
       </a:lnSpc>
@@ -46,7 +46,7 @@
         <a:spcPts val="0"/>
       </a:spcAft>
     </a:defPPr>
-    <a:lvl1pPr lvl="0" marR="0" rtl="0" algn="l">
+    <a:lvl1pPr marR="0" lvl="0" algn="l" rtl="0">
       <a:lnSpc>
         <a:spcPct val="100000"/>
       </a:lnSpc>
@@ -60,7 +60,7 @@
         <a:srgbClr val="000000"/>
       </a:buClr>
       <a:buFont typeface="Arial"/>
-      <a:defRPr b="0" i="0" sz="1400" u="none" cap="none" strike="noStrike">
+      <a:defRPr sz="1400" b="0" i="0" u="none" strike="noStrike" cap="none">
         <a:solidFill>
           <a:srgbClr val="000000"/>
         </a:solidFill>
@@ -70,7 +70,7 @@
         <a:sym typeface="Arial"/>
       </a:defRPr>
     </a:lvl1pPr>
-    <a:lvl2pPr lvl="1" marR="0" rtl="0" algn="l">
+    <a:lvl2pPr marR="0" lvl="1" algn="l" rtl="0">
       <a:lnSpc>
         <a:spcPct val="100000"/>
       </a:lnSpc>
@@ -84,7 +84,7 @@
         <a:srgbClr val="000000"/>
       </a:buClr>
       <a:buFont typeface="Arial"/>
-      <a:defRPr b="0" i="0" sz="1400" u="none" cap="none" strike="noStrike">
+      <a:defRPr sz="1400" b="0" i="0" u="none" strike="noStrike" cap="none">
         <a:solidFill>
           <a:srgbClr val="000000"/>
         </a:solidFill>
@@ -94,7 +94,7 @@
         <a:sym typeface="Arial"/>
       </a:defRPr>
     </a:lvl2pPr>
-    <a:lvl3pPr lvl="2" marR="0" rtl="0" algn="l">
+    <a:lvl3pPr marR="0" lvl="2" algn="l" rtl="0">
       <a:lnSpc>
         <a:spcPct val="100000"/>
       </a:lnSpc>
@@ -108,7 +108,7 @@
         <a:srgbClr val="000000"/>
       </a:buClr>
       <a:buFont typeface="Arial"/>
-      <a:defRPr b="0" i="0" sz="1400" u="none" cap="none" strike="noStrike">
+      <a:defRPr sz="1400" b="0" i="0" u="none" strike="noStrike" cap="none">
         <a:solidFill>
           <a:srgbClr val="000000"/>
         </a:solidFill>
@@ -118,7 +118,7 @@
         <a:sym typeface="Arial"/>
       </a:defRPr>
     </a:lvl3pPr>
-    <a:lvl4pPr lvl="3" marR="0" rtl="0" algn="l">
+    <a:lvl4pPr marR="0" lvl="3" algn="l" rtl="0">
       <a:lnSpc>
         <a:spcPct val="100000"/>
       </a:lnSpc>
@@ -132,7 +132,7 @@
         <a:srgbClr val="000000"/>
       </a:buClr>
       <a:buFont typeface="Arial"/>
-      <a:defRPr b="0" i="0" sz="1400" u="none" cap="none" strike="noStrike">
+      <a:defRPr sz="1400" b="0" i="0" u="none" strike="noStrike" cap="none">
         <a:solidFill>
           <a:srgbClr val="000000"/>
         </a:solidFill>
@@ -142,7 +142,7 @@
         <a:sym typeface="Arial"/>
       </a:defRPr>
     </a:lvl4pPr>
-    <a:lvl5pPr lvl="4" marR="0" rtl="0" algn="l">
+    <a:lvl5pPr marR="0" lvl="4" algn="l" rtl="0">
       <a:lnSpc>
         <a:spcPct val="100000"/>
       </a:lnSpc>
@@ -156,7 +156,7 @@
         <a:srgbClr val="000000"/>
       </a:buClr>
       <a:buFont typeface="Arial"/>
-      <a:defRPr b="0" i="0" sz="1400" u="none" cap="none" strike="noStrike">
+      <a:defRPr sz="1400" b="0" i="0" u="none" strike="noStrike" cap="none">
         <a:solidFill>
           <a:srgbClr val="000000"/>
         </a:solidFill>
@@ -166,7 +166,7 @@
         <a:sym typeface="Arial"/>
       </a:defRPr>
     </a:lvl5pPr>
-    <a:lvl6pPr lvl="5" marR="0" rtl="0" algn="l">
+    <a:lvl6pPr marR="0" lvl="5" algn="l" rtl="0">
       <a:lnSpc>
         <a:spcPct val="100000"/>
       </a:lnSpc>
@@ -180,7 +180,7 @@
         <a:srgbClr val="000000"/>
       </a:buClr>
       <a:buFont typeface="Arial"/>
-      <a:defRPr b="0" i="0" sz="1400" u="none" cap="none" strike="noStrike">
+      <a:defRPr sz="1400" b="0" i="0" u="none" strike="noStrike" cap="none">
         <a:solidFill>
           <a:srgbClr val="000000"/>
         </a:solidFill>
@@ -190,7 +190,7 @@
         <a:sym typeface="Arial"/>
       </a:defRPr>
     </a:lvl6pPr>
-    <a:lvl7pPr lvl="6" marR="0" rtl="0" algn="l">
+    <a:lvl7pPr marR="0" lvl="6" algn="l" rtl="0">
       <a:lnSpc>
         <a:spcPct val="100000"/>
       </a:lnSpc>
@@ -204,7 +204,7 @@
         <a:srgbClr val="000000"/>
       </a:buClr>
       <a:buFont typeface="Arial"/>
-      <a:defRPr b="0" i="0" sz="1400" u="none" cap="none" strike="noStrike">
+      <a:defRPr sz="1400" b="0" i="0" u="none" strike="noStrike" cap="none">
         <a:solidFill>
           <a:srgbClr val="000000"/>
         </a:solidFill>
@@ -214,7 +214,7 @@
         <a:sym typeface="Arial"/>
       </a:defRPr>
     </a:lvl7pPr>
-    <a:lvl8pPr lvl="7" marR="0" rtl="0" algn="l">
+    <a:lvl8pPr marR="0" lvl="7" algn="l" rtl="0">
       <a:lnSpc>
         <a:spcPct val="100000"/>
       </a:lnSpc>
@@ -228,7 +228,7 @@
         <a:srgbClr val="000000"/>
       </a:buClr>
       <a:buFont typeface="Arial"/>
-      <a:defRPr b="0" i="0" sz="1400" u="none" cap="none" strike="noStrike">
+      <a:defRPr sz="1400" b="0" i="0" u="none" strike="noStrike" cap="none">
         <a:solidFill>
           <a:srgbClr val="000000"/>
         </a:solidFill>
@@ -238,7 +238,7 @@
         <a:sym typeface="Arial"/>
       </a:defRPr>
     </a:lvl8pPr>
-    <a:lvl9pPr lvl="8" marR="0" rtl="0" algn="l">
+    <a:lvl9pPr marR="0" lvl="8" algn="l" rtl="0">
       <a:lnSpc>
         <a:spcPct val="100000"/>
       </a:lnSpc>
@@ -252,7 +252,7 @@
         <a:srgbClr val="000000"/>
       </a:buClr>
       <a:buFont typeface="Arial"/>
-      <a:defRPr b="0" i="0" sz="1400" u="none" cap="none" strike="noStrike">
+      <a:defRPr sz="1400" b="0" i="0" u="none" strike="noStrike" cap="none">
         <a:solidFill>
           <a:srgbClr val="000000"/>
         </a:solidFill>
@@ -265,7 +265,7 @@
   </p:defaultTextStyle>
   <p:extLst>
     <p:ext uri="{EFAFB233-063F-42B5-8137-9DF3F51BA10A}">
-      <p15:sldGuideLst>
+      <p15:sldGuideLst xmlns:p15="http://schemas.microsoft.com/office/powerpoint/2012/main">
         <p15:guide id="1" orient="horz" pos="1620">
           <p15:clr>
             <a:srgbClr val="747775"/>
@@ -283,11 +283,16 @@
 </file>
 
 <file path=ppt/notesMasters/notesMaster1.xml><?xml version="1.0" encoding="utf-8"?>
-<p:notesMaster xmlns:a="http://schemas.openxmlformats.org/drawingml/2006/main" xmlns:r="http://schemas.openxmlformats.org/officeDocument/2006/relationships" xmlns:mc="http://schemas.openxmlformats.org/markup-compatibility/2006" xmlns:mv="urn:schemas-microsoft-com:mac:vml" xmlns:p="http://schemas.openxmlformats.org/presentationml/2006/main" xmlns:c="http://schemas.openxmlformats.org/drawingml/2006/chart" xmlns:dgm="http://schemas.openxmlformats.org/drawingml/2006/diagram" xmlns:o="urn:schemas-microsoft-com:office:office" xmlns:v="urn:schemas-microsoft-com:vml" xmlns:pvml="urn:schemas-microsoft-com:office:powerpoint" xmlns:com="http://schemas.openxmlformats.org/drawingml/2006/compatibility" xmlns:p14="http://schemas.microsoft.com/office/powerpoint/2010/main" xmlns:p15="http://schemas.microsoft.com/office/powerpoint/2012/main" xmlns:ahyp="http://schemas.microsoft.com/office/drawing/2018/hyperlinkcolor">
+<p:notesMaster xmlns:a="http://schemas.openxmlformats.org/drawingml/2006/main" xmlns:r="http://schemas.openxmlformats.org/officeDocument/2006/relationships" xmlns:p="http://schemas.openxmlformats.org/presentationml/2006/main">
   <p:cSld>
+    <p:bg>
+      <p:bgRef idx="1001">
+        <a:schemeClr val="bg1"/>
+      </p:bgRef>
+    </p:bg>
     <p:spTree>
       <p:nvGrpSpPr>
-        <p:cNvPr id="2" name="Shape 2"/>
+        <p:cNvPr id="1" name="Shape 2"/>
         <p:cNvGrpSpPr/>
         <p:nvPr/>
       </p:nvGrpSpPr>
@@ -302,9 +307,11 @@
       <p:sp>
         <p:nvSpPr>
           <p:cNvPr id="3" name="Google Shape;3;n"/>
-          <p:cNvSpPr/>
+          <p:cNvSpPr>
+            <a:spLocks noGrp="1" noRot="1" noChangeAspect="1"/>
+          </p:cNvSpPr>
           <p:nvPr>
-            <p:ph idx="2" type="sldImg"/>
+            <p:ph type="sldImg" idx="2"/>
           </p:nvPr>
         </p:nvSpPr>
         <p:spPr>
@@ -313,9 +320,13 @@
             <a:ext cx="6096075" cy="3429000"/>
           </a:xfrm>
           <a:custGeom>
-            <a:rect b="b" l="l" r="r" t="t"/>
+            <a:avLst/>
+            <a:gdLst/>
+            <a:ahLst/>
+            <a:cxnLst/>
+            <a:rect l="l" t="t" r="r" b="b"/>
             <a:pathLst>
-              <a:path extrusionOk="0" h="120000" w="120000">
+              <a:path w="120000" h="120000" extrusionOk="0">
                 <a:moveTo>
                   <a:pt x="0" y="0"/>
                 </a:moveTo>
@@ -333,23 +344,25 @@
             </a:pathLst>
           </a:custGeom>
           <a:noFill/>
-          <a:ln cap="flat" cmpd="sng" w="9525">
+          <a:ln w="9525" cap="flat" cmpd="sng">
             <a:solidFill>
               <a:srgbClr val="000000"/>
             </a:solidFill>
             <a:prstDash val="solid"/>
             <a:round/>
-            <a:headEnd len="sm" w="sm" type="none"/>
-            <a:tailEnd len="sm" w="sm" type="none"/>
+            <a:headEnd type="none" w="sm" len="sm"/>
+            <a:tailEnd type="none" w="sm" len="sm"/>
           </a:ln>
         </p:spPr>
       </p:sp>
       <p:sp>
         <p:nvSpPr>
           <p:cNvPr id="4" name="Google Shape;4;n"/>
-          <p:cNvSpPr txBox="1"/>
+          <p:cNvSpPr txBox="1">
+            <a:spLocks noGrp="1"/>
+          </p:cNvSpPr>
           <p:nvPr>
-            <p:ph idx="1" type="body"/>
+            <p:ph type="body" idx="1"/>
           </p:nvPr>
         </p:nvSpPr>
         <p:spPr>
@@ -366,11 +379,11 @@
           </a:ln>
         </p:spPr>
         <p:txBody>
-          <a:bodyPr anchorCtr="0" anchor="t" bIns="91425" lIns="91425" spcFirstLastPara="1" rIns="91425" wrap="square" tIns="91425">
+          <a:bodyPr spcFirstLastPara="1" wrap="square" lIns="91425" tIns="91425" rIns="91425" bIns="91425" anchor="t" anchorCtr="0">
             <a:noAutofit/>
           </a:bodyPr>
           <a:lstStyle>
-            <a:lvl1pPr indent="-298450" lvl="0" marL="457200">
+            <a:lvl1pPr marL="457200" lvl="0" indent="-298450">
               <a:spcBef>
                 <a:spcPts val="0"/>
               </a:spcBef>
@@ -381,7 +394,7 @@
               <a:buChar char="●"/>
               <a:defRPr sz="1100"/>
             </a:lvl1pPr>
-            <a:lvl2pPr indent="-298450" lvl="1" marL="914400">
+            <a:lvl2pPr marL="914400" lvl="1" indent="-298450">
               <a:spcBef>
                 <a:spcPts val="0"/>
               </a:spcBef>
@@ -392,7 +405,7 @@
               <a:buChar char="○"/>
               <a:defRPr sz="1100"/>
             </a:lvl2pPr>
-            <a:lvl3pPr indent="-298450" lvl="2" marL="1371600">
+            <a:lvl3pPr marL="1371600" lvl="2" indent="-298450">
               <a:spcBef>
                 <a:spcPts val="0"/>
               </a:spcBef>
@@ -403,7 +416,7 @@
               <a:buChar char="■"/>
               <a:defRPr sz="1100"/>
             </a:lvl3pPr>
-            <a:lvl4pPr indent="-298450" lvl="3" marL="1828800">
+            <a:lvl4pPr marL="1828800" lvl="3" indent="-298450">
               <a:spcBef>
                 <a:spcPts val="0"/>
               </a:spcBef>
@@ -414,7 +427,7 @@
               <a:buChar char="●"/>
               <a:defRPr sz="1100"/>
             </a:lvl4pPr>
-            <a:lvl5pPr indent="-298450" lvl="4" marL="2286000">
+            <a:lvl5pPr marL="2286000" lvl="4" indent="-298450">
               <a:spcBef>
                 <a:spcPts val="0"/>
               </a:spcBef>
@@ -425,7 +438,7 @@
               <a:buChar char="○"/>
               <a:defRPr sz="1100"/>
             </a:lvl5pPr>
-            <a:lvl6pPr indent="-298450" lvl="5" marL="2743200">
+            <a:lvl6pPr marL="2743200" lvl="5" indent="-298450">
               <a:spcBef>
                 <a:spcPts val="0"/>
               </a:spcBef>
@@ -436,7 +449,7 @@
               <a:buChar char="■"/>
               <a:defRPr sz="1100"/>
             </a:lvl6pPr>
-            <a:lvl7pPr indent="-298450" lvl="6" marL="3200400">
+            <a:lvl7pPr marL="3200400" lvl="6" indent="-298450">
               <a:spcBef>
                 <a:spcPts val="0"/>
               </a:spcBef>
@@ -447,7 +460,7 @@
               <a:buChar char="●"/>
               <a:defRPr sz="1100"/>
             </a:lvl7pPr>
-            <a:lvl8pPr indent="-298450" lvl="7" marL="3657600">
+            <a:lvl8pPr marL="3657600" lvl="7" indent="-298450">
               <a:spcBef>
                 <a:spcPts val="0"/>
               </a:spcBef>
@@ -458,7 +471,7 @@
               <a:buChar char="○"/>
               <a:defRPr sz="1100"/>
             </a:lvl8pPr>
-            <a:lvl9pPr indent="-298450" lvl="8" marL="4114800">
+            <a:lvl9pPr marL="4114800" lvl="8" indent="-298450">
               <a:spcBef>
                 <a:spcPts val="0"/>
               </a:spcBef>
@@ -470,14 +483,16 @@
               <a:defRPr sz="1100"/>
             </a:lvl9pPr>
           </a:lstStyle>
-          <a:p/>
+          <a:p>
+            <a:endParaRPr/>
+          </a:p>
         </p:txBody>
       </p:sp>
     </p:spTree>
   </p:cSld>
-  <p:clrMap accent1="accent1" accent2="accent2" accent3="accent3" accent4="accent4" accent5="accent5" accent6="accent6" bg1="lt1" bg2="dk2" tx1="dk1" tx2="lt2" folHlink="folHlink" hlink="hlink"/>
+  <p:clrMap bg1="lt1" tx1="dk1" bg2="dk2" tx2="lt2" accent1="accent1" accent2="accent2" accent3="accent3" accent4="accent4" accent5="accent5" accent6="accent6" hlink="hlink" folHlink="folHlink"/>
   <p:notesStyle>
-    <a:defPPr lvl="0" marR="0" rtl="0" algn="l">
+    <a:defPPr marR="0" lvl="0" algn="l" rtl="0">
       <a:lnSpc>
         <a:spcPct val="100000"/>
       </a:lnSpc>
@@ -488,7 +503,7 @@
         <a:spcPts val="0"/>
       </a:spcAft>
     </a:defPPr>
-    <a:lvl1pPr lvl="0" marR="0" rtl="0" algn="l">
+    <a:lvl1pPr marR="0" lvl="0" algn="l" rtl="0">
       <a:lnSpc>
         <a:spcPct val="100000"/>
       </a:lnSpc>
@@ -502,7 +517,7 @@
         <a:srgbClr val="000000"/>
       </a:buClr>
       <a:buFont typeface="Arial"/>
-      <a:defRPr b="0" i="0" sz="1400" u="none" cap="none" strike="noStrike">
+      <a:defRPr sz="1400" b="0" i="0" u="none" strike="noStrike" cap="none">
         <a:solidFill>
           <a:srgbClr val="000000"/>
         </a:solidFill>
@@ -512,7 +527,7 @@
         <a:sym typeface="Arial"/>
       </a:defRPr>
     </a:lvl1pPr>
-    <a:lvl2pPr lvl="1" marR="0" rtl="0" algn="l">
+    <a:lvl2pPr marR="0" lvl="1" algn="l" rtl="0">
       <a:lnSpc>
         <a:spcPct val="100000"/>
       </a:lnSpc>
@@ -526,7 +541,7 @@
         <a:srgbClr val="000000"/>
       </a:buClr>
       <a:buFont typeface="Arial"/>
-      <a:defRPr b="0" i="0" sz="1400" u="none" cap="none" strike="noStrike">
+      <a:defRPr sz="1400" b="0" i="0" u="none" strike="noStrike" cap="none">
         <a:solidFill>
           <a:srgbClr val="000000"/>
         </a:solidFill>
@@ -536,7 +551,7 @@
         <a:sym typeface="Arial"/>
       </a:defRPr>
     </a:lvl2pPr>
-    <a:lvl3pPr lvl="2" marR="0" rtl="0" algn="l">
+    <a:lvl3pPr marR="0" lvl="2" algn="l" rtl="0">
       <a:lnSpc>
         <a:spcPct val="100000"/>
       </a:lnSpc>
@@ -550,7 +565,7 @@
         <a:srgbClr val="000000"/>
       </a:buClr>
       <a:buFont typeface="Arial"/>
-      <a:defRPr b="0" i="0" sz="1400" u="none" cap="none" strike="noStrike">
+      <a:defRPr sz="1400" b="0" i="0" u="none" strike="noStrike" cap="none">
         <a:solidFill>
           <a:srgbClr val="000000"/>
         </a:solidFill>
@@ -560,7 +575,7 @@
         <a:sym typeface="Arial"/>
       </a:defRPr>
     </a:lvl3pPr>
-    <a:lvl4pPr lvl="3" marR="0" rtl="0" algn="l">
+    <a:lvl4pPr marR="0" lvl="3" algn="l" rtl="0">
       <a:lnSpc>
         <a:spcPct val="100000"/>
       </a:lnSpc>
@@ -574,7 +589,7 @@
         <a:srgbClr val="000000"/>
       </a:buClr>
       <a:buFont typeface="Arial"/>
-      <a:defRPr b="0" i="0" sz="1400" u="none" cap="none" strike="noStrike">
+      <a:defRPr sz="1400" b="0" i="0" u="none" strike="noStrike" cap="none">
         <a:solidFill>
           <a:srgbClr val="000000"/>
         </a:solidFill>
@@ -584,7 +599,7 @@
         <a:sym typeface="Arial"/>
       </a:defRPr>
     </a:lvl4pPr>
-    <a:lvl5pPr lvl="4" marR="0" rtl="0" algn="l">
+    <a:lvl5pPr marR="0" lvl="4" algn="l" rtl="0">
       <a:lnSpc>
         <a:spcPct val="100000"/>
       </a:lnSpc>
@@ -598,7 +613,7 @@
         <a:srgbClr val="000000"/>
       </a:buClr>
       <a:buFont typeface="Arial"/>
-      <a:defRPr b="0" i="0" sz="1400" u="none" cap="none" strike="noStrike">
+      <a:defRPr sz="1400" b="0" i="0" u="none" strike="noStrike" cap="none">
         <a:solidFill>
           <a:srgbClr val="000000"/>
         </a:solidFill>
@@ -608,7 +623,7 @@
         <a:sym typeface="Arial"/>
       </a:defRPr>
     </a:lvl5pPr>
-    <a:lvl6pPr lvl="5" marR="0" rtl="0" algn="l">
+    <a:lvl6pPr marR="0" lvl="5" algn="l" rtl="0">
       <a:lnSpc>
         <a:spcPct val="100000"/>
       </a:lnSpc>
@@ -622,7 +637,7 @@
         <a:srgbClr val="000000"/>
       </a:buClr>
       <a:buFont typeface="Arial"/>
-      <a:defRPr b="0" i="0" sz="1400" u="none" cap="none" strike="noStrike">
+      <a:defRPr sz="1400" b="0" i="0" u="none" strike="noStrike" cap="none">
         <a:solidFill>
           <a:srgbClr val="000000"/>
         </a:solidFill>
@@ -632,7 +647,7 @@
         <a:sym typeface="Arial"/>
       </a:defRPr>
     </a:lvl6pPr>
-    <a:lvl7pPr lvl="6" marR="0" rtl="0" algn="l">
+    <a:lvl7pPr marR="0" lvl="6" algn="l" rtl="0">
       <a:lnSpc>
         <a:spcPct val="100000"/>
       </a:lnSpc>
@@ -646,7 +661,7 @@
         <a:srgbClr val="000000"/>
       </a:buClr>
       <a:buFont typeface="Arial"/>
-      <a:defRPr b="0" i="0" sz="1400" u="none" cap="none" strike="noStrike">
+      <a:defRPr sz="1400" b="0" i="0" u="none" strike="noStrike" cap="none">
         <a:solidFill>
           <a:srgbClr val="000000"/>
         </a:solidFill>
@@ -656,7 +671,7 @@
         <a:sym typeface="Arial"/>
       </a:defRPr>
     </a:lvl7pPr>
-    <a:lvl8pPr lvl="7" marR="0" rtl="0" algn="l">
+    <a:lvl8pPr marR="0" lvl="7" algn="l" rtl="0">
       <a:lnSpc>
         <a:spcPct val="100000"/>
       </a:lnSpc>
@@ -670,7 +685,7 @@
         <a:srgbClr val="000000"/>
       </a:buClr>
       <a:buFont typeface="Arial"/>
-      <a:defRPr b="0" i="0" sz="1400" u="none" cap="none" strike="noStrike">
+      <a:defRPr sz="1400" b="0" i="0" u="none" strike="noStrike" cap="none">
         <a:solidFill>
           <a:srgbClr val="000000"/>
         </a:solidFill>
@@ -680,7 +695,7 @@
         <a:sym typeface="Arial"/>
       </a:defRPr>
     </a:lvl8pPr>
-    <a:lvl9pPr lvl="8" marR="0" rtl="0" algn="l">
+    <a:lvl9pPr marR="0" lvl="8" algn="l" rtl="0">
       <a:lnSpc>
         <a:spcPct val="100000"/>
       </a:lnSpc>
@@ -694,7 +709,7 @@
         <a:srgbClr val="000000"/>
       </a:buClr>
       <a:buFont typeface="Arial"/>
-      <a:defRPr b="0" i="0" sz="1400" u="none" cap="none" strike="noStrike">
+      <a:defRPr sz="1400" b="0" i="0" u="none" strike="noStrike" cap="none">
         <a:solidFill>
           <a:srgbClr val="000000"/>
         </a:solidFill>
@@ -709,11 +724,11 @@
 </file>
 
 <file path=ppt/notesSlides/notesSlide1.xml><?xml version="1.0" encoding="utf-8"?>
-<p:notes xmlns:a="http://schemas.openxmlformats.org/drawingml/2006/main" xmlns:r="http://schemas.openxmlformats.org/officeDocument/2006/relationships" xmlns:mc="http://schemas.openxmlformats.org/markup-compatibility/2006" xmlns:mv="urn:schemas-microsoft-com:mac:vml" xmlns:p="http://schemas.openxmlformats.org/presentationml/2006/main" xmlns:c="http://schemas.openxmlformats.org/drawingml/2006/chart" xmlns:dgm="http://schemas.openxmlformats.org/drawingml/2006/diagram" xmlns:o="urn:schemas-microsoft-com:office:office" xmlns:v="urn:schemas-microsoft-com:vml" xmlns:pvml="urn:schemas-microsoft-com:office:powerpoint" xmlns:com="http://schemas.openxmlformats.org/drawingml/2006/compatibility" xmlns:p14="http://schemas.microsoft.com/office/powerpoint/2010/main" xmlns:p15="http://schemas.microsoft.com/office/powerpoint/2012/main" xmlns:ahyp="http://schemas.microsoft.com/office/drawing/2018/hyperlinkcolor" showMasterPhAnim="0" showMasterSp="0">
+<p:notes xmlns:a="http://schemas.openxmlformats.org/drawingml/2006/main" xmlns:r="http://schemas.openxmlformats.org/officeDocument/2006/relationships" xmlns:p="http://schemas.openxmlformats.org/presentationml/2006/main" showMasterSp="0" showMasterPhAnim="0">
   <p:cSld>
     <p:spTree>
       <p:nvGrpSpPr>
-        <p:cNvPr id="63" name="Shape 63"/>
+        <p:cNvPr id="1" name="Shape 63"/>
         <p:cNvGrpSpPr/>
         <p:nvPr/>
       </p:nvGrpSpPr>
@@ -728,9 +743,11 @@
       <p:sp>
         <p:nvSpPr>
           <p:cNvPr id="64" name="Google Shape;64;p:notes"/>
-          <p:cNvSpPr/>
+          <p:cNvSpPr>
+            <a:spLocks noGrp="1" noRot="1" noChangeAspect="1"/>
+          </p:cNvSpPr>
           <p:nvPr>
-            <p:ph idx="2" type="sldImg"/>
+            <p:ph type="sldImg" idx="2"/>
           </p:nvPr>
         </p:nvSpPr>
         <p:spPr>
@@ -739,9 +756,13 @@
             <a:ext cx="6096075" cy="3429000"/>
           </a:xfrm>
           <a:custGeom>
-            <a:rect b="b" l="l" r="r" t="t"/>
+            <a:avLst/>
+            <a:gdLst/>
+            <a:ahLst/>
+            <a:cxnLst/>
+            <a:rect l="l" t="t" r="r" b="b"/>
             <a:pathLst>
-              <a:path extrusionOk="0" h="120000" w="120000">
+              <a:path w="120000" h="120000" extrusionOk="0">
                 <a:moveTo>
                   <a:pt x="0" y="0"/>
                 </a:moveTo>
@@ -763,9 +784,11 @@
       <p:sp>
         <p:nvSpPr>
           <p:cNvPr id="65" name="Google Shape;65;p:notes"/>
-          <p:cNvSpPr txBox="1"/>
+          <p:cNvSpPr txBox="1">
+            <a:spLocks noGrp="1"/>
+          </p:cNvSpPr>
           <p:nvPr>
-            <p:ph idx="1" type="body"/>
+            <p:ph type="body" idx="1"/>
           </p:nvPr>
         </p:nvSpPr>
         <p:spPr>
@@ -778,12 +801,12 @@
           </a:prstGeom>
         </p:spPr>
         <p:txBody>
-          <a:bodyPr anchorCtr="0" anchor="t" bIns="91425" lIns="91425" spcFirstLastPara="1" rIns="91425" wrap="square" tIns="91425">
+          <a:bodyPr spcFirstLastPara="1" wrap="square" lIns="91425" tIns="91425" rIns="91425" bIns="91425" anchor="t" anchorCtr="0">
             <a:noAutofit/>
           </a:bodyPr>
           <a:lstStyle/>
           <a:p>
-            <a:pPr indent="0" lvl="0" marL="0" rtl="0" algn="l">
+            <a:pPr marL="0" lvl="0" indent="0" algn="l" rtl="0">
               <a:spcBef>
                 <a:spcPts val="0"/>
               </a:spcBef>
@@ -809,11 +832,11 @@
 </file>
 
 <file path=ppt/notesSlides/notesSlide2.xml><?xml version="1.0" encoding="utf-8"?>
-<p:notes xmlns:a="http://schemas.openxmlformats.org/drawingml/2006/main" xmlns:r="http://schemas.openxmlformats.org/officeDocument/2006/relationships" xmlns:mc="http://schemas.openxmlformats.org/markup-compatibility/2006" xmlns:mv="urn:schemas-microsoft-com:mac:vml" xmlns:p="http://schemas.openxmlformats.org/presentationml/2006/main" xmlns:c="http://schemas.openxmlformats.org/drawingml/2006/chart" xmlns:dgm="http://schemas.openxmlformats.org/drawingml/2006/diagram" xmlns:o="urn:schemas-microsoft-com:office:office" xmlns:v="urn:schemas-microsoft-com:vml" xmlns:pvml="urn:schemas-microsoft-com:office:powerpoint" xmlns:com="http://schemas.openxmlformats.org/drawingml/2006/compatibility" xmlns:p14="http://schemas.microsoft.com/office/powerpoint/2010/main" xmlns:p15="http://schemas.microsoft.com/office/powerpoint/2012/main" xmlns:ahyp="http://schemas.microsoft.com/office/drawing/2018/hyperlinkcolor" showMasterPhAnim="0" showMasterSp="0">
+<p:notes xmlns:a="http://schemas.openxmlformats.org/drawingml/2006/main" xmlns:r="http://schemas.openxmlformats.org/officeDocument/2006/relationships" xmlns:p="http://schemas.openxmlformats.org/presentationml/2006/main" showMasterSp="0" showMasterPhAnim="0">
   <p:cSld>
     <p:spTree>
       <p:nvGrpSpPr>
-        <p:cNvPr id="72" name="Shape 72"/>
+        <p:cNvPr id="1" name="Shape 72"/>
         <p:cNvGrpSpPr/>
         <p:nvPr/>
       </p:nvGrpSpPr>
@@ -828,20 +851,26 @@
       <p:sp>
         <p:nvSpPr>
           <p:cNvPr id="73" name="Google Shape;73;g226beb88262_0_73:notes"/>
-          <p:cNvSpPr/>
+          <p:cNvSpPr>
+            <a:spLocks noGrp="1" noRot="1" noChangeAspect="1"/>
+          </p:cNvSpPr>
           <p:nvPr>
-            <p:ph idx="2" type="sldImg"/>
+            <p:ph type="sldImg" idx="2"/>
           </p:nvPr>
         </p:nvSpPr>
         <p:spPr>
           <a:xfrm>
-            <a:off x="381300" y="685800"/>
+            <a:off x="381000" y="685800"/>
             <a:ext cx="6096000" cy="3429000"/>
           </a:xfrm>
           <a:custGeom>
-            <a:rect b="b" l="l" r="r" t="t"/>
+            <a:avLst/>
+            <a:gdLst/>
+            <a:ahLst/>
+            <a:cxnLst/>
+            <a:rect l="l" t="t" r="r" b="b"/>
             <a:pathLst>
-              <a:path extrusionOk="0" h="120000" w="120000">
+              <a:path w="120000" h="120000" extrusionOk="0">
                 <a:moveTo>
                   <a:pt x="0" y="0"/>
                 </a:moveTo>
@@ -863,9 +892,11 @@
       <p:sp>
         <p:nvSpPr>
           <p:cNvPr id="74" name="Google Shape;74;g226beb88262_0_73:notes"/>
-          <p:cNvSpPr txBox="1"/>
+          <p:cNvSpPr txBox="1">
+            <a:spLocks noGrp="1"/>
+          </p:cNvSpPr>
           <p:nvPr>
-            <p:ph idx="1" type="body"/>
+            <p:ph type="body" idx="1"/>
           </p:nvPr>
         </p:nvSpPr>
         <p:spPr>
@@ -878,12 +909,12 @@
           </a:prstGeom>
         </p:spPr>
         <p:txBody>
-          <a:bodyPr anchorCtr="0" anchor="t" bIns="91425" lIns="91425" spcFirstLastPara="1" rIns="91425" wrap="square" tIns="91425">
+          <a:bodyPr spcFirstLastPara="1" wrap="square" lIns="91425" tIns="91425" rIns="91425" bIns="91425" anchor="t" anchorCtr="0">
             <a:noAutofit/>
           </a:bodyPr>
           <a:lstStyle/>
           <a:p>
-            <a:pPr indent="0" lvl="0" marL="0" rtl="0" algn="l">
+            <a:pPr marL="0" lvl="0" indent="0" algn="l" rtl="0">
               <a:spcBef>
                 <a:spcPts val="0"/>
               </a:spcBef>
@@ -899,7 +930,7 @@
             <a:endParaRPr/>
           </a:p>
           <a:p>
-            <a:pPr indent="0" lvl="0" marL="0" rtl="0" algn="l">
+            <a:pPr marL="0" lvl="0" indent="0" algn="l" rtl="0">
               <a:spcBef>
                 <a:spcPts val="0"/>
               </a:spcBef>
@@ -925,11 +956,11 @@
 </file>
 
 <file path=ppt/notesSlides/notesSlide3.xml><?xml version="1.0" encoding="utf-8"?>
-<p:notes xmlns:a="http://schemas.openxmlformats.org/drawingml/2006/main" xmlns:r="http://schemas.openxmlformats.org/officeDocument/2006/relationships" xmlns:mc="http://schemas.openxmlformats.org/markup-compatibility/2006" xmlns:mv="urn:schemas-microsoft-com:mac:vml" xmlns:p="http://schemas.openxmlformats.org/presentationml/2006/main" xmlns:c="http://schemas.openxmlformats.org/drawingml/2006/chart" xmlns:dgm="http://schemas.openxmlformats.org/drawingml/2006/diagram" xmlns:o="urn:schemas-microsoft-com:office:office" xmlns:v="urn:schemas-microsoft-com:vml" xmlns:pvml="urn:schemas-microsoft-com:office:powerpoint" xmlns:com="http://schemas.openxmlformats.org/drawingml/2006/compatibility" xmlns:p14="http://schemas.microsoft.com/office/powerpoint/2010/main" xmlns:p15="http://schemas.microsoft.com/office/powerpoint/2012/main" xmlns:ahyp="http://schemas.microsoft.com/office/drawing/2018/hyperlinkcolor" showMasterPhAnim="0" showMasterSp="0">
+<p:notes xmlns:a="http://schemas.openxmlformats.org/drawingml/2006/main" xmlns:r="http://schemas.openxmlformats.org/officeDocument/2006/relationships" xmlns:p="http://schemas.openxmlformats.org/presentationml/2006/main" showMasterSp="0" showMasterPhAnim="0">
   <p:cSld>
     <p:spTree>
       <p:nvGrpSpPr>
-        <p:cNvPr id="78" name="Shape 78"/>
+        <p:cNvPr id="1" name="Shape 78"/>
         <p:cNvGrpSpPr/>
         <p:nvPr/>
       </p:nvGrpSpPr>
@@ -944,20 +975,26 @@
       <p:sp>
         <p:nvSpPr>
           <p:cNvPr id="79" name="Google Shape;79;g226beb88262_0_83:notes"/>
-          <p:cNvSpPr/>
+          <p:cNvSpPr>
+            <a:spLocks noGrp="1" noRot="1" noChangeAspect="1"/>
+          </p:cNvSpPr>
           <p:nvPr>
-            <p:ph idx="2" type="sldImg"/>
+            <p:ph type="sldImg" idx="2"/>
           </p:nvPr>
         </p:nvSpPr>
         <p:spPr>
           <a:xfrm>
-            <a:off x="381300" y="685800"/>
+            <a:off x="381000" y="685800"/>
             <a:ext cx="6096000" cy="3429000"/>
           </a:xfrm>
           <a:custGeom>
-            <a:rect b="b" l="l" r="r" t="t"/>
+            <a:avLst/>
+            <a:gdLst/>
+            <a:ahLst/>
+            <a:cxnLst/>
+            <a:rect l="l" t="t" r="r" b="b"/>
             <a:pathLst>
-              <a:path extrusionOk="0" h="120000" w="120000">
+              <a:path w="120000" h="120000" extrusionOk="0">
                 <a:moveTo>
                   <a:pt x="0" y="0"/>
                 </a:moveTo>
@@ -979,9 +1016,11 @@
       <p:sp>
         <p:nvSpPr>
           <p:cNvPr id="80" name="Google Shape;80;g226beb88262_0_83:notes"/>
-          <p:cNvSpPr txBox="1"/>
+          <p:cNvSpPr txBox="1">
+            <a:spLocks noGrp="1"/>
+          </p:cNvSpPr>
           <p:nvPr>
-            <p:ph idx="1" type="body"/>
+            <p:ph type="body" idx="1"/>
           </p:nvPr>
         </p:nvSpPr>
         <p:spPr>
@@ -994,12 +1033,12 @@
           </a:prstGeom>
         </p:spPr>
         <p:txBody>
-          <a:bodyPr anchorCtr="0" anchor="t" bIns="91425" lIns="91425" spcFirstLastPara="1" rIns="91425" wrap="square" tIns="91425">
+          <a:bodyPr spcFirstLastPara="1" wrap="square" lIns="91425" tIns="91425" rIns="91425" bIns="91425" anchor="t" anchorCtr="0">
             <a:noAutofit/>
           </a:bodyPr>
           <a:lstStyle/>
           <a:p>
-            <a:pPr indent="0" lvl="0" marL="0" rtl="0" algn="l">
+            <a:pPr marL="0" lvl="0" indent="0" algn="l" rtl="0">
               <a:spcBef>
                 <a:spcPts val="0"/>
               </a:spcBef>
@@ -1010,28 +1049,12 @@
             </a:pPr>
             <a:r>
               <a:rPr lang="en"/>
-              <a:t>Briefly </a:t>
-            </a:r>
-            <a:r>
-              <a:rPr lang="en"/>
-              <a:t>describe</a:t>
-            </a:r>
-            <a:r>
-              <a:rPr lang="en"/>
-              <a:t> each of our resources and spend more time on the resources </a:t>
-            </a:r>
-            <a:r>
-              <a:rPr lang="en"/>
-              <a:t>that</a:t>
-            </a:r>
-            <a:r>
-              <a:rPr lang="en"/>
-              <a:t> were more significant.</a:t>
+              <a:t>Briefly describe each of our resources and spend more time on the resources that were more significant.</a:t>
             </a:r>
             <a:endParaRPr/>
           </a:p>
           <a:p>
-            <a:pPr indent="0" lvl="0" marL="0" rtl="0" algn="l">
+            <a:pPr marL="0" lvl="0" indent="0" algn="l" rtl="0">
               <a:spcBef>
                 <a:spcPts val="0"/>
               </a:spcBef>
@@ -1040,9 +1063,6 @@
               </a:spcAft>
               <a:buNone/>
             </a:pPr>
-            <a:r>
-              <a:t/>
-            </a:r>
             <a:endParaRPr/>
           </a:p>
         </p:txBody>
@@ -1056,11 +1076,11 @@
 </file>
 
 <file path=ppt/notesSlides/notesSlide4.xml><?xml version="1.0" encoding="utf-8"?>
-<p:notes xmlns:a="http://schemas.openxmlformats.org/drawingml/2006/main" xmlns:r="http://schemas.openxmlformats.org/officeDocument/2006/relationships" xmlns:mc="http://schemas.openxmlformats.org/markup-compatibility/2006" xmlns:mv="urn:schemas-microsoft-com:mac:vml" xmlns:p="http://schemas.openxmlformats.org/presentationml/2006/main" xmlns:c="http://schemas.openxmlformats.org/drawingml/2006/chart" xmlns:dgm="http://schemas.openxmlformats.org/drawingml/2006/diagram" xmlns:o="urn:schemas-microsoft-com:office:office" xmlns:v="urn:schemas-microsoft-com:vml" xmlns:pvml="urn:schemas-microsoft-com:office:powerpoint" xmlns:com="http://schemas.openxmlformats.org/drawingml/2006/compatibility" xmlns:p14="http://schemas.microsoft.com/office/powerpoint/2010/main" xmlns:p15="http://schemas.microsoft.com/office/powerpoint/2012/main" xmlns:ahyp="http://schemas.microsoft.com/office/drawing/2018/hyperlinkcolor" showMasterPhAnim="0" showMasterSp="0">
+<p:notes xmlns:a="http://schemas.openxmlformats.org/drawingml/2006/main" xmlns:r="http://schemas.openxmlformats.org/officeDocument/2006/relationships" xmlns:p="http://schemas.openxmlformats.org/presentationml/2006/main" showMasterSp="0" showMasterPhAnim="0">
   <p:cSld>
     <p:spTree>
       <p:nvGrpSpPr>
-        <p:cNvPr id="85" name="Shape 85"/>
+        <p:cNvPr id="1" name="Shape 85"/>
         <p:cNvGrpSpPr/>
         <p:nvPr/>
       </p:nvGrpSpPr>
@@ -1075,9 +1095,11 @@
       <p:sp>
         <p:nvSpPr>
           <p:cNvPr id="86" name="Google Shape;86;g226beb88262_0_78:notes"/>
-          <p:cNvSpPr/>
+          <p:cNvSpPr>
+            <a:spLocks noGrp="1" noRot="1" noChangeAspect="1"/>
+          </p:cNvSpPr>
           <p:nvPr>
-            <p:ph idx="2" type="sldImg"/>
+            <p:ph type="sldImg" idx="2"/>
           </p:nvPr>
         </p:nvSpPr>
         <p:spPr>
@@ -1086,9 +1108,13 @@
             <a:ext cx="6096000" cy="3429000"/>
           </a:xfrm>
           <a:custGeom>
-            <a:rect b="b" l="l" r="r" t="t"/>
+            <a:avLst/>
+            <a:gdLst/>
+            <a:ahLst/>
+            <a:cxnLst/>
+            <a:rect l="l" t="t" r="r" b="b"/>
             <a:pathLst>
-              <a:path extrusionOk="0" h="120000" w="120000">
+              <a:path w="120000" h="120000" extrusionOk="0">
                 <a:moveTo>
                   <a:pt x="0" y="0"/>
                 </a:moveTo>
@@ -1110,9 +1136,11 @@
       <p:sp>
         <p:nvSpPr>
           <p:cNvPr id="87" name="Google Shape;87;g226beb88262_0_78:notes"/>
-          <p:cNvSpPr txBox="1"/>
+          <p:cNvSpPr txBox="1">
+            <a:spLocks noGrp="1"/>
+          </p:cNvSpPr>
           <p:nvPr>
-            <p:ph idx="1" type="body"/>
+            <p:ph type="body" idx="1"/>
           </p:nvPr>
         </p:nvSpPr>
         <p:spPr>
@@ -1125,12 +1153,12 @@
           </a:prstGeom>
         </p:spPr>
         <p:txBody>
-          <a:bodyPr anchorCtr="0" anchor="t" bIns="91425" lIns="91425" spcFirstLastPara="1" rIns="91425" wrap="square" tIns="91425">
+          <a:bodyPr spcFirstLastPara="1" wrap="square" lIns="91425" tIns="91425" rIns="91425" bIns="91425" anchor="t" anchorCtr="0">
             <a:noAutofit/>
           </a:bodyPr>
           <a:lstStyle/>
           <a:p>
-            <a:pPr indent="0" lvl="0" marL="0" rtl="0" algn="l">
+            <a:pPr marL="0" lvl="0" indent="0" algn="l" rtl="0">
               <a:spcBef>
                 <a:spcPts val="0"/>
               </a:spcBef>
@@ -1156,11 +1184,11 @@
 </file>
 
 <file path=ppt/notesSlides/notesSlide5.xml><?xml version="1.0" encoding="utf-8"?>
-<p:notes xmlns:a="http://schemas.openxmlformats.org/drawingml/2006/main" xmlns:r="http://schemas.openxmlformats.org/officeDocument/2006/relationships" xmlns:mc="http://schemas.openxmlformats.org/markup-compatibility/2006" xmlns:mv="urn:schemas-microsoft-com:mac:vml" xmlns:p="http://schemas.openxmlformats.org/presentationml/2006/main" xmlns:c="http://schemas.openxmlformats.org/drawingml/2006/chart" xmlns:dgm="http://schemas.openxmlformats.org/drawingml/2006/diagram" xmlns:o="urn:schemas-microsoft-com:office:office" xmlns:v="urn:schemas-microsoft-com:vml" xmlns:pvml="urn:schemas-microsoft-com:office:powerpoint" xmlns:com="http://schemas.openxmlformats.org/drawingml/2006/compatibility" xmlns:p14="http://schemas.microsoft.com/office/powerpoint/2010/main" xmlns:p15="http://schemas.microsoft.com/office/powerpoint/2012/main" xmlns:ahyp="http://schemas.microsoft.com/office/drawing/2018/hyperlinkcolor" showMasterPhAnim="0" showMasterSp="0">
+<p:notes xmlns:a="http://schemas.openxmlformats.org/drawingml/2006/main" xmlns:r="http://schemas.openxmlformats.org/officeDocument/2006/relationships" xmlns:p="http://schemas.openxmlformats.org/presentationml/2006/main" showMasterSp="0" showMasterPhAnim="0">
   <p:cSld>
     <p:spTree>
       <p:nvGrpSpPr>
-        <p:cNvPr id="93" name="Shape 93"/>
+        <p:cNvPr id="1" name="Shape 93"/>
         <p:cNvGrpSpPr/>
         <p:nvPr/>
       </p:nvGrpSpPr>
@@ -1175,20 +1203,26 @@
       <p:sp>
         <p:nvSpPr>
           <p:cNvPr id="94" name="Google Shape;94;g226beb88262_0_90:notes"/>
-          <p:cNvSpPr/>
+          <p:cNvSpPr>
+            <a:spLocks noGrp="1" noRot="1" noChangeAspect="1"/>
+          </p:cNvSpPr>
           <p:nvPr>
-            <p:ph idx="2" type="sldImg"/>
+            <p:ph type="sldImg" idx="2"/>
           </p:nvPr>
         </p:nvSpPr>
         <p:spPr>
           <a:xfrm>
-            <a:off x="381300" y="685800"/>
+            <a:off x="381000" y="685800"/>
             <a:ext cx="6096000" cy="3429000"/>
           </a:xfrm>
           <a:custGeom>
-            <a:rect b="b" l="l" r="r" t="t"/>
+            <a:avLst/>
+            <a:gdLst/>
+            <a:ahLst/>
+            <a:cxnLst/>
+            <a:rect l="l" t="t" r="r" b="b"/>
             <a:pathLst>
-              <a:path extrusionOk="0" h="120000" w="120000">
+              <a:path w="120000" h="120000" extrusionOk="0">
                 <a:moveTo>
                   <a:pt x="0" y="0"/>
                 </a:moveTo>
@@ -1210,9 +1244,11 @@
       <p:sp>
         <p:nvSpPr>
           <p:cNvPr id="95" name="Google Shape;95;g226beb88262_0_90:notes"/>
-          <p:cNvSpPr txBox="1"/>
+          <p:cNvSpPr txBox="1">
+            <a:spLocks noGrp="1"/>
+          </p:cNvSpPr>
           <p:nvPr>
-            <p:ph idx="1" type="body"/>
+            <p:ph type="body" idx="1"/>
           </p:nvPr>
         </p:nvSpPr>
         <p:spPr>
@@ -1225,12 +1261,12 @@
           </a:prstGeom>
         </p:spPr>
         <p:txBody>
-          <a:bodyPr anchorCtr="0" anchor="t" bIns="91425" lIns="91425" spcFirstLastPara="1" rIns="91425" wrap="square" tIns="91425">
+          <a:bodyPr spcFirstLastPara="1" wrap="square" lIns="91425" tIns="91425" rIns="91425" bIns="91425" anchor="t" anchorCtr="0">
             <a:noAutofit/>
           </a:bodyPr>
           <a:lstStyle/>
           <a:p>
-            <a:pPr indent="0" lvl="0" marL="0" rtl="0" algn="l">
+            <a:pPr marL="0" lvl="0" indent="0" algn="l" rtl="0">
               <a:spcBef>
                 <a:spcPts val="0"/>
               </a:spcBef>
@@ -1241,15 +1277,7 @@
             </a:pPr>
             <a:r>
               <a:rPr lang="en"/>
-              <a:t>Speak </a:t>
-            </a:r>
-            <a:r>
-              <a:rPr lang="en"/>
-              <a:t>about</a:t>
-            </a:r>
-            <a:r>
-              <a:rPr lang="en"/>
-              <a:t> back-end functionality and development. </a:t>
+              <a:t>Speak about back-end functionality and development. </a:t>
             </a:r>
             <a:r>
               <a:rPr lang="en">
@@ -1272,11 +1300,11 @@
 </file>
 
 <file path=ppt/notesSlides/notesSlide6.xml><?xml version="1.0" encoding="utf-8"?>
-<p:notes xmlns:a="http://schemas.openxmlformats.org/drawingml/2006/main" xmlns:r="http://schemas.openxmlformats.org/officeDocument/2006/relationships" xmlns:mc="http://schemas.openxmlformats.org/markup-compatibility/2006" xmlns:mv="urn:schemas-microsoft-com:mac:vml" xmlns:p="http://schemas.openxmlformats.org/presentationml/2006/main" xmlns:c="http://schemas.openxmlformats.org/drawingml/2006/chart" xmlns:dgm="http://schemas.openxmlformats.org/drawingml/2006/diagram" xmlns:o="urn:schemas-microsoft-com:office:office" xmlns:v="urn:schemas-microsoft-com:vml" xmlns:pvml="urn:schemas-microsoft-com:office:powerpoint" xmlns:com="http://schemas.openxmlformats.org/drawingml/2006/compatibility" xmlns:p14="http://schemas.microsoft.com/office/powerpoint/2010/main" xmlns:p15="http://schemas.microsoft.com/office/powerpoint/2012/main" xmlns:ahyp="http://schemas.microsoft.com/office/drawing/2018/hyperlinkcolor" showMasterPhAnim="0" showMasterSp="0">
+<p:notes xmlns:a="http://schemas.openxmlformats.org/drawingml/2006/main" xmlns:r="http://schemas.openxmlformats.org/officeDocument/2006/relationships" xmlns:p="http://schemas.openxmlformats.org/presentationml/2006/main" showMasterSp="0" showMasterPhAnim="0">
   <p:cSld>
     <p:spTree>
       <p:nvGrpSpPr>
-        <p:cNvPr id="100" name="Shape 100"/>
+        <p:cNvPr id="1" name="Shape 100"/>
         <p:cNvGrpSpPr/>
         <p:nvPr/>
       </p:nvGrpSpPr>
@@ -1291,9 +1319,11 @@
       <p:sp>
         <p:nvSpPr>
           <p:cNvPr id="101" name="Google Shape;101;g226beb88262_0_103:notes"/>
-          <p:cNvSpPr/>
+          <p:cNvSpPr>
+            <a:spLocks noGrp="1" noRot="1" noChangeAspect="1"/>
+          </p:cNvSpPr>
           <p:nvPr>
-            <p:ph idx="2" type="sldImg"/>
+            <p:ph type="sldImg" idx="2"/>
           </p:nvPr>
         </p:nvSpPr>
         <p:spPr>
@@ -1302,9 +1332,13 @@
             <a:ext cx="6096000" cy="3429000"/>
           </a:xfrm>
           <a:custGeom>
-            <a:rect b="b" l="l" r="r" t="t"/>
+            <a:avLst/>
+            <a:gdLst/>
+            <a:ahLst/>
+            <a:cxnLst/>
+            <a:rect l="l" t="t" r="r" b="b"/>
             <a:pathLst>
-              <a:path extrusionOk="0" h="120000" w="120000">
+              <a:path w="120000" h="120000" extrusionOk="0">
                 <a:moveTo>
                   <a:pt x="0" y="0"/>
                 </a:moveTo>
@@ -1326,9 +1360,11 @@
       <p:sp>
         <p:nvSpPr>
           <p:cNvPr id="102" name="Google Shape;102;g226beb88262_0_103:notes"/>
-          <p:cNvSpPr txBox="1"/>
+          <p:cNvSpPr txBox="1">
+            <a:spLocks noGrp="1"/>
+          </p:cNvSpPr>
           <p:nvPr>
-            <p:ph idx="1" type="body"/>
+            <p:ph type="body" idx="1"/>
           </p:nvPr>
         </p:nvSpPr>
         <p:spPr>
@@ -1341,12 +1377,12 @@
           </a:prstGeom>
         </p:spPr>
         <p:txBody>
-          <a:bodyPr anchorCtr="0" anchor="t" bIns="91425" lIns="91425" spcFirstLastPara="1" rIns="91425" wrap="square" tIns="91425">
+          <a:bodyPr spcFirstLastPara="1" wrap="square" lIns="91425" tIns="91425" rIns="91425" bIns="91425" anchor="t" anchorCtr="0">
             <a:noAutofit/>
           </a:bodyPr>
           <a:lstStyle/>
           <a:p>
-            <a:pPr indent="0" lvl="0" marL="0" rtl="0" algn="l">
+            <a:pPr marL="0" lvl="0" indent="0" algn="l" rtl="0">
               <a:spcBef>
                 <a:spcPts val="0"/>
               </a:spcBef>
@@ -1372,11 +1408,11 @@
 </file>
 
 <file path=ppt/notesSlides/notesSlide7.xml><?xml version="1.0" encoding="utf-8"?>
-<p:notes xmlns:a="http://schemas.openxmlformats.org/drawingml/2006/main" xmlns:r="http://schemas.openxmlformats.org/officeDocument/2006/relationships" xmlns:mc="http://schemas.openxmlformats.org/markup-compatibility/2006" xmlns:mv="urn:schemas-microsoft-com:mac:vml" xmlns:p="http://schemas.openxmlformats.org/presentationml/2006/main" xmlns:c="http://schemas.openxmlformats.org/drawingml/2006/chart" xmlns:dgm="http://schemas.openxmlformats.org/drawingml/2006/diagram" xmlns:o="urn:schemas-microsoft-com:office:office" xmlns:v="urn:schemas-microsoft-com:vml" xmlns:pvml="urn:schemas-microsoft-com:office:powerpoint" xmlns:com="http://schemas.openxmlformats.org/drawingml/2006/compatibility" xmlns:p14="http://schemas.microsoft.com/office/powerpoint/2010/main" xmlns:p15="http://schemas.microsoft.com/office/powerpoint/2012/main" xmlns:ahyp="http://schemas.microsoft.com/office/drawing/2018/hyperlinkcolor" showMasterPhAnim="0" showMasterSp="0">
+<p:notes xmlns:a="http://schemas.openxmlformats.org/drawingml/2006/main" xmlns:r="http://schemas.openxmlformats.org/officeDocument/2006/relationships" xmlns:p="http://schemas.openxmlformats.org/presentationml/2006/main" showMasterSp="0" showMasterPhAnim="0">
   <p:cSld>
     <p:spTree>
       <p:nvGrpSpPr>
-        <p:cNvPr id="105" name="Shape 105"/>
+        <p:cNvPr id="1" name="Shape 105"/>
         <p:cNvGrpSpPr/>
         <p:nvPr/>
       </p:nvGrpSpPr>
@@ -1391,9 +1427,11 @@
       <p:sp>
         <p:nvSpPr>
           <p:cNvPr id="106" name="Google Shape;106;g226beb88262_0_107:notes"/>
-          <p:cNvSpPr/>
+          <p:cNvSpPr>
+            <a:spLocks noGrp="1" noRot="1" noChangeAspect="1"/>
+          </p:cNvSpPr>
           <p:nvPr>
-            <p:ph idx="2" type="sldImg"/>
+            <p:ph type="sldImg" idx="2"/>
           </p:nvPr>
         </p:nvSpPr>
         <p:spPr>
@@ -1402,9 +1440,13 @@
             <a:ext cx="6096000" cy="3429000"/>
           </a:xfrm>
           <a:custGeom>
-            <a:rect b="b" l="l" r="r" t="t"/>
+            <a:avLst/>
+            <a:gdLst/>
+            <a:ahLst/>
+            <a:cxnLst/>
+            <a:rect l="l" t="t" r="r" b="b"/>
             <a:pathLst>
-              <a:path extrusionOk="0" h="120000" w="120000">
+              <a:path w="120000" h="120000" extrusionOk="0">
                 <a:moveTo>
                   <a:pt x="0" y="0"/>
                 </a:moveTo>
@@ -1426,9 +1468,11 @@
       <p:sp>
         <p:nvSpPr>
           <p:cNvPr id="107" name="Google Shape;107;g226beb88262_0_107:notes"/>
-          <p:cNvSpPr txBox="1"/>
+          <p:cNvSpPr txBox="1">
+            <a:spLocks noGrp="1"/>
+          </p:cNvSpPr>
           <p:nvPr>
-            <p:ph idx="1" type="body"/>
+            <p:ph type="body" idx="1"/>
           </p:nvPr>
         </p:nvSpPr>
         <p:spPr>
@@ -1441,12 +1485,12 @@
           </a:prstGeom>
         </p:spPr>
         <p:txBody>
-          <a:bodyPr anchorCtr="0" anchor="t" bIns="91425" lIns="91425" spcFirstLastPara="1" rIns="91425" wrap="square" tIns="91425">
+          <a:bodyPr spcFirstLastPara="1" wrap="square" lIns="91425" tIns="91425" rIns="91425" bIns="91425" anchor="t" anchorCtr="0">
             <a:noAutofit/>
           </a:bodyPr>
           <a:lstStyle/>
           <a:p>
-            <a:pPr indent="0" lvl="0" marL="0" rtl="0" algn="l">
+            <a:pPr marL="0" lvl="0" indent="0" algn="l" rtl="0">
               <a:spcBef>
                 <a:spcPts val="0"/>
               </a:spcBef>
@@ -1472,11 +1516,11 @@
 </file>
 
 <file path=ppt/notesSlides/notesSlide8.xml><?xml version="1.0" encoding="utf-8"?>
-<p:notes xmlns:a="http://schemas.openxmlformats.org/drawingml/2006/main" xmlns:r="http://schemas.openxmlformats.org/officeDocument/2006/relationships" xmlns:mc="http://schemas.openxmlformats.org/markup-compatibility/2006" xmlns:mv="urn:schemas-microsoft-com:mac:vml" xmlns:p="http://schemas.openxmlformats.org/presentationml/2006/main" xmlns:c="http://schemas.openxmlformats.org/drawingml/2006/chart" xmlns:dgm="http://schemas.openxmlformats.org/drawingml/2006/diagram" xmlns:o="urn:schemas-microsoft-com:office:office" xmlns:v="urn:schemas-microsoft-com:vml" xmlns:pvml="urn:schemas-microsoft-com:office:powerpoint" xmlns:com="http://schemas.openxmlformats.org/drawingml/2006/compatibility" xmlns:p14="http://schemas.microsoft.com/office/powerpoint/2010/main" xmlns:p15="http://schemas.microsoft.com/office/powerpoint/2012/main" xmlns:ahyp="http://schemas.microsoft.com/office/drawing/2018/hyperlinkcolor" showMasterPhAnim="0" showMasterSp="0">
+<p:notes xmlns:a="http://schemas.openxmlformats.org/drawingml/2006/main" xmlns:r="http://schemas.openxmlformats.org/officeDocument/2006/relationships" xmlns:p="http://schemas.openxmlformats.org/presentationml/2006/main" showMasterSp="0" showMasterPhAnim="0">
   <p:cSld>
     <p:spTree>
       <p:nvGrpSpPr>
-        <p:cNvPr id="112" name="Shape 112"/>
+        <p:cNvPr id="1" name="Shape 112"/>
         <p:cNvGrpSpPr/>
         <p:nvPr/>
       </p:nvGrpSpPr>
@@ -1491,9 +1535,11 @@
       <p:sp>
         <p:nvSpPr>
           <p:cNvPr id="113" name="Google Shape;113;g226beb88262_0_119:notes"/>
-          <p:cNvSpPr/>
+          <p:cNvSpPr>
+            <a:spLocks noGrp="1" noRot="1" noChangeAspect="1"/>
+          </p:cNvSpPr>
           <p:nvPr>
-            <p:ph idx="2" type="sldImg"/>
+            <p:ph type="sldImg" idx="2"/>
           </p:nvPr>
         </p:nvSpPr>
         <p:spPr>
@@ -1502,9 +1548,13 @@
             <a:ext cx="6096000" cy="3429000"/>
           </a:xfrm>
           <a:custGeom>
-            <a:rect b="b" l="l" r="r" t="t"/>
+            <a:avLst/>
+            <a:gdLst/>
+            <a:ahLst/>
+            <a:cxnLst/>
+            <a:rect l="l" t="t" r="r" b="b"/>
             <a:pathLst>
-              <a:path extrusionOk="0" h="120000" w="120000">
+              <a:path w="120000" h="120000" extrusionOk="0">
                 <a:moveTo>
                   <a:pt x="0" y="0"/>
                 </a:moveTo>
@@ -1526,9 +1576,11 @@
       <p:sp>
         <p:nvSpPr>
           <p:cNvPr id="114" name="Google Shape;114;g226beb88262_0_119:notes"/>
-          <p:cNvSpPr txBox="1"/>
+          <p:cNvSpPr txBox="1">
+            <a:spLocks noGrp="1"/>
+          </p:cNvSpPr>
           <p:nvPr>
-            <p:ph idx="1" type="body"/>
+            <p:ph type="body" idx="1"/>
           </p:nvPr>
         </p:nvSpPr>
         <p:spPr>
@@ -1541,12 +1593,12 @@
           </a:prstGeom>
         </p:spPr>
         <p:txBody>
-          <a:bodyPr anchorCtr="0" anchor="t" bIns="91425" lIns="91425" spcFirstLastPara="1" rIns="91425" wrap="square" tIns="91425">
+          <a:bodyPr spcFirstLastPara="1" wrap="square" lIns="91425" tIns="91425" rIns="91425" bIns="91425" anchor="t" anchorCtr="0">
             <a:noAutofit/>
           </a:bodyPr>
           <a:lstStyle/>
           <a:p>
-            <a:pPr indent="0" lvl="0" marL="0" rtl="0" algn="l">
+            <a:pPr marL="0" lvl="0" indent="0" algn="l" rtl="0">
               <a:spcBef>
                 <a:spcPts val="0"/>
               </a:spcBef>
@@ -1572,11 +1624,11 @@
 </file>
 
 <file path=ppt/notesSlides/notesSlide9.xml><?xml version="1.0" encoding="utf-8"?>
-<p:notes xmlns:a="http://schemas.openxmlformats.org/drawingml/2006/main" xmlns:r="http://schemas.openxmlformats.org/officeDocument/2006/relationships" xmlns:mc="http://schemas.openxmlformats.org/markup-compatibility/2006" xmlns:mv="urn:schemas-microsoft-com:mac:vml" xmlns:p="http://schemas.openxmlformats.org/presentationml/2006/main" xmlns:c="http://schemas.openxmlformats.org/drawingml/2006/chart" xmlns:dgm="http://schemas.openxmlformats.org/drawingml/2006/diagram" xmlns:o="urn:schemas-microsoft-com:office:office" xmlns:v="urn:schemas-microsoft-com:vml" xmlns:pvml="urn:schemas-microsoft-com:office:powerpoint" xmlns:com="http://schemas.openxmlformats.org/drawingml/2006/compatibility" xmlns:p14="http://schemas.microsoft.com/office/powerpoint/2010/main" xmlns:p15="http://schemas.microsoft.com/office/powerpoint/2012/main" xmlns:ahyp="http://schemas.microsoft.com/office/drawing/2018/hyperlinkcolor" showMasterPhAnim="0" showMasterSp="0">
+<p:notes xmlns:a="http://schemas.openxmlformats.org/drawingml/2006/main" xmlns:r="http://schemas.openxmlformats.org/officeDocument/2006/relationships" xmlns:p="http://schemas.openxmlformats.org/presentationml/2006/main" showMasterSp="0" showMasterPhAnim="0">
   <p:cSld>
     <p:spTree>
       <p:nvGrpSpPr>
-        <p:cNvPr id="117" name="Shape 117"/>
+        <p:cNvPr id="1" name="Shape 117"/>
         <p:cNvGrpSpPr/>
         <p:nvPr/>
       </p:nvGrpSpPr>
@@ -1591,9 +1643,11 @@
       <p:sp>
         <p:nvSpPr>
           <p:cNvPr id="118" name="Google Shape;118;g226beb88262_4_0:notes"/>
-          <p:cNvSpPr/>
+          <p:cNvSpPr>
+            <a:spLocks noGrp="1" noRot="1" noChangeAspect="1"/>
+          </p:cNvSpPr>
           <p:nvPr>
-            <p:ph idx="2" type="sldImg"/>
+            <p:ph type="sldImg" idx="2"/>
           </p:nvPr>
         </p:nvSpPr>
         <p:spPr>
@@ -1602,9 +1656,13 @@
             <a:ext cx="6096000" cy="3429000"/>
           </a:xfrm>
           <a:custGeom>
-            <a:rect b="b" l="l" r="r" t="t"/>
+            <a:avLst/>
+            <a:gdLst/>
+            <a:ahLst/>
+            <a:cxnLst/>
+            <a:rect l="l" t="t" r="r" b="b"/>
             <a:pathLst>
-              <a:path extrusionOk="0" h="120000" w="120000">
+              <a:path w="120000" h="120000" extrusionOk="0">
                 <a:moveTo>
                   <a:pt x="0" y="0"/>
                 </a:moveTo>
@@ -1626,9 +1684,11 @@
       <p:sp>
         <p:nvSpPr>
           <p:cNvPr id="119" name="Google Shape;119;g226beb88262_4_0:notes"/>
-          <p:cNvSpPr txBox="1"/>
+          <p:cNvSpPr txBox="1">
+            <a:spLocks noGrp="1"/>
+          </p:cNvSpPr>
           <p:nvPr>
-            <p:ph idx="1" type="body"/>
+            <p:ph type="body" idx="1"/>
           </p:nvPr>
         </p:nvSpPr>
         <p:spPr>
@@ -1641,12 +1701,12 @@
           </a:prstGeom>
         </p:spPr>
         <p:txBody>
-          <a:bodyPr anchorCtr="0" anchor="t" bIns="91425" lIns="91425" spcFirstLastPara="1" rIns="91425" wrap="square" tIns="91425">
+          <a:bodyPr spcFirstLastPara="1" wrap="square" lIns="91425" tIns="91425" rIns="91425" bIns="91425" anchor="t" anchorCtr="0">
             <a:noAutofit/>
           </a:bodyPr>
           <a:lstStyle/>
           <a:p>
-            <a:pPr indent="0" lvl="0" marL="0" rtl="0" algn="l">
+            <a:pPr marL="0" lvl="0" indent="0" algn="l" rtl="0">
               <a:spcBef>
                 <a:spcPts val="0"/>
               </a:spcBef>
@@ -1672,11 +1732,11 @@
 </file>
 
 <file path=ppt/slideLayouts/slideLayout1.xml><?xml version="1.0" encoding="utf-8"?>
-<p:sldLayout xmlns:a="http://schemas.openxmlformats.org/drawingml/2006/main" xmlns:r="http://schemas.openxmlformats.org/officeDocument/2006/relationships" xmlns:mc="http://schemas.openxmlformats.org/markup-compatibility/2006" xmlns:mv="urn:schemas-microsoft-com:mac:vml" xmlns:p="http://schemas.openxmlformats.org/presentationml/2006/main" xmlns:c="http://schemas.openxmlformats.org/drawingml/2006/chart" xmlns:dgm="http://schemas.openxmlformats.org/drawingml/2006/diagram" xmlns:o="urn:schemas-microsoft-com:office:office" xmlns:v="urn:schemas-microsoft-com:vml" xmlns:pvml="urn:schemas-microsoft-com:office:powerpoint" xmlns:com="http://schemas.openxmlformats.org/drawingml/2006/compatibility" xmlns:p14="http://schemas.microsoft.com/office/powerpoint/2010/main" xmlns:p15="http://schemas.microsoft.com/office/powerpoint/2012/main" xmlns:ahyp="http://schemas.microsoft.com/office/drawing/2018/hyperlinkcolor" matchingName="Title slide" type="title">
+<p:sldLayout xmlns:a="http://schemas.openxmlformats.org/drawingml/2006/main" xmlns:r="http://schemas.openxmlformats.org/officeDocument/2006/relationships" xmlns:p="http://schemas.openxmlformats.org/presentationml/2006/main" matchingName="Title slide" type="title">
   <p:cSld name="TITLE">
     <p:spTree>
       <p:nvGrpSpPr>
-        <p:cNvPr id="9" name="Shape 9"/>
+        <p:cNvPr id="1" name="Shape 9"/>
         <p:cNvGrpSpPr/>
         <p:nvPr/>
       </p:nvGrpSpPr>
@@ -1710,12 +1770,12 @@
           </a:ln>
         </p:spPr>
         <p:txBody>
-          <a:bodyPr anchorCtr="0" anchor="ctr" bIns="91425" lIns="91425" spcFirstLastPara="1" rIns="91425" wrap="square" tIns="91425">
+          <a:bodyPr spcFirstLastPara="1" wrap="square" lIns="91425" tIns="91425" rIns="91425" bIns="91425" anchor="ctr" anchorCtr="0">
             <a:noAutofit/>
           </a:bodyPr>
           <a:lstStyle/>
           <a:p>
-            <a:pPr indent="0" lvl="0" marL="0" rtl="0" algn="l">
+            <a:pPr marL="0" lvl="0" indent="0" algn="l" rtl="0">
               <a:spcBef>
                 <a:spcPts val="0"/>
               </a:spcBef>
@@ -1724,9 +1784,6 @@
               </a:spcAft>
               <a:buNone/>
             </a:pPr>
-            <a:r>
-              <a:t/>
-            </a:r>
             <a:endParaRPr/>
           </a:p>
         </p:txBody>
@@ -1744,7 +1801,7 @@
           </a:xfrm>
           <a:prstGeom prst="round1Rect">
             <a:avLst>
-              <a:gd fmla="val 16667" name="adj"/>
+              <a:gd name="adj" fmla="val 16667"/>
             </a:avLst>
           </a:prstGeom>
           <a:solidFill>
@@ -1757,12 +1814,12 @@
           </a:ln>
         </p:spPr>
         <p:txBody>
-          <a:bodyPr anchorCtr="0" anchor="ctr" bIns="91425" lIns="91425" spcFirstLastPara="1" rIns="91425" wrap="square" tIns="91425">
+          <a:bodyPr spcFirstLastPara="1" wrap="square" lIns="91425" tIns="91425" rIns="91425" bIns="91425" anchor="ctr" anchorCtr="0">
             <a:noAutofit/>
           </a:bodyPr>
           <a:lstStyle/>
           <a:p>
-            <a:pPr indent="0" lvl="0" marL="0" rtl="0" algn="l">
+            <a:pPr marL="0" lvl="0" indent="0" algn="l" rtl="0">
               <a:spcBef>
                 <a:spcPts val="0"/>
               </a:spcBef>
@@ -1771,9 +1828,6 @@
               </a:spcAft>
               <a:buNone/>
             </a:pPr>
-            <a:r>
-              <a:t/>
-            </a:r>
             <a:endParaRPr/>
           </a:p>
         </p:txBody>
@@ -1781,7 +1835,9 @@
       <p:sp>
         <p:nvSpPr>
           <p:cNvPr id="12" name="Google Shape;12;p2"/>
-          <p:cNvSpPr txBox="1"/>
+          <p:cNvSpPr txBox="1">
+            <a:spLocks noGrp="1"/>
+          </p:cNvSpPr>
           <p:nvPr>
             <p:ph type="ctrTitle"/>
           </p:nvPr>
@@ -1796,7 +1852,7 @@
           </a:prstGeom>
         </p:spPr>
         <p:txBody>
-          <a:bodyPr anchorCtr="0" anchor="b" bIns="91425" lIns="91425" spcFirstLastPara="1" rIns="91425" wrap="square" tIns="91425">
+          <a:bodyPr spcFirstLastPara="1" wrap="square" lIns="91425" tIns="91425" rIns="91425" bIns="91425" anchor="b" anchorCtr="0">
             <a:normAutofit/>
           </a:bodyPr>
           <a:lstStyle>
@@ -1900,15 +1956,19 @@
               <a:defRPr sz="4800"/>
             </a:lvl9pPr>
           </a:lstStyle>
-          <a:p/>
+          <a:p>
+            <a:endParaRPr/>
+          </a:p>
         </p:txBody>
       </p:sp>
       <p:sp>
         <p:nvSpPr>
           <p:cNvPr id="13" name="Google Shape;13;p2"/>
-          <p:cNvSpPr txBox="1"/>
+          <p:cNvSpPr txBox="1">
+            <a:spLocks noGrp="1"/>
+          </p:cNvSpPr>
           <p:nvPr>
-            <p:ph idx="1" type="subTitle"/>
+            <p:ph type="subTitle" idx="1"/>
           </p:nvPr>
         </p:nvSpPr>
         <p:spPr>
@@ -1921,7 +1981,7 @@
           </a:prstGeom>
         </p:spPr>
         <p:txBody>
-          <a:bodyPr anchorCtr="0" anchor="t" bIns="91425" lIns="91425" spcFirstLastPara="1" rIns="91425" wrap="square" tIns="91425">
+          <a:bodyPr spcFirstLastPara="1" wrap="square" lIns="91425" tIns="91425" rIns="91425" bIns="91425" anchor="t" anchorCtr="0">
             <a:normAutofit/>
           </a:bodyPr>
           <a:lstStyle>
@@ -2115,15 +2175,19 @@
               </a:defRPr>
             </a:lvl9pPr>
           </a:lstStyle>
-          <a:p/>
+          <a:p>
+            <a:endParaRPr/>
+          </a:p>
         </p:txBody>
       </p:sp>
       <p:sp>
         <p:nvSpPr>
           <p:cNvPr id="14" name="Google Shape;14;p2"/>
-          <p:cNvSpPr txBox="1"/>
+          <p:cNvSpPr txBox="1">
+            <a:spLocks noGrp="1"/>
+          </p:cNvSpPr>
           <p:nvPr>
-            <p:ph idx="12" type="sldNum"/>
+            <p:ph type="sldNum" idx="12"/>
           </p:nvPr>
         </p:nvSpPr>
         <p:spPr>
@@ -2136,7 +2200,7 @@
           </a:prstGeom>
         </p:spPr>
         <p:txBody>
-          <a:bodyPr anchorCtr="0" anchor="ctr" bIns="91425" lIns="91425" spcFirstLastPara="1" rIns="91425" wrap="square" tIns="91425">
+          <a:bodyPr spcFirstLastPara="1" wrap="square" lIns="91425" tIns="91425" rIns="91425" bIns="91425" anchor="ctr" anchorCtr="0">
             <a:normAutofit/>
           </a:bodyPr>
           <a:lstStyle>
@@ -2178,7 +2242,7 @@
             </a:lvl9pPr>
           </a:lstStyle>
           <a:p>
-            <a:pPr indent="0" lvl="0" marL="0" rtl="0" algn="r">
+            <a:pPr marL="0" lvl="0" indent="0" algn="r" rtl="0">
               <a:spcBef>
                 <a:spcPts val="0"/>
               </a:spcBef>
@@ -2204,18 +2268,19 @@
 </file>
 
 <file path=ppt/slideLayouts/slideLayout10.xml><?xml version="1.0" encoding="utf-8"?>
-<p:sldLayout xmlns:a="http://schemas.openxmlformats.org/drawingml/2006/main" xmlns:r="http://schemas.openxmlformats.org/officeDocument/2006/relationships" xmlns:mc="http://schemas.openxmlformats.org/markup-compatibility/2006" xmlns:mv="urn:schemas-microsoft-com:mac:vml" xmlns:p="http://schemas.openxmlformats.org/presentationml/2006/main" xmlns:c="http://schemas.openxmlformats.org/drawingml/2006/chart" xmlns:dgm="http://schemas.openxmlformats.org/drawingml/2006/diagram" xmlns:o="urn:schemas-microsoft-com:office:office" xmlns:v="urn:schemas-microsoft-com:vml" xmlns:pvml="urn:schemas-microsoft-com:office:powerpoint" xmlns:com="http://schemas.openxmlformats.org/drawingml/2006/compatibility" xmlns:p14="http://schemas.microsoft.com/office/powerpoint/2010/main" xmlns:p15="http://schemas.microsoft.com/office/powerpoint/2012/main" xmlns:ahyp="http://schemas.microsoft.com/office/drawing/2018/hyperlinkcolor" matchingName="Big number">
+<p:sldLayout xmlns:a="http://schemas.openxmlformats.org/drawingml/2006/main" xmlns:r="http://schemas.openxmlformats.org/officeDocument/2006/relationships" xmlns:p="http://schemas.openxmlformats.org/presentationml/2006/main" matchingName="Big number">
   <p:cSld name="BIG_NUMBER">
     <p:bg>
       <p:bgPr>
         <a:solidFill>
           <a:schemeClr val="accent4"/>
         </a:solidFill>
+        <a:effectLst/>
       </p:bgPr>
     </p:bg>
     <p:spTree>
       <p:nvGrpSpPr>
-        <p:cNvPr id="57" name="Shape 57"/>
+        <p:cNvPr id="1" name="Shape 57"/>
         <p:cNvGrpSpPr/>
         <p:nvPr/>
       </p:nvGrpSpPr>
@@ -2230,9 +2295,11 @@
       <p:sp>
         <p:nvSpPr>
           <p:cNvPr id="58" name="Google Shape;58;p11"/>
-          <p:cNvSpPr txBox="1"/>
+          <p:cNvSpPr txBox="1">
+            <a:spLocks noGrp="1"/>
+          </p:cNvSpPr>
           <p:nvPr>
-            <p:ph hasCustomPrompt="1" type="title"/>
+            <p:ph type="title" hasCustomPrompt="1"/>
           </p:nvPr>
         </p:nvSpPr>
         <p:spPr>
@@ -2245,7 +2312,7 @@
           </a:prstGeom>
         </p:spPr>
         <p:txBody>
-          <a:bodyPr anchorCtr="0" anchor="b" bIns="91425" lIns="91425" spcFirstLastPara="1" rIns="91425" wrap="square" tIns="91425">
+          <a:bodyPr spcFirstLastPara="1" wrap="square" lIns="91425" tIns="91425" rIns="91425" bIns="91425" anchor="b" anchorCtr="0">
             <a:normAutofit/>
           </a:bodyPr>
           <a:lstStyle>
@@ -2422,9 +2489,11 @@
       <p:sp>
         <p:nvSpPr>
           <p:cNvPr id="59" name="Google Shape;59;p11"/>
-          <p:cNvSpPr txBox="1"/>
+          <p:cNvSpPr txBox="1">
+            <a:spLocks noGrp="1"/>
+          </p:cNvSpPr>
           <p:nvPr>
-            <p:ph idx="1" type="body"/>
+            <p:ph type="body" idx="1"/>
           </p:nvPr>
         </p:nvSpPr>
         <p:spPr>
@@ -2437,11 +2506,11 @@
           </a:prstGeom>
         </p:spPr>
         <p:txBody>
-          <a:bodyPr anchorCtr="0" anchor="t" bIns="91425" lIns="91425" spcFirstLastPara="1" rIns="91425" wrap="square" tIns="91425">
+          <a:bodyPr spcFirstLastPara="1" wrap="square" lIns="91425" tIns="91425" rIns="91425" bIns="91425" anchor="t" anchorCtr="0">
             <a:normAutofit/>
           </a:bodyPr>
           <a:lstStyle>
-            <a:lvl1pPr indent="-342900" lvl="0" marL="457200" algn="ctr">
+            <a:lvl1pPr marL="457200" lvl="0" indent="-342900" algn="ctr">
               <a:spcBef>
                 <a:spcPts val="0"/>
               </a:spcBef>
@@ -2452,7 +2521,7 @@
               <a:buChar char="●"/>
               <a:defRPr/>
             </a:lvl1pPr>
-            <a:lvl2pPr indent="-317500" lvl="1" marL="914400" algn="ctr">
+            <a:lvl2pPr marL="914400" lvl="1" indent="-317500" algn="ctr">
               <a:spcBef>
                 <a:spcPts val="0"/>
               </a:spcBef>
@@ -2463,7 +2532,7 @@
               <a:buChar char="○"/>
               <a:defRPr/>
             </a:lvl2pPr>
-            <a:lvl3pPr indent="-317500" lvl="2" marL="1371600" algn="ctr">
+            <a:lvl3pPr marL="1371600" lvl="2" indent="-317500" algn="ctr">
               <a:spcBef>
                 <a:spcPts val="0"/>
               </a:spcBef>
@@ -2474,7 +2543,7 @@
               <a:buChar char="■"/>
               <a:defRPr/>
             </a:lvl3pPr>
-            <a:lvl4pPr indent="-317500" lvl="3" marL="1828800" algn="ctr">
+            <a:lvl4pPr marL="1828800" lvl="3" indent="-317500" algn="ctr">
               <a:spcBef>
                 <a:spcPts val="0"/>
               </a:spcBef>
@@ -2485,7 +2554,7 @@
               <a:buChar char="●"/>
               <a:defRPr/>
             </a:lvl4pPr>
-            <a:lvl5pPr indent="-317500" lvl="4" marL="2286000" algn="ctr">
+            <a:lvl5pPr marL="2286000" lvl="4" indent="-317500" algn="ctr">
               <a:spcBef>
                 <a:spcPts val="0"/>
               </a:spcBef>
@@ -2496,7 +2565,7 @@
               <a:buChar char="○"/>
               <a:defRPr/>
             </a:lvl5pPr>
-            <a:lvl6pPr indent="-317500" lvl="5" marL="2743200" algn="ctr">
+            <a:lvl6pPr marL="2743200" lvl="5" indent="-317500" algn="ctr">
               <a:spcBef>
                 <a:spcPts val="0"/>
               </a:spcBef>
@@ -2507,7 +2576,7 @@
               <a:buChar char="■"/>
               <a:defRPr/>
             </a:lvl6pPr>
-            <a:lvl7pPr indent="-317500" lvl="6" marL="3200400" algn="ctr">
+            <a:lvl7pPr marL="3200400" lvl="6" indent="-317500" algn="ctr">
               <a:spcBef>
                 <a:spcPts val="0"/>
               </a:spcBef>
@@ -2518,7 +2587,7 @@
               <a:buChar char="●"/>
               <a:defRPr/>
             </a:lvl7pPr>
-            <a:lvl8pPr indent="-317500" lvl="7" marL="3657600" algn="ctr">
+            <a:lvl8pPr marL="3657600" lvl="7" indent="-317500" algn="ctr">
               <a:spcBef>
                 <a:spcPts val="0"/>
               </a:spcBef>
@@ -2529,7 +2598,7 @@
               <a:buChar char="○"/>
               <a:defRPr/>
             </a:lvl8pPr>
-            <a:lvl9pPr indent="-317500" lvl="8" marL="4114800" algn="ctr">
+            <a:lvl9pPr marL="4114800" lvl="8" indent="-317500" algn="ctr">
               <a:spcBef>
                 <a:spcPts val="0"/>
               </a:spcBef>
@@ -2541,15 +2610,19 @@
               <a:defRPr/>
             </a:lvl9pPr>
           </a:lstStyle>
-          <a:p/>
+          <a:p>
+            <a:endParaRPr/>
+          </a:p>
         </p:txBody>
       </p:sp>
       <p:sp>
         <p:nvSpPr>
           <p:cNvPr id="60" name="Google Shape;60;p11"/>
-          <p:cNvSpPr txBox="1"/>
+          <p:cNvSpPr txBox="1">
+            <a:spLocks noGrp="1"/>
+          </p:cNvSpPr>
           <p:nvPr>
-            <p:ph idx="12" type="sldNum"/>
+            <p:ph type="sldNum" idx="12"/>
           </p:nvPr>
         </p:nvSpPr>
         <p:spPr>
@@ -2562,7 +2635,7 @@
           </a:prstGeom>
         </p:spPr>
         <p:txBody>
-          <a:bodyPr anchorCtr="0" anchor="ctr" bIns="91425" lIns="91425" spcFirstLastPara="1" rIns="91425" wrap="square" tIns="91425">
+          <a:bodyPr spcFirstLastPara="1" wrap="square" lIns="91425" tIns="91425" rIns="91425" bIns="91425" anchor="ctr" anchorCtr="0">
             <a:normAutofit/>
           </a:bodyPr>
           <a:lstStyle>
@@ -2604,7 +2677,7 @@
             </a:lvl9pPr>
           </a:lstStyle>
           <a:p>
-            <a:pPr indent="0" lvl="0" marL="0" rtl="0" algn="r">
+            <a:pPr marL="0" lvl="0" indent="0" algn="r" rtl="0">
               <a:spcBef>
                 <a:spcPts val="0"/>
               </a:spcBef>
@@ -2630,18 +2703,19 @@
 </file>
 
 <file path=ppt/slideLayouts/slideLayout11.xml><?xml version="1.0" encoding="utf-8"?>
-<p:sldLayout xmlns:a="http://schemas.openxmlformats.org/drawingml/2006/main" xmlns:r="http://schemas.openxmlformats.org/officeDocument/2006/relationships" xmlns:mc="http://schemas.openxmlformats.org/markup-compatibility/2006" xmlns:mv="urn:schemas-microsoft-com:mac:vml" xmlns:p="http://schemas.openxmlformats.org/presentationml/2006/main" xmlns:c="http://schemas.openxmlformats.org/drawingml/2006/chart" xmlns:dgm="http://schemas.openxmlformats.org/drawingml/2006/diagram" xmlns:o="urn:schemas-microsoft-com:office:office" xmlns:v="urn:schemas-microsoft-com:vml" xmlns:pvml="urn:schemas-microsoft-com:office:powerpoint" xmlns:com="http://schemas.openxmlformats.org/drawingml/2006/compatibility" xmlns:p14="http://schemas.microsoft.com/office/powerpoint/2010/main" xmlns:p15="http://schemas.microsoft.com/office/powerpoint/2012/main" xmlns:ahyp="http://schemas.microsoft.com/office/drawing/2018/hyperlinkcolor" matchingName="Blank" type="blank">
+<p:sldLayout xmlns:a="http://schemas.openxmlformats.org/drawingml/2006/main" xmlns:r="http://schemas.openxmlformats.org/officeDocument/2006/relationships" xmlns:p="http://schemas.openxmlformats.org/presentationml/2006/main" matchingName="Blank" type="blank">
   <p:cSld name="BLANK">
     <p:bg>
       <p:bgPr>
         <a:solidFill>
           <a:schemeClr val="accent4"/>
         </a:solidFill>
+        <a:effectLst/>
       </p:bgPr>
     </p:bg>
     <p:spTree>
       <p:nvGrpSpPr>
-        <p:cNvPr id="61" name="Shape 61"/>
+        <p:cNvPr id="1" name="Shape 61"/>
         <p:cNvGrpSpPr/>
         <p:nvPr/>
       </p:nvGrpSpPr>
@@ -2656,9 +2730,11 @@
       <p:sp>
         <p:nvSpPr>
           <p:cNvPr id="62" name="Google Shape;62;p12"/>
-          <p:cNvSpPr txBox="1"/>
+          <p:cNvSpPr txBox="1">
+            <a:spLocks noGrp="1"/>
+          </p:cNvSpPr>
           <p:nvPr>
-            <p:ph idx="12" type="sldNum"/>
+            <p:ph type="sldNum" idx="12"/>
           </p:nvPr>
         </p:nvSpPr>
         <p:spPr>
@@ -2671,7 +2747,7 @@
           </a:prstGeom>
         </p:spPr>
         <p:txBody>
-          <a:bodyPr anchorCtr="0" anchor="ctr" bIns="91425" lIns="91425" spcFirstLastPara="1" rIns="91425" wrap="square" tIns="91425">
+          <a:bodyPr spcFirstLastPara="1" wrap="square" lIns="91425" tIns="91425" rIns="91425" bIns="91425" anchor="ctr" anchorCtr="0">
             <a:normAutofit/>
           </a:bodyPr>
           <a:lstStyle>
@@ -2713,7 +2789,7 @@
             </a:lvl9pPr>
           </a:lstStyle>
           <a:p>
-            <a:pPr indent="0" lvl="0" marL="0" rtl="0" algn="r">
+            <a:pPr marL="0" lvl="0" indent="0" algn="r" rtl="0">
               <a:spcBef>
                 <a:spcPts val="0"/>
               </a:spcBef>
@@ -2739,11 +2815,11 @@
 </file>
 
 <file path=ppt/slideLayouts/slideLayout2.xml><?xml version="1.0" encoding="utf-8"?>
-<p:sldLayout xmlns:a="http://schemas.openxmlformats.org/drawingml/2006/main" xmlns:r="http://schemas.openxmlformats.org/officeDocument/2006/relationships" xmlns:mc="http://schemas.openxmlformats.org/markup-compatibility/2006" xmlns:mv="urn:schemas-microsoft-com:mac:vml" xmlns:p="http://schemas.openxmlformats.org/presentationml/2006/main" xmlns:c="http://schemas.openxmlformats.org/drawingml/2006/chart" xmlns:dgm="http://schemas.openxmlformats.org/drawingml/2006/diagram" xmlns:o="urn:schemas-microsoft-com:office:office" xmlns:v="urn:schemas-microsoft-com:vml" xmlns:pvml="urn:schemas-microsoft-com:office:powerpoint" xmlns:com="http://schemas.openxmlformats.org/drawingml/2006/compatibility" xmlns:p14="http://schemas.microsoft.com/office/powerpoint/2010/main" xmlns:p15="http://schemas.microsoft.com/office/powerpoint/2012/main" xmlns:ahyp="http://schemas.microsoft.com/office/drawing/2018/hyperlinkcolor" matchingName="Section header" type="secHead">
+<p:sldLayout xmlns:a="http://schemas.openxmlformats.org/drawingml/2006/main" xmlns:r="http://schemas.openxmlformats.org/officeDocument/2006/relationships" xmlns:p="http://schemas.openxmlformats.org/presentationml/2006/main" matchingName="Section header" type="secHead">
   <p:cSld name="SECTION_HEADER">
     <p:spTree>
       <p:nvGrpSpPr>
-        <p:cNvPr id="15" name="Shape 15"/>
+        <p:cNvPr id="1" name="Shape 15"/>
         <p:cNvGrpSpPr/>
         <p:nvPr/>
       </p:nvGrpSpPr>
@@ -2758,7 +2834,9 @@
       <p:sp>
         <p:nvSpPr>
           <p:cNvPr id="16" name="Google Shape;16;p3"/>
-          <p:cNvSpPr txBox="1"/>
+          <p:cNvSpPr txBox="1">
+            <a:spLocks noGrp="1"/>
+          </p:cNvSpPr>
           <p:nvPr>
             <p:ph type="title"/>
           </p:nvPr>
@@ -2773,7 +2851,7 @@
           </a:prstGeom>
         </p:spPr>
         <p:txBody>
-          <a:bodyPr anchorCtr="0" anchor="ctr" bIns="91425" lIns="91425" spcFirstLastPara="1" rIns="91425" wrap="square" tIns="91425">
+          <a:bodyPr spcFirstLastPara="1" wrap="square" lIns="91425" tIns="91425" rIns="91425" bIns="91425" anchor="ctr" anchorCtr="0">
             <a:normAutofit/>
           </a:bodyPr>
           <a:lstStyle>
@@ -2877,15 +2955,19 @@
               <a:defRPr sz="4200"/>
             </a:lvl9pPr>
           </a:lstStyle>
-          <a:p/>
+          <a:p>
+            <a:endParaRPr/>
+          </a:p>
         </p:txBody>
       </p:sp>
       <p:sp>
         <p:nvSpPr>
           <p:cNvPr id="17" name="Google Shape;17;p3"/>
-          <p:cNvSpPr txBox="1"/>
+          <p:cNvSpPr txBox="1">
+            <a:spLocks noGrp="1"/>
+          </p:cNvSpPr>
           <p:nvPr>
-            <p:ph idx="12" type="sldNum"/>
+            <p:ph type="sldNum" idx="12"/>
           </p:nvPr>
         </p:nvSpPr>
         <p:spPr>
@@ -2898,7 +2980,7 @@
           </a:prstGeom>
         </p:spPr>
         <p:txBody>
-          <a:bodyPr anchorCtr="0" anchor="ctr" bIns="91425" lIns="91425" spcFirstLastPara="1" rIns="91425" wrap="square" tIns="91425">
+          <a:bodyPr spcFirstLastPara="1" wrap="square" lIns="91425" tIns="91425" rIns="91425" bIns="91425" anchor="ctr" anchorCtr="0">
             <a:normAutofit/>
           </a:bodyPr>
           <a:lstStyle>
@@ -2976,7 +3058,7 @@
             </a:lvl9pPr>
           </a:lstStyle>
           <a:p>
-            <a:pPr indent="0" lvl="0" marL="0" rtl="0" algn="r">
+            <a:pPr marL="0" lvl="0" indent="0" algn="r" rtl="0">
               <a:spcBef>
                 <a:spcPts val="0"/>
               </a:spcBef>
@@ -3002,11 +3084,11 @@
 </file>
 
 <file path=ppt/slideLayouts/slideLayout3.xml><?xml version="1.0" encoding="utf-8"?>
-<p:sldLayout xmlns:a="http://schemas.openxmlformats.org/drawingml/2006/main" xmlns:r="http://schemas.openxmlformats.org/officeDocument/2006/relationships" xmlns:mc="http://schemas.openxmlformats.org/markup-compatibility/2006" xmlns:mv="urn:schemas-microsoft-com:mac:vml" xmlns:p="http://schemas.openxmlformats.org/presentationml/2006/main" xmlns:c="http://schemas.openxmlformats.org/drawingml/2006/chart" xmlns:dgm="http://schemas.openxmlformats.org/drawingml/2006/diagram" xmlns:o="urn:schemas-microsoft-com:office:office" xmlns:v="urn:schemas-microsoft-com:vml" xmlns:pvml="urn:schemas-microsoft-com:office:powerpoint" xmlns:com="http://schemas.openxmlformats.org/drawingml/2006/compatibility" xmlns:p14="http://schemas.microsoft.com/office/powerpoint/2010/main" xmlns:p15="http://schemas.microsoft.com/office/powerpoint/2012/main" xmlns:ahyp="http://schemas.microsoft.com/office/drawing/2018/hyperlinkcolor" matchingName="Title and body" type="tx">
+<p:sldLayout xmlns:a="http://schemas.openxmlformats.org/drawingml/2006/main" xmlns:r="http://schemas.openxmlformats.org/officeDocument/2006/relationships" xmlns:p="http://schemas.openxmlformats.org/presentationml/2006/main" matchingName="Title and body" type="tx">
   <p:cSld name="TITLE_AND_BODY">
     <p:spTree>
       <p:nvGrpSpPr>
-        <p:cNvPr id="18" name="Shape 18"/>
+        <p:cNvPr id="1" name="Shape 18"/>
         <p:cNvGrpSpPr/>
         <p:nvPr/>
       </p:nvGrpSpPr>
@@ -3025,7 +3107,7 @@
           <p:nvPr/>
         </p:nvSpPr>
         <p:spPr>
-          <a:xfrm flipH="1" rot="10800000">
+          <a:xfrm rot="10800000" flipH="1">
             <a:off x="0" y="1686000"/>
             <a:ext cx="9144000" cy="3457500"/>
           </a:xfrm>
@@ -3040,12 +3122,12 @@
           </a:ln>
         </p:spPr>
         <p:txBody>
-          <a:bodyPr anchorCtr="0" anchor="ctr" bIns="91425" lIns="91425" spcFirstLastPara="1" rIns="91425" wrap="square" tIns="91425">
+          <a:bodyPr spcFirstLastPara="1" wrap="square" lIns="91425" tIns="91425" rIns="91425" bIns="91425" anchor="ctr" anchorCtr="0">
             <a:noAutofit/>
           </a:bodyPr>
           <a:lstStyle/>
           <a:p>
-            <a:pPr indent="0" lvl="0" marL="0" rtl="0" algn="l">
+            <a:pPr marL="0" lvl="0" indent="0" algn="l" rtl="0">
               <a:spcBef>
                 <a:spcPts val="0"/>
               </a:spcBef>
@@ -3054,9 +3136,6 @@
               </a:spcAft>
               <a:buNone/>
             </a:pPr>
-            <a:r>
-              <a:t/>
-            </a:r>
             <a:endParaRPr/>
           </a:p>
         </p:txBody>
@@ -3097,12 +3176,12 @@
           </a:ln>
         </p:spPr>
         <p:txBody>
-          <a:bodyPr anchorCtr="0" anchor="ctr" bIns="91425" lIns="91425" spcFirstLastPara="1" rIns="91425" wrap="square" tIns="91425">
+          <a:bodyPr spcFirstLastPara="1" wrap="square" lIns="91425" tIns="91425" rIns="91425" bIns="91425" anchor="ctr" anchorCtr="0">
             <a:noAutofit/>
           </a:bodyPr>
           <a:lstStyle/>
           <a:p>
-            <a:pPr indent="0" lvl="0" marL="0" rtl="0" algn="l">
+            <a:pPr marL="0" lvl="0" indent="0" algn="l" rtl="0">
               <a:spcBef>
                 <a:spcPts val="0"/>
               </a:spcBef>
@@ -3111,9 +3190,6 @@
               </a:spcAft>
               <a:buNone/>
             </a:pPr>
-            <a:r>
-              <a:t/>
-            </a:r>
             <a:endParaRPr/>
           </a:p>
         </p:txBody>
@@ -3121,7 +3197,9 @@
       <p:sp>
         <p:nvSpPr>
           <p:cNvPr id="21" name="Google Shape;21;p4"/>
-          <p:cNvSpPr txBox="1"/>
+          <p:cNvSpPr txBox="1">
+            <a:spLocks noGrp="1"/>
+          </p:cNvSpPr>
           <p:nvPr>
             <p:ph type="title"/>
           </p:nvPr>
@@ -3136,7 +3214,7 @@
           </a:prstGeom>
         </p:spPr>
         <p:txBody>
-          <a:bodyPr anchorCtr="0" anchor="b" bIns="91425" lIns="91425" spcFirstLastPara="1" rIns="91425" wrap="square" tIns="91425">
+          <a:bodyPr spcFirstLastPara="1" wrap="square" lIns="91425" tIns="91425" rIns="91425" bIns="91425" anchor="b" anchorCtr="0">
             <a:normAutofit/>
           </a:bodyPr>
           <a:lstStyle>
@@ -3240,15 +3318,19 @@
               <a:defRPr/>
             </a:lvl9pPr>
           </a:lstStyle>
-          <a:p/>
+          <a:p>
+            <a:endParaRPr/>
+          </a:p>
         </p:txBody>
       </p:sp>
       <p:sp>
         <p:nvSpPr>
           <p:cNvPr id="22" name="Google Shape;22;p4"/>
-          <p:cNvSpPr txBox="1"/>
+          <p:cNvSpPr txBox="1">
+            <a:spLocks noGrp="1"/>
+          </p:cNvSpPr>
           <p:nvPr>
-            <p:ph idx="1" type="body"/>
+            <p:ph type="body" idx="1"/>
           </p:nvPr>
         </p:nvSpPr>
         <p:spPr>
@@ -3261,11 +3343,11 @@
           </a:prstGeom>
         </p:spPr>
         <p:txBody>
-          <a:bodyPr anchorCtr="0" anchor="t" bIns="91425" lIns="91425" spcFirstLastPara="1" rIns="91425" wrap="square" tIns="91425">
+          <a:bodyPr spcFirstLastPara="1" wrap="square" lIns="91425" tIns="91425" rIns="91425" bIns="91425" anchor="t" anchorCtr="0">
             <a:normAutofit/>
           </a:bodyPr>
           <a:lstStyle>
-            <a:lvl1pPr indent="-342900" lvl="0" marL="457200">
+            <a:lvl1pPr marL="457200" lvl="0" indent="-342900">
               <a:spcBef>
                 <a:spcPts val="0"/>
               </a:spcBef>
@@ -3276,7 +3358,7 @@
               <a:buChar char="●"/>
               <a:defRPr/>
             </a:lvl1pPr>
-            <a:lvl2pPr indent="-317500" lvl="1" marL="914400">
+            <a:lvl2pPr marL="914400" lvl="1" indent="-317500">
               <a:spcBef>
                 <a:spcPts val="0"/>
               </a:spcBef>
@@ -3287,7 +3369,7 @@
               <a:buChar char="○"/>
               <a:defRPr/>
             </a:lvl2pPr>
-            <a:lvl3pPr indent="-317500" lvl="2" marL="1371600">
+            <a:lvl3pPr marL="1371600" lvl="2" indent="-317500">
               <a:spcBef>
                 <a:spcPts val="0"/>
               </a:spcBef>
@@ -3298,7 +3380,7 @@
               <a:buChar char="■"/>
               <a:defRPr/>
             </a:lvl3pPr>
-            <a:lvl4pPr indent="-317500" lvl="3" marL="1828800">
+            <a:lvl4pPr marL="1828800" lvl="3" indent="-317500">
               <a:spcBef>
                 <a:spcPts val="0"/>
               </a:spcBef>
@@ -3309,7 +3391,7 @@
               <a:buChar char="●"/>
               <a:defRPr/>
             </a:lvl4pPr>
-            <a:lvl5pPr indent="-317500" lvl="4" marL="2286000">
+            <a:lvl5pPr marL="2286000" lvl="4" indent="-317500">
               <a:spcBef>
                 <a:spcPts val="0"/>
               </a:spcBef>
@@ -3320,7 +3402,7 @@
               <a:buChar char="○"/>
               <a:defRPr/>
             </a:lvl5pPr>
-            <a:lvl6pPr indent="-317500" lvl="5" marL="2743200">
+            <a:lvl6pPr marL="2743200" lvl="5" indent="-317500">
               <a:spcBef>
                 <a:spcPts val="0"/>
               </a:spcBef>
@@ -3331,7 +3413,7 @@
               <a:buChar char="■"/>
               <a:defRPr/>
             </a:lvl6pPr>
-            <a:lvl7pPr indent="-317500" lvl="6" marL="3200400">
+            <a:lvl7pPr marL="3200400" lvl="6" indent="-317500">
               <a:spcBef>
                 <a:spcPts val="0"/>
               </a:spcBef>
@@ -3342,7 +3424,7 @@
               <a:buChar char="●"/>
               <a:defRPr/>
             </a:lvl7pPr>
-            <a:lvl8pPr indent="-317500" lvl="7" marL="3657600">
+            <a:lvl8pPr marL="3657600" lvl="7" indent="-317500">
               <a:spcBef>
                 <a:spcPts val="0"/>
               </a:spcBef>
@@ -3353,7 +3435,7 @@
               <a:buChar char="○"/>
               <a:defRPr/>
             </a:lvl8pPr>
-            <a:lvl9pPr indent="-317500" lvl="8" marL="4114800">
+            <a:lvl9pPr marL="4114800" lvl="8" indent="-317500">
               <a:spcBef>
                 <a:spcPts val="0"/>
               </a:spcBef>
@@ -3365,15 +3447,19 @@
               <a:defRPr/>
             </a:lvl9pPr>
           </a:lstStyle>
-          <a:p/>
+          <a:p>
+            <a:endParaRPr/>
+          </a:p>
         </p:txBody>
       </p:sp>
       <p:sp>
         <p:nvSpPr>
           <p:cNvPr id="23" name="Google Shape;23;p4"/>
-          <p:cNvSpPr txBox="1"/>
+          <p:cNvSpPr txBox="1">
+            <a:spLocks noGrp="1"/>
+          </p:cNvSpPr>
           <p:nvPr>
-            <p:ph idx="12" type="sldNum"/>
+            <p:ph type="sldNum" idx="12"/>
           </p:nvPr>
         </p:nvSpPr>
         <p:spPr>
@@ -3386,7 +3472,7 @@
           </a:prstGeom>
         </p:spPr>
         <p:txBody>
-          <a:bodyPr anchorCtr="0" anchor="ctr" bIns="91425" lIns="91425" spcFirstLastPara="1" rIns="91425" wrap="square" tIns="91425">
+          <a:bodyPr spcFirstLastPara="1" wrap="square" lIns="91425" tIns="91425" rIns="91425" bIns="91425" anchor="ctr" anchorCtr="0">
             <a:normAutofit/>
           </a:bodyPr>
           <a:lstStyle>
@@ -3428,7 +3514,7 @@
             </a:lvl9pPr>
           </a:lstStyle>
           <a:p>
-            <a:pPr indent="0" lvl="0" marL="0" rtl="0" algn="r">
+            <a:pPr marL="0" lvl="0" indent="0" algn="r" rtl="0">
               <a:spcBef>
                 <a:spcPts val="0"/>
               </a:spcBef>
@@ -3454,11 +3540,11 @@
 </file>
 
 <file path=ppt/slideLayouts/slideLayout4.xml><?xml version="1.0" encoding="utf-8"?>
-<p:sldLayout xmlns:a="http://schemas.openxmlformats.org/drawingml/2006/main" xmlns:r="http://schemas.openxmlformats.org/officeDocument/2006/relationships" xmlns:mc="http://schemas.openxmlformats.org/markup-compatibility/2006" xmlns:mv="urn:schemas-microsoft-com:mac:vml" xmlns:p="http://schemas.openxmlformats.org/presentationml/2006/main" xmlns:c="http://schemas.openxmlformats.org/drawingml/2006/chart" xmlns:dgm="http://schemas.openxmlformats.org/drawingml/2006/diagram" xmlns:o="urn:schemas-microsoft-com:office:office" xmlns:v="urn:schemas-microsoft-com:vml" xmlns:pvml="urn:schemas-microsoft-com:office:powerpoint" xmlns:com="http://schemas.openxmlformats.org/drawingml/2006/compatibility" xmlns:p14="http://schemas.microsoft.com/office/powerpoint/2010/main" xmlns:p15="http://schemas.microsoft.com/office/powerpoint/2012/main" xmlns:ahyp="http://schemas.microsoft.com/office/drawing/2018/hyperlinkcolor" matchingName="Title and two columns" type="twoColTx">
+<p:sldLayout xmlns:a="http://schemas.openxmlformats.org/drawingml/2006/main" xmlns:r="http://schemas.openxmlformats.org/officeDocument/2006/relationships" xmlns:p="http://schemas.openxmlformats.org/presentationml/2006/main" matchingName="Title and two columns" type="twoColTx">
   <p:cSld name="TITLE_AND_TWO_COLUMNS">
     <p:spTree>
       <p:nvGrpSpPr>
-        <p:cNvPr id="24" name="Shape 24"/>
+        <p:cNvPr id="1" name="Shape 24"/>
         <p:cNvGrpSpPr/>
         <p:nvPr/>
       </p:nvGrpSpPr>
@@ -3477,7 +3563,7 @@
           <p:nvPr/>
         </p:nvSpPr>
         <p:spPr>
-          <a:xfrm flipH="1" rot="10800000">
+          <a:xfrm rot="10800000" flipH="1">
             <a:off x="0" y="1686000"/>
             <a:ext cx="9144000" cy="3457500"/>
           </a:xfrm>
@@ -3492,12 +3578,12 @@
           </a:ln>
         </p:spPr>
         <p:txBody>
-          <a:bodyPr anchorCtr="0" anchor="ctr" bIns="91425" lIns="91425" spcFirstLastPara="1" rIns="91425" wrap="square" tIns="91425">
+          <a:bodyPr spcFirstLastPara="1" wrap="square" lIns="91425" tIns="91425" rIns="91425" bIns="91425" anchor="ctr" anchorCtr="0">
             <a:noAutofit/>
           </a:bodyPr>
           <a:lstStyle/>
           <a:p>
-            <a:pPr indent="0" lvl="0" marL="0" rtl="0" algn="l">
+            <a:pPr marL="0" lvl="0" indent="0" algn="l" rtl="0">
               <a:spcBef>
                 <a:spcPts val="0"/>
               </a:spcBef>
@@ -3506,9 +3592,6 @@
               </a:spcAft>
               <a:buNone/>
             </a:pPr>
-            <a:r>
-              <a:t/>
-            </a:r>
             <a:endParaRPr/>
           </a:p>
         </p:txBody>
@@ -3549,12 +3632,12 @@
           </a:ln>
         </p:spPr>
         <p:txBody>
-          <a:bodyPr anchorCtr="0" anchor="ctr" bIns="91425" lIns="91425" spcFirstLastPara="1" rIns="91425" wrap="square" tIns="91425">
+          <a:bodyPr spcFirstLastPara="1" wrap="square" lIns="91425" tIns="91425" rIns="91425" bIns="91425" anchor="ctr" anchorCtr="0">
             <a:noAutofit/>
           </a:bodyPr>
           <a:lstStyle/>
           <a:p>
-            <a:pPr indent="0" lvl="0" marL="0" rtl="0" algn="l">
+            <a:pPr marL="0" lvl="0" indent="0" algn="l" rtl="0">
               <a:spcBef>
                 <a:spcPts val="0"/>
               </a:spcBef>
@@ -3563,9 +3646,6 @@
               </a:spcAft>
               <a:buNone/>
             </a:pPr>
-            <a:r>
-              <a:t/>
-            </a:r>
             <a:endParaRPr/>
           </a:p>
         </p:txBody>
@@ -3573,7 +3653,9 @@
       <p:sp>
         <p:nvSpPr>
           <p:cNvPr id="27" name="Google Shape;27;p5"/>
-          <p:cNvSpPr txBox="1"/>
+          <p:cNvSpPr txBox="1">
+            <a:spLocks noGrp="1"/>
+          </p:cNvSpPr>
           <p:nvPr>
             <p:ph type="title"/>
           </p:nvPr>
@@ -3588,7 +3670,7 @@
           </a:prstGeom>
         </p:spPr>
         <p:txBody>
-          <a:bodyPr anchorCtr="0" anchor="b" bIns="91425" lIns="91425" spcFirstLastPara="1" rIns="91425" wrap="square" tIns="91425">
+          <a:bodyPr spcFirstLastPara="1" wrap="square" lIns="91425" tIns="91425" rIns="91425" bIns="91425" anchor="b" anchorCtr="0">
             <a:normAutofit/>
           </a:bodyPr>
           <a:lstStyle>
@@ -3692,15 +3774,19 @@
               <a:defRPr/>
             </a:lvl9pPr>
           </a:lstStyle>
-          <a:p/>
+          <a:p>
+            <a:endParaRPr/>
+          </a:p>
         </p:txBody>
       </p:sp>
       <p:sp>
         <p:nvSpPr>
           <p:cNvPr id="28" name="Google Shape;28;p5"/>
-          <p:cNvSpPr txBox="1"/>
+          <p:cNvSpPr txBox="1">
+            <a:spLocks noGrp="1"/>
+          </p:cNvSpPr>
           <p:nvPr>
-            <p:ph idx="1" type="body"/>
+            <p:ph type="body" idx="1"/>
           </p:nvPr>
         </p:nvSpPr>
         <p:spPr>
@@ -3713,11 +3799,11 @@
           </a:prstGeom>
         </p:spPr>
         <p:txBody>
-          <a:bodyPr anchorCtr="0" anchor="t" bIns="91425" lIns="91425" spcFirstLastPara="1" rIns="91425" wrap="square" tIns="91425">
+          <a:bodyPr spcFirstLastPara="1" wrap="square" lIns="91425" tIns="91425" rIns="91425" bIns="91425" anchor="t" anchorCtr="0">
             <a:normAutofit/>
           </a:bodyPr>
           <a:lstStyle>
-            <a:lvl1pPr indent="-317500" lvl="0" marL="457200">
+            <a:lvl1pPr marL="457200" lvl="0" indent="-317500">
               <a:spcBef>
                 <a:spcPts val="0"/>
               </a:spcBef>
@@ -3728,7 +3814,7 @@
               <a:buChar char="●"/>
               <a:defRPr sz="1400"/>
             </a:lvl1pPr>
-            <a:lvl2pPr indent="-304800" lvl="1" marL="914400">
+            <a:lvl2pPr marL="914400" lvl="1" indent="-304800">
               <a:spcBef>
                 <a:spcPts val="0"/>
               </a:spcBef>
@@ -3739,7 +3825,7 @@
               <a:buChar char="○"/>
               <a:defRPr sz="1200"/>
             </a:lvl2pPr>
-            <a:lvl3pPr indent="-304800" lvl="2" marL="1371600">
+            <a:lvl3pPr marL="1371600" lvl="2" indent="-304800">
               <a:spcBef>
                 <a:spcPts val="0"/>
               </a:spcBef>
@@ -3750,7 +3836,7 @@
               <a:buChar char="■"/>
               <a:defRPr sz="1200"/>
             </a:lvl3pPr>
-            <a:lvl4pPr indent="-304800" lvl="3" marL="1828800">
+            <a:lvl4pPr marL="1828800" lvl="3" indent="-304800">
               <a:spcBef>
                 <a:spcPts val="0"/>
               </a:spcBef>
@@ -3761,7 +3847,7 @@
               <a:buChar char="●"/>
               <a:defRPr sz="1200"/>
             </a:lvl4pPr>
-            <a:lvl5pPr indent="-304800" lvl="4" marL="2286000">
+            <a:lvl5pPr marL="2286000" lvl="4" indent="-304800">
               <a:spcBef>
                 <a:spcPts val="0"/>
               </a:spcBef>
@@ -3772,7 +3858,7 @@
               <a:buChar char="○"/>
               <a:defRPr sz="1200"/>
             </a:lvl5pPr>
-            <a:lvl6pPr indent="-304800" lvl="5" marL="2743200">
+            <a:lvl6pPr marL="2743200" lvl="5" indent="-304800">
               <a:spcBef>
                 <a:spcPts val="0"/>
               </a:spcBef>
@@ -3783,7 +3869,7 @@
               <a:buChar char="■"/>
               <a:defRPr sz="1200"/>
             </a:lvl6pPr>
-            <a:lvl7pPr indent="-304800" lvl="6" marL="3200400">
+            <a:lvl7pPr marL="3200400" lvl="6" indent="-304800">
               <a:spcBef>
                 <a:spcPts val="0"/>
               </a:spcBef>
@@ -3794,7 +3880,7 @@
               <a:buChar char="●"/>
               <a:defRPr sz="1200"/>
             </a:lvl7pPr>
-            <a:lvl8pPr indent="-304800" lvl="7" marL="3657600">
+            <a:lvl8pPr marL="3657600" lvl="7" indent="-304800">
               <a:spcBef>
                 <a:spcPts val="0"/>
               </a:spcBef>
@@ -3805,7 +3891,7 @@
               <a:buChar char="○"/>
               <a:defRPr sz="1200"/>
             </a:lvl8pPr>
-            <a:lvl9pPr indent="-304800" lvl="8" marL="4114800">
+            <a:lvl9pPr marL="4114800" lvl="8" indent="-304800">
               <a:spcBef>
                 <a:spcPts val="0"/>
               </a:spcBef>
@@ -3817,15 +3903,19 @@
               <a:defRPr sz="1200"/>
             </a:lvl9pPr>
           </a:lstStyle>
-          <a:p/>
+          <a:p>
+            <a:endParaRPr/>
+          </a:p>
         </p:txBody>
       </p:sp>
       <p:sp>
         <p:nvSpPr>
           <p:cNvPr id="29" name="Google Shape;29;p5"/>
-          <p:cNvSpPr txBox="1"/>
+          <p:cNvSpPr txBox="1">
+            <a:spLocks noGrp="1"/>
+          </p:cNvSpPr>
           <p:nvPr>
-            <p:ph idx="2" type="body"/>
+            <p:ph type="body" idx="2"/>
           </p:nvPr>
         </p:nvSpPr>
         <p:spPr>
@@ -3838,11 +3928,11 @@
           </a:prstGeom>
         </p:spPr>
         <p:txBody>
-          <a:bodyPr anchorCtr="0" anchor="t" bIns="91425" lIns="91425" spcFirstLastPara="1" rIns="91425" wrap="square" tIns="91425">
+          <a:bodyPr spcFirstLastPara="1" wrap="square" lIns="91425" tIns="91425" rIns="91425" bIns="91425" anchor="t" anchorCtr="0">
             <a:normAutofit/>
           </a:bodyPr>
           <a:lstStyle>
-            <a:lvl1pPr indent="-317500" lvl="0" marL="457200">
+            <a:lvl1pPr marL="457200" lvl="0" indent="-317500">
               <a:spcBef>
                 <a:spcPts val="0"/>
               </a:spcBef>
@@ -3853,7 +3943,7 @@
               <a:buChar char="●"/>
               <a:defRPr sz="1400"/>
             </a:lvl1pPr>
-            <a:lvl2pPr indent="-304800" lvl="1" marL="914400">
+            <a:lvl2pPr marL="914400" lvl="1" indent="-304800">
               <a:spcBef>
                 <a:spcPts val="0"/>
               </a:spcBef>
@@ -3864,7 +3954,7 @@
               <a:buChar char="○"/>
               <a:defRPr sz="1200"/>
             </a:lvl2pPr>
-            <a:lvl3pPr indent="-304800" lvl="2" marL="1371600">
+            <a:lvl3pPr marL="1371600" lvl="2" indent="-304800">
               <a:spcBef>
                 <a:spcPts val="0"/>
               </a:spcBef>
@@ -3875,7 +3965,7 @@
               <a:buChar char="■"/>
               <a:defRPr sz="1200"/>
             </a:lvl3pPr>
-            <a:lvl4pPr indent="-304800" lvl="3" marL="1828800">
+            <a:lvl4pPr marL="1828800" lvl="3" indent="-304800">
               <a:spcBef>
                 <a:spcPts val="0"/>
               </a:spcBef>
@@ -3886,7 +3976,7 @@
               <a:buChar char="●"/>
               <a:defRPr sz="1200"/>
             </a:lvl4pPr>
-            <a:lvl5pPr indent="-304800" lvl="4" marL="2286000">
+            <a:lvl5pPr marL="2286000" lvl="4" indent="-304800">
               <a:spcBef>
                 <a:spcPts val="0"/>
               </a:spcBef>
@@ -3897,7 +3987,7 @@
               <a:buChar char="○"/>
               <a:defRPr sz="1200"/>
             </a:lvl5pPr>
-            <a:lvl6pPr indent="-304800" lvl="5" marL="2743200">
+            <a:lvl6pPr marL="2743200" lvl="5" indent="-304800">
               <a:spcBef>
                 <a:spcPts val="0"/>
               </a:spcBef>
@@ -3908,7 +3998,7 @@
               <a:buChar char="■"/>
               <a:defRPr sz="1200"/>
             </a:lvl6pPr>
-            <a:lvl7pPr indent="-304800" lvl="6" marL="3200400">
+            <a:lvl7pPr marL="3200400" lvl="6" indent="-304800">
               <a:spcBef>
                 <a:spcPts val="0"/>
               </a:spcBef>
@@ -3919,7 +4009,7 @@
               <a:buChar char="●"/>
               <a:defRPr sz="1200"/>
             </a:lvl7pPr>
-            <a:lvl8pPr indent="-304800" lvl="7" marL="3657600">
+            <a:lvl8pPr marL="3657600" lvl="7" indent="-304800">
               <a:spcBef>
                 <a:spcPts val="0"/>
               </a:spcBef>
@@ -3930,7 +4020,7 @@
               <a:buChar char="○"/>
               <a:defRPr sz="1200"/>
             </a:lvl8pPr>
-            <a:lvl9pPr indent="-304800" lvl="8" marL="4114800">
+            <a:lvl9pPr marL="4114800" lvl="8" indent="-304800">
               <a:spcBef>
                 <a:spcPts val="0"/>
               </a:spcBef>
@@ -3942,15 +4032,19 @@
               <a:defRPr sz="1200"/>
             </a:lvl9pPr>
           </a:lstStyle>
-          <a:p/>
+          <a:p>
+            <a:endParaRPr/>
+          </a:p>
         </p:txBody>
       </p:sp>
       <p:sp>
         <p:nvSpPr>
           <p:cNvPr id="30" name="Google Shape;30;p5"/>
-          <p:cNvSpPr txBox="1"/>
+          <p:cNvSpPr txBox="1">
+            <a:spLocks noGrp="1"/>
+          </p:cNvSpPr>
           <p:nvPr>
-            <p:ph idx="12" type="sldNum"/>
+            <p:ph type="sldNum" idx="12"/>
           </p:nvPr>
         </p:nvSpPr>
         <p:spPr>
@@ -3963,7 +4057,7 @@
           </a:prstGeom>
         </p:spPr>
         <p:txBody>
-          <a:bodyPr anchorCtr="0" anchor="ctr" bIns="91425" lIns="91425" spcFirstLastPara="1" rIns="91425" wrap="square" tIns="91425">
+          <a:bodyPr spcFirstLastPara="1" wrap="square" lIns="91425" tIns="91425" rIns="91425" bIns="91425" anchor="ctr" anchorCtr="0">
             <a:normAutofit/>
           </a:bodyPr>
           <a:lstStyle>
@@ -4005,7 +4099,7 @@
             </a:lvl9pPr>
           </a:lstStyle>
           <a:p>
-            <a:pPr indent="0" lvl="0" marL="0" rtl="0" algn="r">
+            <a:pPr marL="0" lvl="0" indent="0" algn="r" rtl="0">
               <a:spcBef>
                 <a:spcPts val="0"/>
               </a:spcBef>
@@ -4031,11 +4125,11 @@
 </file>
 
 <file path=ppt/slideLayouts/slideLayout5.xml><?xml version="1.0" encoding="utf-8"?>
-<p:sldLayout xmlns:a="http://schemas.openxmlformats.org/drawingml/2006/main" xmlns:r="http://schemas.openxmlformats.org/officeDocument/2006/relationships" xmlns:mc="http://schemas.openxmlformats.org/markup-compatibility/2006" xmlns:mv="urn:schemas-microsoft-com:mac:vml" xmlns:p="http://schemas.openxmlformats.org/presentationml/2006/main" xmlns:c="http://schemas.openxmlformats.org/drawingml/2006/chart" xmlns:dgm="http://schemas.openxmlformats.org/drawingml/2006/diagram" xmlns:o="urn:schemas-microsoft-com:office:office" xmlns:v="urn:schemas-microsoft-com:vml" xmlns:pvml="urn:schemas-microsoft-com:office:powerpoint" xmlns:com="http://schemas.openxmlformats.org/drawingml/2006/compatibility" xmlns:p14="http://schemas.microsoft.com/office/powerpoint/2010/main" xmlns:p15="http://schemas.microsoft.com/office/powerpoint/2012/main" xmlns:ahyp="http://schemas.microsoft.com/office/drawing/2018/hyperlinkcolor" matchingName="Title only" type="titleOnly">
+<p:sldLayout xmlns:a="http://schemas.openxmlformats.org/drawingml/2006/main" xmlns:r="http://schemas.openxmlformats.org/officeDocument/2006/relationships" xmlns:p="http://schemas.openxmlformats.org/presentationml/2006/main" matchingName="Title only" type="titleOnly">
   <p:cSld name="TITLE_ONLY">
     <p:spTree>
       <p:nvGrpSpPr>
-        <p:cNvPr id="31" name="Shape 31"/>
+        <p:cNvPr id="1" name="Shape 31"/>
         <p:cNvGrpSpPr/>
         <p:nvPr/>
       </p:nvGrpSpPr>
@@ -4054,7 +4148,7 @@
           <p:nvPr/>
         </p:nvSpPr>
         <p:spPr>
-          <a:xfrm flipH="1" rot="10800000">
+          <a:xfrm rot="10800000" flipH="1">
             <a:off x="0" y="656400"/>
             <a:ext cx="9144000" cy="4487100"/>
           </a:xfrm>
@@ -4069,12 +4163,12 @@
           </a:ln>
         </p:spPr>
         <p:txBody>
-          <a:bodyPr anchorCtr="0" anchor="ctr" bIns="91425" lIns="91425" spcFirstLastPara="1" rIns="91425" wrap="square" tIns="91425">
+          <a:bodyPr spcFirstLastPara="1" wrap="square" lIns="91425" tIns="91425" rIns="91425" bIns="91425" anchor="ctr" anchorCtr="0">
             <a:noAutofit/>
           </a:bodyPr>
           <a:lstStyle/>
           <a:p>
-            <a:pPr indent="0" lvl="0" marL="0" rtl="0" algn="l">
+            <a:pPr marL="0" lvl="0" indent="0" algn="l" rtl="0">
               <a:spcBef>
                 <a:spcPts val="0"/>
               </a:spcBef>
@@ -4083,9 +4177,6 @@
               </a:spcAft>
               <a:buNone/>
             </a:pPr>
-            <a:r>
-              <a:t/>
-            </a:r>
             <a:endParaRPr/>
           </a:p>
         </p:txBody>
@@ -4126,12 +4217,12 @@
           </a:ln>
         </p:spPr>
         <p:txBody>
-          <a:bodyPr anchorCtr="0" anchor="ctr" bIns="91425" lIns="91425" spcFirstLastPara="1" rIns="91425" wrap="square" tIns="91425">
+          <a:bodyPr spcFirstLastPara="1" wrap="square" lIns="91425" tIns="91425" rIns="91425" bIns="91425" anchor="ctr" anchorCtr="0">
             <a:noAutofit/>
           </a:bodyPr>
           <a:lstStyle/>
           <a:p>
-            <a:pPr indent="0" lvl="0" marL="0" rtl="0" algn="l">
+            <a:pPr marL="0" lvl="0" indent="0" algn="l" rtl="0">
               <a:spcBef>
                 <a:spcPts val="0"/>
               </a:spcBef>
@@ -4140,9 +4231,6 @@
               </a:spcAft>
               <a:buNone/>
             </a:pPr>
-            <a:r>
-              <a:t/>
-            </a:r>
             <a:endParaRPr/>
           </a:p>
         </p:txBody>
@@ -4150,7 +4238,9 @@
       <p:sp>
         <p:nvSpPr>
           <p:cNvPr id="34" name="Google Shape;34;p6"/>
-          <p:cNvSpPr txBox="1"/>
+          <p:cNvSpPr txBox="1">
+            <a:spLocks noGrp="1"/>
+          </p:cNvSpPr>
           <p:nvPr>
             <p:ph type="title"/>
           </p:nvPr>
@@ -4165,7 +4255,7 @@
           </a:prstGeom>
         </p:spPr>
         <p:txBody>
-          <a:bodyPr anchorCtr="0" anchor="ctr" bIns="91425" lIns="91425" spcFirstLastPara="1" rIns="91425" wrap="square" tIns="91425">
+          <a:bodyPr spcFirstLastPara="1" wrap="square" lIns="91425" tIns="91425" rIns="91425" bIns="91425" anchor="ctr" anchorCtr="0">
             <a:normAutofit/>
           </a:bodyPr>
           <a:lstStyle>
@@ -4269,15 +4359,19 @@
               <a:defRPr sz="1800"/>
             </a:lvl9pPr>
           </a:lstStyle>
-          <a:p/>
+          <a:p>
+            <a:endParaRPr/>
+          </a:p>
         </p:txBody>
       </p:sp>
       <p:sp>
         <p:nvSpPr>
           <p:cNvPr id="35" name="Google Shape;35;p6"/>
-          <p:cNvSpPr txBox="1"/>
+          <p:cNvSpPr txBox="1">
+            <a:spLocks noGrp="1"/>
+          </p:cNvSpPr>
           <p:nvPr>
-            <p:ph idx="12" type="sldNum"/>
+            <p:ph type="sldNum" idx="12"/>
           </p:nvPr>
         </p:nvSpPr>
         <p:spPr>
@@ -4290,7 +4384,7 @@
           </a:prstGeom>
         </p:spPr>
         <p:txBody>
-          <a:bodyPr anchorCtr="0" anchor="ctr" bIns="91425" lIns="91425" spcFirstLastPara="1" rIns="91425" wrap="square" tIns="91425">
+          <a:bodyPr spcFirstLastPara="1" wrap="square" lIns="91425" tIns="91425" rIns="91425" bIns="91425" anchor="ctr" anchorCtr="0">
             <a:normAutofit/>
           </a:bodyPr>
           <a:lstStyle>
@@ -4332,7 +4426,7 @@
             </a:lvl9pPr>
           </a:lstStyle>
           <a:p>
-            <a:pPr indent="0" lvl="0" marL="0" rtl="0" algn="r">
+            <a:pPr marL="0" lvl="0" indent="0" algn="r" rtl="0">
               <a:spcBef>
                 <a:spcPts val="0"/>
               </a:spcBef>
@@ -4358,11 +4452,11 @@
 </file>
 
 <file path=ppt/slideLayouts/slideLayout6.xml><?xml version="1.0" encoding="utf-8"?>
-<p:sldLayout xmlns:a="http://schemas.openxmlformats.org/drawingml/2006/main" xmlns:r="http://schemas.openxmlformats.org/officeDocument/2006/relationships" xmlns:mc="http://schemas.openxmlformats.org/markup-compatibility/2006" xmlns:mv="urn:schemas-microsoft-com:mac:vml" xmlns:p="http://schemas.openxmlformats.org/presentationml/2006/main" xmlns:c="http://schemas.openxmlformats.org/drawingml/2006/chart" xmlns:dgm="http://schemas.openxmlformats.org/drawingml/2006/diagram" xmlns:o="urn:schemas-microsoft-com:office:office" xmlns:v="urn:schemas-microsoft-com:vml" xmlns:pvml="urn:schemas-microsoft-com:office:powerpoint" xmlns:com="http://schemas.openxmlformats.org/drawingml/2006/compatibility" xmlns:p14="http://schemas.microsoft.com/office/powerpoint/2010/main" xmlns:p15="http://schemas.microsoft.com/office/powerpoint/2012/main" xmlns:ahyp="http://schemas.microsoft.com/office/drawing/2018/hyperlinkcolor" matchingName="One column text">
+<p:sldLayout xmlns:a="http://schemas.openxmlformats.org/drawingml/2006/main" xmlns:r="http://schemas.openxmlformats.org/officeDocument/2006/relationships" xmlns:p="http://schemas.openxmlformats.org/presentationml/2006/main" matchingName="One column text">
   <p:cSld name="ONE_COLUMN_TEXT">
     <p:spTree>
       <p:nvGrpSpPr>
-        <p:cNvPr id="36" name="Shape 36"/>
+        <p:cNvPr id="1" name="Shape 36"/>
         <p:cNvGrpSpPr/>
         <p:nvPr/>
       </p:nvGrpSpPr>
@@ -4381,7 +4475,7 @@
           <p:nvPr/>
         </p:nvSpPr>
         <p:spPr>
-          <a:xfrm flipH="1" rot="10800000">
+          <a:xfrm rot="10800000" flipH="1">
             <a:off x="3276600" y="25"/>
             <a:ext cx="5867400" cy="5143500"/>
           </a:xfrm>
@@ -4396,12 +4490,12 @@
           </a:ln>
         </p:spPr>
         <p:txBody>
-          <a:bodyPr anchorCtr="0" anchor="ctr" bIns="91425" lIns="91425" spcFirstLastPara="1" rIns="91425" wrap="square" tIns="91425">
+          <a:bodyPr spcFirstLastPara="1" wrap="square" lIns="91425" tIns="91425" rIns="91425" bIns="91425" anchor="ctr" anchorCtr="0">
             <a:noAutofit/>
           </a:bodyPr>
           <a:lstStyle/>
           <a:p>
-            <a:pPr indent="0" lvl="0" marL="0" rtl="0" algn="l">
+            <a:pPr marL="0" lvl="0" indent="0" algn="l" rtl="0">
               <a:spcBef>
                 <a:spcPts val="0"/>
               </a:spcBef>
@@ -4410,9 +4504,6 @@
               </a:spcAft>
               <a:buNone/>
             </a:pPr>
-            <a:r>
-              <a:t/>
-            </a:r>
             <a:endParaRPr/>
           </a:p>
         </p:txBody>
@@ -4453,12 +4544,12 @@
           </a:ln>
         </p:spPr>
         <p:txBody>
-          <a:bodyPr anchorCtr="0" anchor="ctr" bIns="91425" lIns="91425" spcFirstLastPara="1" rIns="91425" wrap="square" tIns="91425">
+          <a:bodyPr spcFirstLastPara="1" wrap="square" lIns="91425" tIns="91425" rIns="91425" bIns="91425" anchor="ctr" anchorCtr="0">
             <a:noAutofit/>
           </a:bodyPr>
           <a:lstStyle/>
           <a:p>
-            <a:pPr indent="0" lvl="0" marL="0" rtl="0" algn="l">
+            <a:pPr marL="0" lvl="0" indent="0" algn="l" rtl="0">
               <a:spcBef>
                 <a:spcPts val="0"/>
               </a:spcBef>
@@ -4467,9 +4558,6 @@
               </a:spcAft>
               <a:buNone/>
             </a:pPr>
-            <a:r>
-              <a:t/>
-            </a:r>
             <a:endParaRPr/>
           </a:p>
         </p:txBody>
@@ -4477,7 +4565,9 @@
       <p:sp>
         <p:nvSpPr>
           <p:cNvPr id="39" name="Google Shape;39;p7"/>
-          <p:cNvSpPr txBox="1"/>
+          <p:cNvSpPr txBox="1">
+            <a:spLocks noGrp="1"/>
+          </p:cNvSpPr>
           <p:nvPr>
             <p:ph type="title"/>
           </p:nvPr>
@@ -4492,7 +4582,7 @@
           </a:prstGeom>
         </p:spPr>
         <p:txBody>
-          <a:bodyPr anchorCtr="0" anchor="b" bIns="91425" lIns="91425" spcFirstLastPara="1" rIns="91425" wrap="square" tIns="91425">
+          <a:bodyPr spcFirstLastPara="1" wrap="square" lIns="91425" tIns="91425" rIns="91425" bIns="91425" anchor="b" anchorCtr="0">
             <a:normAutofit/>
           </a:bodyPr>
           <a:lstStyle>
@@ -4596,15 +4686,19 @@
               <a:defRPr sz="2400"/>
             </a:lvl9pPr>
           </a:lstStyle>
-          <a:p/>
+          <a:p>
+            <a:endParaRPr/>
+          </a:p>
         </p:txBody>
       </p:sp>
       <p:sp>
         <p:nvSpPr>
           <p:cNvPr id="40" name="Google Shape;40;p7"/>
-          <p:cNvSpPr txBox="1"/>
+          <p:cNvSpPr txBox="1">
+            <a:spLocks noGrp="1"/>
+          </p:cNvSpPr>
           <p:nvPr>
-            <p:ph idx="1" type="body"/>
+            <p:ph type="body" idx="1"/>
           </p:nvPr>
         </p:nvSpPr>
         <p:spPr>
@@ -4617,11 +4711,11 @@
           </a:prstGeom>
         </p:spPr>
         <p:txBody>
-          <a:bodyPr anchorCtr="0" anchor="t" bIns="91425" lIns="91425" spcFirstLastPara="1" rIns="91425" wrap="square" tIns="91425">
+          <a:bodyPr spcFirstLastPara="1" wrap="square" lIns="91425" tIns="91425" rIns="91425" bIns="91425" anchor="t" anchorCtr="0">
             <a:normAutofit/>
           </a:bodyPr>
           <a:lstStyle>
-            <a:lvl1pPr indent="-304800" lvl="0" marL="457200">
+            <a:lvl1pPr marL="457200" lvl="0" indent="-304800">
               <a:spcBef>
                 <a:spcPts val="0"/>
               </a:spcBef>
@@ -4639,7 +4733,7 @@
                 </a:solidFill>
               </a:defRPr>
             </a:lvl1pPr>
-            <a:lvl2pPr indent="-304800" lvl="1" marL="914400">
+            <a:lvl2pPr marL="914400" lvl="1" indent="-304800">
               <a:spcBef>
                 <a:spcPts val="0"/>
               </a:spcBef>
@@ -4657,7 +4751,7 @@
                 </a:solidFill>
               </a:defRPr>
             </a:lvl2pPr>
-            <a:lvl3pPr indent="-304800" lvl="2" marL="1371600">
+            <a:lvl3pPr marL="1371600" lvl="2" indent="-304800">
               <a:spcBef>
                 <a:spcPts val="0"/>
               </a:spcBef>
@@ -4675,7 +4769,7 @@
                 </a:solidFill>
               </a:defRPr>
             </a:lvl3pPr>
-            <a:lvl4pPr indent="-304800" lvl="3" marL="1828800">
+            <a:lvl4pPr marL="1828800" lvl="3" indent="-304800">
               <a:spcBef>
                 <a:spcPts val="0"/>
               </a:spcBef>
@@ -4693,7 +4787,7 @@
                 </a:solidFill>
               </a:defRPr>
             </a:lvl4pPr>
-            <a:lvl5pPr indent="-304800" lvl="4" marL="2286000">
+            <a:lvl5pPr marL="2286000" lvl="4" indent="-304800">
               <a:spcBef>
                 <a:spcPts val="0"/>
               </a:spcBef>
@@ -4711,7 +4805,7 @@
                 </a:solidFill>
               </a:defRPr>
             </a:lvl5pPr>
-            <a:lvl6pPr indent="-304800" lvl="5" marL="2743200">
+            <a:lvl6pPr marL="2743200" lvl="5" indent="-304800">
               <a:spcBef>
                 <a:spcPts val="0"/>
               </a:spcBef>
@@ -4729,7 +4823,7 @@
                 </a:solidFill>
               </a:defRPr>
             </a:lvl6pPr>
-            <a:lvl7pPr indent="-304800" lvl="6" marL="3200400">
+            <a:lvl7pPr marL="3200400" lvl="6" indent="-304800">
               <a:spcBef>
                 <a:spcPts val="0"/>
               </a:spcBef>
@@ -4747,7 +4841,7 @@
                 </a:solidFill>
               </a:defRPr>
             </a:lvl7pPr>
-            <a:lvl8pPr indent="-304800" lvl="7" marL="3657600">
+            <a:lvl8pPr marL="3657600" lvl="7" indent="-304800">
               <a:spcBef>
                 <a:spcPts val="0"/>
               </a:spcBef>
@@ -4765,7 +4859,7 @@
                 </a:solidFill>
               </a:defRPr>
             </a:lvl8pPr>
-            <a:lvl9pPr indent="-304800" lvl="8" marL="4114800">
+            <a:lvl9pPr marL="4114800" lvl="8" indent="-304800">
               <a:spcBef>
                 <a:spcPts val="0"/>
               </a:spcBef>
@@ -4784,15 +4878,19 @@
               </a:defRPr>
             </a:lvl9pPr>
           </a:lstStyle>
-          <a:p/>
+          <a:p>
+            <a:endParaRPr/>
+          </a:p>
         </p:txBody>
       </p:sp>
       <p:sp>
         <p:nvSpPr>
           <p:cNvPr id="41" name="Google Shape;41;p7"/>
-          <p:cNvSpPr txBox="1"/>
+          <p:cNvSpPr txBox="1">
+            <a:spLocks noGrp="1"/>
+          </p:cNvSpPr>
           <p:nvPr>
-            <p:ph idx="12" type="sldNum"/>
+            <p:ph type="sldNum" idx="12"/>
           </p:nvPr>
         </p:nvSpPr>
         <p:spPr>
@@ -4805,7 +4903,7 @@
           </a:prstGeom>
         </p:spPr>
         <p:txBody>
-          <a:bodyPr anchorCtr="0" anchor="ctr" bIns="91425" lIns="91425" spcFirstLastPara="1" rIns="91425" wrap="square" tIns="91425">
+          <a:bodyPr spcFirstLastPara="1" wrap="square" lIns="91425" tIns="91425" rIns="91425" bIns="91425" anchor="ctr" anchorCtr="0">
             <a:normAutofit/>
           </a:bodyPr>
           <a:lstStyle>
@@ -4847,7 +4945,7 @@
             </a:lvl9pPr>
           </a:lstStyle>
           <a:p>
-            <a:pPr indent="0" lvl="0" marL="0" rtl="0" algn="r">
+            <a:pPr marL="0" lvl="0" indent="0" algn="r" rtl="0">
               <a:spcBef>
                 <a:spcPts val="0"/>
               </a:spcBef>
@@ -4873,11 +4971,11 @@
 </file>
 
 <file path=ppt/slideLayouts/slideLayout7.xml><?xml version="1.0" encoding="utf-8"?>
-<p:sldLayout xmlns:a="http://schemas.openxmlformats.org/drawingml/2006/main" xmlns:r="http://schemas.openxmlformats.org/officeDocument/2006/relationships" xmlns:mc="http://schemas.openxmlformats.org/markup-compatibility/2006" xmlns:mv="urn:schemas-microsoft-com:mac:vml" xmlns:p="http://schemas.openxmlformats.org/presentationml/2006/main" xmlns:c="http://schemas.openxmlformats.org/drawingml/2006/chart" xmlns:dgm="http://schemas.openxmlformats.org/drawingml/2006/diagram" xmlns:o="urn:schemas-microsoft-com:office:office" xmlns:v="urn:schemas-microsoft-com:vml" xmlns:pvml="urn:schemas-microsoft-com:office:powerpoint" xmlns:com="http://schemas.openxmlformats.org/drawingml/2006/compatibility" xmlns:p14="http://schemas.microsoft.com/office/powerpoint/2010/main" xmlns:p15="http://schemas.microsoft.com/office/powerpoint/2012/main" xmlns:ahyp="http://schemas.microsoft.com/office/drawing/2018/hyperlinkcolor" matchingName="Main point">
+<p:sldLayout xmlns:a="http://schemas.openxmlformats.org/drawingml/2006/main" xmlns:r="http://schemas.openxmlformats.org/officeDocument/2006/relationships" xmlns:p="http://schemas.openxmlformats.org/presentationml/2006/main" matchingName="Main point">
   <p:cSld name="MAIN_POINT">
     <p:spTree>
       <p:nvGrpSpPr>
-        <p:cNvPr id="42" name="Shape 42"/>
+        <p:cNvPr id="1" name="Shape 42"/>
         <p:cNvGrpSpPr/>
         <p:nvPr/>
       </p:nvGrpSpPr>
@@ -4892,7 +4990,9 @@
       <p:sp>
         <p:nvSpPr>
           <p:cNvPr id="43" name="Google Shape;43;p8"/>
-          <p:cNvSpPr txBox="1"/>
+          <p:cNvSpPr txBox="1">
+            <a:spLocks noGrp="1"/>
+          </p:cNvSpPr>
           <p:nvPr>
             <p:ph type="title"/>
           </p:nvPr>
@@ -4907,7 +5007,7 @@
           </a:prstGeom>
         </p:spPr>
         <p:txBody>
-          <a:bodyPr anchorCtr="0" anchor="ctr" bIns="91425" lIns="91425" spcFirstLastPara="1" rIns="91425" wrap="square" tIns="91425">
+          <a:bodyPr spcFirstLastPara="1" wrap="square" lIns="91425" tIns="91425" rIns="91425" bIns="91425" anchor="ctr" anchorCtr="0">
             <a:normAutofit/>
           </a:bodyPr>
           <a:lstStyle>
@@ -5011,15 +5111,19 @@
               <a:defRPr sz="6000"/>
             </a:lvl9pPr>
           </a:lstStyle>
-          <a:p/>
+          <a:p>
+            <a:endParaRPr/>
+          </a:p>
         </p:txBody>
       </p:sp>
       <p:sp>
         <p:nvSpPr>
           <p:cNvPr id="44" name="Google Shape;44;p8"/>
-          <p:cNvSpPr txBox="1"/>
+          <p:cNvSpPr txBox="1">
+            <a:spLocks noGrp="1"/>
+          </p:cNvSpPr>
           <p:nvPr>
-            <p:ph idx="12" type="sldNum"/>
+            <p:ph type="sldNum" idx="12"/>
           </p:nvPr>
         </p:nvSpPr>
         <p:spPr>
@@ -5032,7 +5136,7 @@
           </a:prstGeom>
         </p:spPr>
         <p:txBody>
-          <a:bodyPr anchorCtr="0" anchor="ctr" bIns="91425" lIns="91425" spcFirstLastPara="1" rIns="91425" wrap="square" tIns="91425">
+          <a:bodyPr spcFirstLastPara="1" wrap="square" lIns="91425" tIns="91425" rIns="91425" bIns="91425" anchor="ctr" anchorCtr="0">
             <a:normAutofit/>
           </a:bodyPr>
           <a:lstStyle>
@@ -5110,7 +5214,7 @@
             </a:lvl9pPr>
           </a:lstStyle>
           <a:p>
-            <a:pPr indent="0" lvl="0" marL="0" rtl="0" algn="r">
+            <a:pPr marL="0" lvl="0" indent="0" algn="r" rtl="0">
               <a:spcBef>
                 <a:spcPts val="0"/>
               </a:spcBef>
@@ -5136,11 +5240,11 @@
 </file>
 
 <file path=ppt/slideLayouts/slideLayout8.xml><?xml version="1.0" encoding="utf-8"?>
-<p:sldLayout xmlns:a="http://schemas.openxmlformats.org/drawingml/2006/main" xmlns:r="http://schemas.openxmlformats.org/officeDocument/2006/relationships" xmlns:mc="http://schemas.openxmlformats.org/markup-compatibility/2006" xmlns:mv="urn:schemas-microsoft-com:mac:vml" xmlns:p="http://schemas.openxmlformats.org/presentationml/2006/main" xmlns:c="http://schemas.openxmlformats.org/drawingml/2006/chart" xmlns:dgm="http://schemas.openxmlformats.org/drawingml/2006/diagram" xmlns:o="urn:schemas-microsoft-com:office:office" xmlns:v="urn:schemas-microsoft-com:vml" xmlns:pvml="urn:schemas-microsoft-com:office:powerpoint" xmlns:com="http://schemas.openxmlformats.org/drawingml/2006/compatibility" xmlns:p14="http://schemas.microsoft.com/office/powerpoint/2010/main" xmlns:p15="http://schemas.microsoft.com/office/powerpoint/2012/main" xmlns:ahyp="http://schemas.microsoft.com/office/drawing/2018/hyperlinkcolor" matchingName="Section title and description">
+<p:sldLayout xmlns:a="http://schemas.openxmlformats.org/drawingml/2006/main" xmlns:r="http://schemas.openxmlformats.org/officeDocument/2006/relationships" xmlns:p="http://schemas.openxmlformats.org/presentationml/2006/main" matchingName="Section title and description">
   <p:cSld name="SECTION_TITLE_AND_DESCRIPTION">
     <p:spTree>
       <p:nvGrpSpPr>
-        <p:cNvPr id="45" name="Shape 45"/>
+        <p:cNvPr id="1" name="Shape 45"/>
         <p:cNvGrpSpPr/>
         <p:nvPr/>
       </p:nvGrpSpPr>
@@ -5174,12 +5278,12 @@
           </a:ln>
         </p:spPr>
         <p:txBody>
-          <a:bodyPr anchorCtr="0" anchor="ctr" bIns="91425" lIns="91425" spcFirstLastPara="1" rIns="91425" wrap="square" tIns="91425">
+          <a:bodyPr spcFirstLastPara="1" wrap="square" lIns="91425" tIns="91425" rIns="91425" bIns="91425" anchor="ctr" anchorCtr="0">
             <a:noAutofit/>
           </a:bodyPr>
           <a:lstStyle/>
           <a:p>
-            <a:pPr indent="0" lvl="0" marL="0" rtl="0" algn="l">
+            <a:pPr marL="0" lvl="0" indent="0" algn="l" rtl="0">
               <a:spcBef>
                 <a:spcPts val="0"/>
               </a:spcBef>
@@ -5188,9 +5292,6 @@
               </a:spcAft>
               <a:buNone/>
             </a:pPr>
-            <a:r>
-              <a:t/>
-            </a:r>
             <a:endParaRPr/>
           </a:p>
         </p:txBody>
@@ -5231,12 +5332,12 @@
           </a:ln>
         </p:spPr>
         <p:txBody>
-          <a:bodyPr anchorCtr="0" anchor="ctr" bIns="91425" lIns="91425" spcFirstLastPara="1" rIns="91425" wrap="square" tIns="91425">
+          <a:bodyPr spcFirstLastPara="1" wrap="square" lIns="91425" tIns="91425" rIns="91425" bIns="91425" anchor="ctr" anchorCtr="0">
             <a:noAutofit/>
           </a:bodyPr>
           <a:lstStyle/>
           <a:p>
-            <a:pPr indent="0" lvl="0" marL="0" rtl="0" algn="l">
+            <a:pPr marL="0" lvl="0" indent="0" algn="l" rtl="0">
               <a:spcBef>
                 <a:spcPts val="0"/>
               </a:spcBef>
@@ -5245,9 +5346,6 @@
               </a:spcAft>
               <a:buNone/>
             </a:pPr>
-            <a:r>
-              <a:t/>
-            </a:r>
             <a:endParaRPr/>
           </a:p>
         </p:txBody>
@@ -5255,7 +5353,9 @@
       <p:sp>
         <p:nvSpPr>
           <p:cNvPr id="48" name="Google Shape;48;p9"/>
-          <p:cNvSpPr txBox="1"/>
+          <p:cNvSpPr txBox="1">
+            <a:spLocks noGrp="1"/>
+          </p:cNvSpPr>
           <p:nvPr>
             <p:ph type="title"/>
           </p:nvPr>
@@ -5270,7 +5370,7 @@
           </a:prstGeom>
         </p:spPr>
         <p:txBody>
-          <a:bodyPr anchorCtr="0" anchor="b" bIns="91425" lIns="91425" spcFirstLastPara="1" rIns="91425" wrap="square" tIns="91425">
+          <a:bodyPr spcFirstLastPara="1" wrap="square" lIns="91425" tIns="91425" rIns="91425" bIns="91425" anchor="b" anchorCtr="0">
             <a:normAutofit/>
           </a:bodyPr>
           <a:lstStyle>
@@ -5437,15 +5537,19 @@
               </a:defRPr>
             </a:lvl9pPr>
           </a:lstStyle>
-          <a:p/>
+          <a:p>
+            <a:endParaRPr/>
+          </a:p>
         </p:txBody>
       </p:sp>
       <p:sp>
         <p:nvSpPr>
           <p:cNvPr id="49" name="Google Shape;49;p9"/>
-          <p:cNvSpPr txBox="1"/>
+          <p:cNvSpPr txBox="1">
+            <a:spLocks noGrp="1"/>
+          </p:cNvSpPr>
           <p:nvPr>
-            <p:ph idx="1" type="subTitle"/>
+            <p:ph type="subTitle" idx="1"/>
           </p:nvPr>
         </p:nvSpPr>
         <p:spPr>
@@ -5458,7 +5562,7 @@
           </a:prstGeom>
         </p:spPr>
         <p:txBody>
-          <a:bodyPr anchorCtr="0" anchor="t" bIns="91425" lIns="91425" spcFirstLastPara="1" rIns="91425" wrap="square" tIns="91425">
+          <a:bodyPr spcFirstLastPara="1" wrap="square" lIns="91425" tIns="91425" rIns="91425" bIns="91425" anchor="t" anchorCtr="0">
             <a:normAutofit/>
           </a:bodyPr>
           <a:lstStyle>
@@ -5589,15 +5693,19 @@
               <a:defRPr sz="2100"/>
             </a:lvl9pPr>
           </a:lstStyle>
-          <a:p/>
+          <a:p>
+            <a:endParaRPr/>
+          </a:p>
         </p:txBody>
       </p:sp>
       <p:sp>
         <p:nvSpPr>
           <p:cNvPr id="50" name="Google Shape;50;p9"/>
-          <p:cNvSpPr txBox="1"/>
+          <p:cNvSpPr txBox="1">
+            <a:spLocks noGrp="1"/>
+          </p:cNvSpPr>
           <p:nvPr>
-            <p:ph idx="2" type="body"/>
+            <p:ph type="body" idx="2"/>
           </p:nvPr>
         </p:nvSpPr>
         <p:spPr>
@@ -5610,11 +5718,11 @@
           </a:prstGeom>
         </p:spPr>
         <p:txBody>
-          <a:bodyPr anchorCtr="0" anchor="ctr" bIns="91425" lIns="91425" spcFirstLastPara="1" rIns="91425" wrap="square" tIns="91425">
+          <a:bodyPr spcFirstLastPara="1" wrap="square" lIns="91425" tIns="91425" rIns="91425" bIns="91425" anchor="ctr" anchorCtr="0">
             <a:normAutofit/>
           </a:bodyPr>
           <a:lstStyle>
-            <a:lvl1pPr indent="-342900" lvl="0" marL="457200">
+            <a:lvl1pPr marL="457200" lvl="0" indent="-342900">
               <a:spcBef>
                 <a:spcPts val="0"/>
               </a:spcBef>
@@ -5632,7 +5740,7 @@
                 </a:solidFill>
               </a:defRPr>
             </a:lvl1pPr>
-            <a:lvl2pPr indent="-317500" lvl="1" marL="914400">
+            <a:lvl2pPr marL="914400" lvl="1" indent="-317500">
               <a:spcBef>
                 <a:spcPts val="0"/>
               </a:spcBef>
@@ -5650,7 +5758,7 @@
                 </a:solidFill>
               </a:defRPr>
             </a:lvl2pPr>
-            <a:lvl3pPr indent="-317500" lvl="2" marL="1371600">
+            <a:lvl3pPr marL="1371600" lvl="2" indent="-317500">
               <a:spcBef>
                 <a:spcPts val="0"/>
               </a:spcBef>
@@ -5668,7 +5776,7 @@
                 </a:solidFill>
               </a:defRPr>
             </a:lvl3pPr>
-            <a:lvl4pPr indent="-317500" lvl="3" marL="1828800">
+            <a:lvl4pPr marL="1828800" lvl="3" indent="-317500">
               <a:spcBef>
                 <a:spcPts val="0"/>
               </a:spcBef>
@@ -5686,7 +5794,7 @@
                 </a:solidFill>
               </a:defRPr>
             </a:lvl4pPr>
-            <a:lvl5pPr indent="-317500" lvl="4" marL="2286000">
+            <a:lvl5pPr marL="2286000" lvl="4" indent="-317500">
               <a:spcBef>
                 <a:spcPts val="0"/>
               </a:spcBef>
@@ -5704,7 +5812,7 @@
                 </a:solidFill>
               </a:defRPr>
             </a:lvl5pPr>
-            <a:lvl6pPr indent="-317500" lvl="5" marL="2743200">
+            <a:lvl6pPr marL="2743200" lvl="5" indent="-317500">
               <a:spcBef>
                 <a:spcPts val="0"/>
               </a:spcBef>
@@ -5722,7 +5830,7 @@
                 </a:solidFill>
               </a:defRPr>
             </a:lvl6pPr>
-            <a:lvl7pPr indent="-317500" lvl="6" marL="3200400">
+            <a:lvl7pPr marL="3200400" lvl="6" indent="-317500">
               <a:spcBef>
                 <a:spcPts val="0"/>
               </a:spcBef>
@@ -5740,7 +5848,7 @@
                 </a:solidFill>
               </a:defRPr>
             </a:lvl7pPr>
-            <a:lvl8pPr indent="-317500" lvl="7" marL="3657600">
+            <a:lvl8pPr marL="3657600" lvl="7" indent="-317500">
               <a:spcBef>
                 <a:spcPts val="0"/>
               </a:spcBef>
@@ -5758,7 +5866,7 @@
                 </a:solidFill>
               </a:defRPr>
             </a:lvl8pPr>
-            <a:lvl9pPr indent="-317500" lvl="8" marL="4114800">
+            <a:lvl9pPr marL="4114800" lvl="8" indent="-317500">
               <a:spcBef>
                 <a:spcPts val="0"/>
               </a:spcBef>
@@ -5777,15 +5885,19 @@
               </a:defRPr>
             </a:lvl9pPr>
           </a:lstStyle>
-          <a:p/>
+          <a:p>
+            <a:endParaRPr/>
+          </a:p>
         </p:txBody>
       </p:sp>
       <p:sp>
         <p:nvSpPr>
           <p:cNvPr id="51" name="Google Shape;51;p9"/>
-          <p:cNvSpPr txBox="1"/>
+          <p:cNvSpPr txBox="1">
+            <a:spLocks noGrp="1"/>
+          </p:cNvSpPr>
           <p:nvPr>
-            <p:ph idx="12" type="sldNum"/>
+            <p:ph type="sldNum" idx="12"/>
           </p:nvPr>
         </p:nvSpPr>
         <p:spPr>
@@ -5798,7 +5910,7 @@
           </a:prstGeom>
         </p:spPr>
         <p:txBody>
-          <a:bodyPr anchorCtr="0" anchor="ctr" bIns="91425" lIns="91425" spcFirstLastPara="1" rIns="91425" wrap="square" tIns="91425">
+          <a:bodyPr spcFirstLastPara="1" wrap="square" lIns="91425" tIns="91425" rIns="91425" bIns="91425" anchor="ctr" anchorCtr="0">
             <a:normAutofit/>
           </a:bodyPr>
           <a:lstStyle>
@@ -5876,7 +5988,7 @@
             </a:lvl9pPr>
           </a:lstStyle>
           <a:p>
-            <a:pPr indent="0" lvl="0" marL="0" rtl="0" algn="r">
+            <a:pPr marL="0" lvl="0" indent="0" algn="r" rtl="0">
               <a:spcBef>
                 <a:spcPts val="0"/>
               </a:spcBef>
@@ -5902,11 +6014,11 @@
 </file>
 
 <file path=ppt/slideLayouts/slideLayout9.xml><?xml version="1.0" encoding="utf-8"?>
-<p:sldLayout xmlns:a="http://schemas.openxmlformats.org/drawingml/2006/main" xmlns:r="http://schemas.openxmlformats.org/officeDocument/2006/relationships" xmlns:mc="http://schemas.openxmlformats.org/markup-compatibility/2006" xmlns:mv="urn:schemas-microsoft-com:mac:vml" xmlns:p="http://schemas.openxmlformats.org/presentationml/2006/main" xmlns:c="http://schemas.openxmlformats.org/drawingml/2006/chart" xmlns:dgm="http://schemas.openxmlformats.org/drawingml/2006/diagram" xmlns:o="urn:schemas-microsoft-com:office:office" xmlns:v="urn:schemas-microsoft-com:vml" xmlns:pvml="urn:schemas-microsoft-com:office:powerpoint" xmlns:com="http://schemas.openxmlformats.org/drawingml/2006/compatibility" xmlns:p14="http://schemas.microsoft.com/office/powerpoint/2010/main" xmlns:p15="http://schemas.microsoft.com/office/powerpoint/2012/main" xmlns:ahyp="http://schemas.microsoft.com/office/drawing/2018/hyperlinkcolor" matchingName="Caption">
+<p:sldLayout xmlns:a="http://schemas.openxmlformats.org/drawingml/2006/main" xmlns:r="http://schemas.openxmlformats.org/officeDocument/2006/relationships" xmlns:p="http://schemas.openxmlformats.org/presentationml/2006/main" matchingName="Caption">
   <p:cSld name="CAPTION_ONLY">
     <p:spTree>
       <p:nvGrpSpPr>
-        <p:cNvPr id="52" name="Shape 52"/>
+        <p:cNvPr id="1" name="Shape 52"/>
         <p:cNvGrpSpPr/>
         <p:nvPr/>
       </p:nvGrpSpPr>
@@ -5925,7 +6037,7 @@
           <p:nvPr/>
         </p:nvSpPr>
         <p:spPr>
-          <a:xfrm flipH="1" rot="10800000">
+          <a:xfrm rot="10800000" flipH="1">
             <a:off x="0" y="0"/>
             <a:ext cx="9144000" cy="4695900"/>
           </a:xfrm>
@@ -5940,12 +6052,12 @@
           </a:ln>
         </p:spPr>
         <p:txBody>
-          <a:bodyPr anchorCtr="0" anchor="ctr" bIns="91425" lIns="91425" spcFirstLastPara="1" rIns="91425" wrap="square" tIns="91425">
+          <a:bodyPr spcFirstLastPara="1" wrap="square" lIns="91425" tIns="91425" rIns="91425" bIns="91425" anchor="ctr" anchorCtr="0">
             <a:noAutofit/>
           </a:bodyPr>
           <a:lstStyle/>
           <a:p>
-            <a:pPr indent="0" lvl="0" marL="0" rtl="0" algn="l">
+            <a:pPr marL="0" lvl="0" indent="0" algn="l" rtl="0">
               <a:spcBef>
                 <a:spcPts val="0"/>
               </a:spcBef>
@@ -5954,9 +6066,6 @@
               </a:spcAft>
               <a:buNone/>
             </a:pPr>
-            <a:r>
-              <a:t/>
-            </a:r>
             <a:endParaRPr/>
           </a:p>
         </p:txBody>
@@ -5968,7 +6077,7 @@
           <p:nvPr/>
         </p:nvSpPr>
         <p:spPr>
-          <a:xfrm flipH="1" rot="10800000">
+          <a:xfrm rot="10800000" flipH="1">
             <a:off x="0" y="4622725"/>
             <a:ext cx="9144000" cy="74100"/>
           </a:xfrm>
@@ -5997,12 +6106,12 @@
           </a:ln>
         </p:spPr>
         <p:txBody>
-          <a:bodyPr anchorCtr="0" anchor="ctr" bIns="91425" lIns="91425" spcFirstLastPara="1" rIns="91425" wrap="square" tIns="91425">
+          <a:bodyPr spcFirstLastPara="1" wrap="square" lIns="91425" tIns="91425" rIns="91425" bIns="91425" anchor="ctr" anchorCtr="0">
             <a:noAutofit/>
           </a:bodyPr>
           <a:lstStyle/>
           <a:p>
-            <a:pPr indent="0" lvl="0" marL="0" rtl="0" algn="l">
+            <a:pPr marL="0" lvl="0" indent="0" algn="l" rtl="0">
               <a:spcBef>
                 <a:spcPts val="0"/>
               </a:spcBef>
@@ -6011,9 +6120,6 @@
               </a:spcAft>
               <a:buNone/>
             </a:pPr>
-            <a:r>
-              <a:t/>
-            </a:r>
             <a:endParaRPr/>
           </a:p>
         </p:txBody>
@@ -6021,9 +6127,11 @@
       <p:sp>
         <p:nvSpPr>
           <p:cNvPr id="55" name="Google Shape;55;p10"/>
-          <p:cNvSpPr txBox="1"/>
+          <p:cNvSpPr txBox="1">
+            <a:spLocks noGrp="1"/>
+          </p:cNvSpPr>
           <p:nvPr>
-            <p:ph idx="1" type="body"/>
+            <p:ph type="body" idx="1"/>
           </p:nvPr>
         </p:nvSpPr>
         <p:spPr>
@@ -6036,11 +6144,11 @@
           </a:prstGeom>
         </p:spPr>
         <p:txBody>
-          <a:bodyPr anchorCtr="0" anchor="ctr" bIns="91425" lIns="91425" spcFirstLastPara="1" rIns="91425" wrap="square" tIns="91425">
+          <a:bodyPr spcFirstLastPara="1" wrap="square" lIns="91425" tIns="91425" rIns="91425" bIns="91425" anchor="ctr" anchorCtr="0">
             <a:normAutofit/>
           </a:bodyPr>
           <a:lstStyle>
-            <a:lvl1pPr indent="-228600" lvl="0" marL="457200">
+            <a:lvl1pPr marL="457200" lvl="0" indent="-228600">
               <a:lnSpc>
                 <a:spcPct val="100000"/>
               </a:lnSpc>
@@ -6062,15 +6170,19 @@
               </a:defRPr>
             </a:lvl1pPr>
           </a:lstStyle>
-          <a:p/>
+          <a:p>
+            <a:endParaRPr/>
+          </a:p>
         </p:txBody>
       </p:sp>
       <p:sp>
         <p:nvSpPr>
           <p:cNvPr id="56" name="Google Shape;56;p10"/>
-          <p:cNvSpPr txBox="1"/>
+          <p:cNvSpPr txBox="1">
+            <a:spLocks noGrp="1"/>
+          </p:cNvSpPr>
           <p:nvPr>
-            <p:ph idx="12" type="sldNum"/>
+            <p:ph type="sldNum" idx="12"/>
           </p:nvPr>
         </p:nvSpPr>
         <p:spPr>
@@ -6083,7 +6195,7 @@
           </a:prstGeom>
         </p:spPr>
         <p:txBody>
-          <a:bodyPr anchorCtr="0" anchor="ctr" bIns="91425" lIns="91425" spcFirstLastPara="1" rIns="91425" wrap="square" tIns="91425">
+          <a:bodyPr spcFirstLastPara="1" wrap="square" lIns="91425" tIns="91425" rIns="91425" bIns="91425" anchor="ctr" anchorCtr="0">
             <a:normAutofit/>
           </a:bodyPr>
           <a:lstStyle>
@@ -6161,7 +6273,7 @@
             </a:lvl9pPr>
           </a:lstStyle>
           <a:p>
-            <a:pPr indent="0" lvl="0" marL="0" rtl="0" algn="r">
+            <a:pPr marL="0" lvl="0" indent="0" algn="r" rtl="0">
               <a:spcBef>
                 <a:spcPts val="0"/>
               </a:spcBef>
@@ -6187,18 +6299,19 @@
 </file>
 
 <file path=ppt/slideMasters/slideMaster1.xml><?xml version="1.0" encoding="utf-8"?>
-<p:sldMaster xmlns:a="http://schemas.openxmlformats.org/drawingml/2006/main" xmlns:r="http://schemas.openxmlformats.org/officeDocument/2006/relationships" xmlns:mc="http://schemas.openxmlformats.org/markup-compatibility/2006" xmlns:mv="urn:schemas-microsoft-com:mac:vml" xmlns:p="http://schemas.openxmlformats.org/presentationml/2006/main" xmlns:c="http://schemas.openxmlformats.org/drawingml/2006/chart" xmlns:dgm="http://schemas.openxmlformats.org/drawingml/2006/diagram" xmlns:o="urn:schemas-microsoft-com:office:office" xmlns:v="urn:schemas-microsoft-com:vml" xmlns:pvml="urn:schemas-microsoft-com:office:powerpoint" xmlns:com="http://schemas.openxmlformats.org/drawingml/2006/compatibility" xmlns:p14="http://schemas.microsoft.com/office/powerpoint/2010/main" xmlns:p15="http://schemas.microsoft.com/office/powerpoint/2012/main" xmlns:ahyp="http://schemas.microsoft.com/office/drawing/2018/hyperlinkcolor">
+<p:sldMaster xmlns:a="http://schemas.openxmlformats.org/drawingml/2006/main" xmlns:r="http://schemas.openxmlformats.org/officeDocument/2006/relationships" xmlns:p="http://schemas.openxmlformats.org/presentationml/2006/main">
   <p:cSld name="material">
     <p:bg>
       <p:bgPr>
         <a:solidFill>
           <a:schemeClr val="dk1"/>
         </a:solidFill>
+        <a:effectLst/>
       </p:bgPr>
     </p:bg>
     <p:spTree>
       <p:nvGrpSpPr>
-        <p:cNvPr id="5" name="Shape 5"/>
+        <p:cNvPr id="1" name="Shape 5"/>
         <p:cNvGrpSpPr/>
         <p:nvPr/>
       </p:nvGrpSpPr>
@@ -6213,7 +6326,9 @@
       <p:sp>
         <p:nvSpPr>
           <p:cNvPr id="6" name="Google Shape;6;p1"/>
-          <p:cNvSpPr txBox="1"/>
+          <p:cNvSpPr txBox="1">
+            <a:spLocks noGrp="1"/>
+          </p:cNvSpPr>
           <p:nvPr>
             <p:ph type="title"/>
           </p:nvPr>
@@ -6232,7 +6347,7 @@
           </a:ln>
         </p:spPr>
         <p:txBody>
-          <a:bodyPr anchorCtr="0" anchor="b" bIns="91425" lIns="91425" spcFirstLastPara="1" rIns="91425" wrap="square" tIns="91425">
+          <a:bodyPr spcFirstLastPara="1" wrap="square" lIns="91425" tIns="91425" rIns="91425" bIns="91425" anchor="b" anchorCtr="0">
             <a:normAutofit/>
           </a:bodyPr>
           <a:lstStyle>
@@ -6444,15 +6559,19 @@
               </a:defRPr>
             </a:lvl9pPr>
           </a:lstStyle>
-          <a:p/>
+          <a:p>
+            <a:endParaRPr/>
+          </a:p>
         </p:txBody>
       </p:sp>
       <p:sp>
         <p:nvSpPr>
           <p:cNvPr id="7" name="Google Shape;7;p1"/>
-          <p:cNvSpPr txBox="1"/>
+          <p:cNvSpPr txBox="1">
+            <a:spLocks noGrp="1"/>
+          </p:cNvSpPr>
           <p:nvPr>
-            <p:ph idx="1" type="body"/>
+            <p:ph type="body" idx="1"/>
           </p:nvPr>
         </p:nvSpPr>
         <p:spPr>
@@ -6469,11 +6588,11 @@
           </a:ln>
         </p:spPr>
         <p:txBody>
-          <a:bodyPr anchorCtr="0" anchor="t" bIns="91425" lIns="91425" spcFirstLastPara="1" rIns="91425" wrap="square" tIns="91425">
+          <a:bodyPr spcFirstLastPara="1" wrap="square" lIns="91425" tIns="91425" rIns="91425" bIns="91425" anchor="t" anchorCtr="0">
             <a:normAutofit/>
           </a:bodyPr>
           <a:lstStyle>
-            <a:lvl1pPr indent="-342900" lvl="0" marL="457200">
+            <a:lvl1pPr marL="457200" lvl="0" indent="-342900">
               <a:lnSpc>
                 <a:spcPct val="115000"/>
               </a:lnSpc>
@@ -6499,7 +6618,7 @@
                 <a:sym typeface="Roboto"/>
               </a:defRPr>
             </a:lvl1pPr>
-            <a:lvl2pPr indent="-317500" lvl="1" marL="914400">
+            <a:lvl2pPr marL="914400" lvl="1" indent="-317500">
               <a:lnSpc>
                 <a:spcPct val="115000"/>
               </a:lnSpc>
@@ -6525,7 +6644,7 @@
                 <a:sym typeface="Roboto"/>
               </a:defRPr>
             </a:lvl2pPr>
-            <a:lvl3pPr indent="-317500" lvl="2" marL="1371600">
+            <a:lvl3pPr marL="1371600" lvl="2" indent="-317500">
               <a:lnSpc>
                 <a:spcPct val="115000"/>
               </a:lnSpc>
@@ -6551,7 +6670,7 @@
                 <a:sym typeface="Roboto"/>
               </a:defRPr>
             </a:lvl3pPr>
-            <a:lvl4pPr indent="-317500" lvl="3" marL="1828800">
+            <a:lvl4pPr marL="1828800" lvl="3" indent="-317500">
               <a:lnSpc>
                 <a:spcPct val="115000"/>
               </a:lnSpc>
@@ -6577,7 +6696,7 @@
                 <a:sym typeface="Roboto"/>
               </a:defRPr>
             </a:lvl4pPr>
-            <a:lvl5pPr indent="-317500" lvl="4" marL="2286000">
+            <a:lvl5pPr marL="2286000" lvl="4" indent="-317500">
               <a:lnSpc>
                 <a:spcPct val="115000"/>
               </a:lnSpc>
@@ -6603,7 +6722,7 @@
                 <a:sym typeface="Roboto"/>
               </a:defRPr>
             </a:lvl5pPr>
-            <a:lvl6pPr indent="-317500" lvl="5" marL="2743200">
+            <a:lvl6pPr marL="2743200" lvl="5" indent="-317500">
               <a:lnSpc>
                 <a:spcPct val="115000"/>
               </a:lnSpc>
@@ -6629,7 +6748,7 @@
                 <a:sym typeface="Roboto"/>
               </a:defRPr>
             </a:lvl6pPr>
-            <a:lvl7pPr indent="-317500" lvl="6" marL="3200400">
+            <a:lvl7pPr marL="3200400" lvl="6" indent="-317500">
               <a:lnSpc>
                 <a:spcPct val="115000"/>
               </a:lnSpc>
@@ -6655,7 +6774,7 @@
                 <a:sym typeface="Roboto"/>
               </a:defRPr>
             </a:lvl7pPr>
-            <a:lvl8pPr indent="-317500" lvl="7" marL="3657600">
+            <a:lvl8pPr marL="3657600" lvl="7" indent="-317500">
               <a:lnSpc>
                 <a:spcPct val="115000"/>
               </a:lnSpc>
@@ -6681,7 +6800,7 @@
                 <a:sym typeface="Roboto"/>
               </a:defRPr>
             </a:lvl8pPr>
-            <a:lvl9pPr indent="-317500" lvl="8" marL="4114800">
+            <a:lvl9pPr marL="4114800" lvl="8" indent="-317500">
               <a:lnSpc>
                 <a:spcPct val="115000"/>
               </a:lnSpc>
@@ -6708,15 +6827,19 @@
               </a:defRPr>
             </a:lvl9pPr>
           </a:lstStyle>
-          <a:p/>
+          <a:p>
+            <a:endParaRPr/>
+          </a:p>
         </p:txBody>
       </p:sp>
       <p:sp>
         <p:nvSpPr>
           <p:cNvPr id="8" name="Google Shape;8;p1"/>
-          <p:cNvSpPr txBox="1"/>
+          <p:cNvSpPr txBox="1">
+            <a:spLocks noGrp="1"/>
+          </p:cNvSpPr>
           <p:nvPr>
-            <p:ph idx="12" type="sldNum"/>
+            <p:ph type="sldNum" idx="12"/>
           </p:nvPr>
         </p:nvSpPr>
         <p:spPr>
@@ -6733,7 +6856,7 @@
           </a:ln>
         </p:spPr>
         <p:txBody>
-          <a:bodyPr anchorCtr="0" anchor="ctr" bIns="91425" lIns="91425" spcFirstLastPara="1" rIns="91425" wrap="square" tIns="91425">
+          <a:bodyPr spcFirstLastPara="1" wrap="square" lIns="91425" tIns="91425" rIns="91425" bIns="91425" anchor="ctr" anchorCtr="0">
             <a:normAutofit/>
           </a:bodyPr>
           <a:lstStyle>
@@ -6847,7 +6970,7 @@
             </a:lvl9pPr>
           </a:lstStyle>
           <a:p>
-            <a:pPr indent="0" lvl="0" marL="0" rtl="0" algn="r">
+            <a:pPr marL="0" lvl="0" indent="0" algn="r" rtl="0">
               <a:spcBef>
                 <a:spcPts val="0"/>
               </a:spcBef>
@@ -6866,7 +6989,7 @@
       </p:sp>
     </p:spTree>
   </p:cSld>
-  <p:clrMap accent1="accent1" accent2="accent2" accent3="accent3" accent4="accent4" accent5="accent5" accent6="accent6" bg1="lt1" bg2="dk2" tx1="dk1" tx2="lt2" folHlink="folHlink" hlink="hlink"/>
+  <p:clrMap bg1="lt1" tx1="dk1" bg2="dk2" tx2="lt2" accent1="accent1" accent2="accent2" accent3="accent3" accent4="accent4" accent5="accent5" accent6="accent6" hlink="hlink" folHlink="folHlink"/>
   <p:sldLayoutIdLst>
     <p:sldLayoutId id="2147483648" r:id="rId1"/>
     <p:sldLayoutId id="2147483649" r:id="rId2"/>
@@ -6880,10 +7003,10 @@
     <p:sldLayoutId id="2147483657" r:id="rId10"/>
     <p:sldLayoutId id="2147483658" r:id="rId11"/>
   </p:sldLayoutIdLst>
-  <p:hf dt="0" ftr="0" hdr="0" sldNum="0"/>
+  <p:hf sldNum="0" hdr="0" ftr="0" dt="0"/>
   <p:txStyles>
     <p:titleStyle>
-      <a:defPPr lvl="0" marR="0" rtl="0" algn="l">
+      <a:defPPr marR="0" lvl="0" algn="l" rtl="0">
         <a:lnSpc>
           <a:spcPct val="100000"/>
         </a:lnSpc>
@@ -6894,7 +7017,7 @@
           <a:spcPts val="0"/>
         </a:spcAft>
       </a:defPPr>
-      <a:lvl1pPr lvl="0" marR="0" rtl="0" algn="l">
+      <a:lvl1pPr marR="0" lvl="0" algn="l" rtl="0">
         <a:lnSpc>
           <a:spcPct val="100000"/>
         </a:lnSpc>
@@ -6908,7 +7031,7 @@
           <a:srgbClr val="000000"/>
         </a:buClr>
         <a:buFont typeface="Arial"/>
-        <a:defRPr b="0" i="0" sz="1400" u="none" cap="none" strike="noStrike">
+        <a:defRPr sz="1400" b="0" i="0" u="none" strike="noStrike" cap="none">
           <a:solidFill>
             <a:srgbClr val="000000"/>
           </a:solidFill>
@@ -6918,7 +7041,7 @@
           <a:sym typeface="Arial"/>
         </a:defRPr>
       </a:lvl1pPr>
-      <a:lvl2pPr lvl="1" marR="0" rtl="0" algn="l">
+      <a:lvl2pPr marR="0" lvl="1" algn="l" rtl="0">
         <a:lnSpc>
           <a:spcPct val="100000"/>
         </a:lnSpc>
@@ -6932,7 +7055,7 @@
           <a:srgbClr val="000000"/>
         </a:buClr>
         <a:buFont typeface="Arial"/>
-        <a:defRPr b="0" i="0" sz="1400" u="none" cap="none" strike="noStrike">
+        <a:defRPr sz="1400" b="0" i="0" u="none" strike="noStrike" cap="none">
           <a:solidFill>
             <a:srgbClr val="000000"/>
           </a:solidFill>
@@ -6942,7 +7065,7 @@
           <a:sym typeface="Arial"/>
         </a:defRPr>
       </a:lvl2pPr>
-      <a:lvl3pPr lvl="2" marR="0" rtl="0" algn="l">
+      <a:lvl3pPr marR="0" lvl="2" algn="l" rtl="0">
         <a:lnSpc>
           <a:spcPct val="100000"/>
         </a:lnSpc>
@@ -6956,7 +7079,7 @@
           <a:srgbClr val="000000"/>
         </a:buClr>
         <a:buFont typeface="Arial"/>
-        <a:defRPr b="0" i="0" sz="1400" u="none" cap="none" strike="noStrike">
+        <a:defRPr sz="1400" b="0" i="0" u="none" strike="noStrike" cap="none">
           <a:solidFill>
             <a:srgbClr val="000000"/>
           </a:solidFill>
@@ -6966,7 +7089,7 @@
           <a:sym typeface="Arial"/>
         </a:defRPr>
       </a:lvl3pPr>
-      <a:lvl4pPr lvl="3" marR="0" rtl="0" algn="l">
+      <a:lvl4pPr marR="0" lvl="3" algn="l" rtl="0">
         <a:lnSpc>
           <a:spcPct val="100000"/>
         </a:lnSpc>
@@ -6980,7 +7103,7 @@
           <a:srgbClr val="000000"/>
         </a:buClr>
         <a:buFont typeface="Arial"/>
-        <a:defRPr b="0" i="0" sz="1400" u="none" cap="none" strike="noStrike">
+        <a:defRPr sz="1400" b="0" i="0" u="none" strike="noStrike" cap="none">
           <a:solidFill>
             <a:srgbClr val="000000"/>
           </a:solidFill>
@@ -6990,7 +7113,7 @@
           <a:sym typeface="Arial"/>
         </a:defRPr>
       </a:lvl4pPr>
-      <a:lvl5pPr lvl="4" marR="0" rtl="0" algn="l">
+      <a:lvl5pPr marR="0" lvl="4" algn="l" rtl="0">
         <a:lnSpc>
           <a:spcPct val="100000"/>
         </a:lnSpc>
@@ -7004,7 +7127,7 @@
           <a:srgbClr val="000000"/>
         </a:buClr>
         <a:buFont typeface="Arial"/>
-        <a:defRPr b="0" i="0" sz="1400" u="none" cap="none" strike="noStrike">
+        <a:defRPr sz="1400" b="0" i="0" u="none" strike="noStrike" cap="none">
           <a:solidFill>
             <a:srgbClr val="000000"/>
           </a:solidFill>
@@ -7014,7 +7137,7 @@
           <a:sym typeface="Arial"/>
         </a:defRPr>
       </a:lvl5pPr>
-      <a:lvl6pPr lvl="5" marR="0" rtl="0" algn="l">
+      <a:lvl6pPr marR="0" lvl="5" algn="l" rtl="0">
         <a:lnSpc>
           <a:spcPct val="100000"/>
         </a:lnSpc>
@@ -7028,7 +7151,7 @@
           <a:srgbClr val="000000"/>
         </a:buClr>
         <a:buFont typeface="Arial"/>
-        <a:defRPr b="0" i="0" sz="1400" u="none" cap="none" strike="noStrike">
+        <a:defRPr sz="1400" b="0" i="0" u="none" strike="noStrike" cap="none">
           <a:solidFill>
             <a:srgbClr val="000000"/>
           </a:solidFill>
@@ -7038,7 +7161,7 @@
           <a:sym typeface="Arial"/>
         </a:defRPr>
       </a:lvl6pPr>
-      <a:lvl7pPr lvl="6" marR="0" rtl="0" algn="l">
+      <a:lvl7pPr marR="0" lvl="6" algn="l" rtl="0">
         <a:lnSpc>
           <a:spcPct val="100000"/>
         </a:lnSpc>
@@ -7052,7 +7175,7 @@
           <a:srgbClr val="000000"/>
         </a:buClr>
         <a:buFont typeface="Arial"/>
-        <a:defRPr b="0" i="0" sz="1400" u="none" cap="none" strike="noStrike">
+        <a:defRPr sz="1400" b="0" i="0" u="none" strike="noStrike" cap="none">
           <a:solidFill>
             <a:srgbClr val="000000"/>
           </a:solidFill>
@@ -7062,7 +7185,7 @@
           <a:sym typeface="Arial"/>
         </a:defRPr>
       </a:lvl7pPr>
-      <a:lvl8pPr lvl="7" marR="0" rtl="0" algn="l">
+      <a:lvl8pPr marR="0" lvl="7" algn="l" rtl="0">
         <a:lnSpc>
           <a:spcPct val="100000"/>
         </a:lnSpc>
@@ -7076,7 +7199,7 @@
           <a:srgbClr val="000000"/>
         </a:buClr>
         <a:buFont typeface="Arial"/>
-        <a:defRPr b="0" i="0" sz="1400" u="none" cap="none" strike="noStrike">
+        <a:defRPr sz="1400" b="0" i="0" u="none" strike="noStrike" cap="none">
           <a:solidFill>
             <a:srgbClr val="000000"/>
           </a:solidFill>
@@ -7086,7 +7209,7 @@
           <a:sym typeface="Arial"/>
         </a:defRPr>
       </a:lvl8pPr>
-      <a:lvl9pPr lvl="8" marR="0" rtl="0" algn="l">
+      <a:lvl9pPr marR="0" lvl="8" algn="l" rtl="0">
         <a:lnSpc>
           <a:spcPct val="100000"/>
         </a:lnSpc>
@@ -7100,7 +7223,7 @@
           <a:srgbClr val="000000"/>
         </a:buClr>
         <a:buFont typeface="Arial"/>
-        <a:defRPr b="0" i="0" sz="1400" u="none" cap="none" strike="noStrike">
+        <a:defRPr sz="1400" b="0" i="0" u="none" strike="noStrike" cap="none">
           <a:solidFill>
             <a:srgbClr val="000000"/>
           </a:solidFill>
@@ -7112,7 +7235,7 @@
       </a:lvl9pPr>
     </p:titleStyle>
     <p:bodyStyle>
-      <a:defPPr lvl="0" marR="0" rtl="0" algn="l">
+      <a:defPPr marR="0" lvl="0" algn="l" rtl="0">
         <a:lnSpc>
           <a:spcPct val="100000"/>
         </a:lnSpc>
@@ -7123,7 +7246,7 @@
           <a:spcPts val="0"/>
         </a:spcAft>
       </a:defPPr>
-      <a:lvl1pPr lvl="0" marR="0" rtl="0" algn="l">
+      <a:lvl1pPr marR="0" lvl="0" algn="l" rtl="0">
         <a:lnSpc>
           <a:spcPct val="100000"/>
         </a:lnSpc>
@@ -7137,7 +7260,7 @@
           <a:srgbClr val="000000"/>
         </a:buClr>
         <a:buFont typeface="Arial"/>
-        <a:defRPr b="0" i="0" sz="1400" u="none" cap="none" strike="noStrike">
+        <a:defRPr sz="1400" b="0" i="0" u="none" strike="noStrike" cap="none">
           <a:solidFill>
             <a:srgbClr val="000000"/>
           </a:solidFill>
@@ -7147,7 +7270,7 @@
           <a:sym typeface="Arial"/>
         </a:defRPr>
       </a:lvl1pPr>
-      <a:lvl2pPr lvl="1" marR="0" rtl="0" algn="l">
+      <a:lvl2pPr marR="0" lvl="1" algn="l" rtl="0">
         <a:lnSpc>
           <a:spcPct val="100000"/>
         </a:lnSpc>
@@ -7161,7 +7284,7 @@
           <a:srgbClr val="000000"/>
         </a:buClr>
         <a:buFont typeface="Arial"/>
-        <a:defRPr b="0" i="0" sz="1400" u="none" cap="none" strike="noStrike">
+        <a:defRPr sz="1400" b="0" i="0" u="none" strike="noStrike" cap="none">
           <a:solidFill>
             <a:srgbClr val="000000"/>
           </a:solidFill>
@@ -7171,7 +7294,7 @@
           <a:sym typeface="Arial"/>
         </a:defRPr>
       </a:lvl2pPr>
-      <a:lvl3pPr lvl="2" marR="0" rtl="0" algn="l">
+      <a:lvl3pPr marR="0" lvl="2" algn="l" rtl="0">
         <a:lnSpc>
           <a:spcPct val="100000"/>
         </a:lnSpc>
@@ -7185,7 +7308,7 @@
           <a:srgbClr val="000000"/>
         </a:buClr>
         <a:buFont typeface="Arial"/>
-        <a:defRPr b="0" i="0" sz="1400" u="none" cap="none" strike="noStrike">
+        <a:defRPr sz="1400" b="0" i="0" u="none" strike="noStrike" cap="none">
           <a:solidFill>
             <a:srgbClr val="000000"/>
           </a:solidFill>
@@ -7195,7 +7318,7 @@
           <a:sym typeface="Arial"/>
         </a:defRPr>
       </a:lvl3pPr>
-      <a:lvl4pPr lvl="3" marR="0" rtl="0" algn="l">
+      <a:lvl4pPr marR="0" lvl="3" algn="l" rtl="0">
         <a:lnSpc>
           <a:spcPct val="100000"/>
         </a:lnSpc>
@@ -7209,7 +7332,7 @@
           <a:srgbClr val="000000"/>
         </a:buClr>
         <a:buFont typeface="Arial"/>
-        <a:defRPr b="0" i="0" sz="1400" u="none" cap="none" strike="noStrike">
+        <a:defRPr sz="1400" b="0" i="0" u="none" strike="noStrike" cap="none">
           <a:solidFill>
             <a:srgbClr val="000000"/>
           </a:solidFill>
@@ -7219,7 +7342,7 @@
           <a:sym typeface="Arial"/>
         </a:defRPr>
       </a:lvl4pPr>
-      <a:lvl5pPr lvl="4" marR="0" rtl="0" algn="l">
+      <a:lvl5pPr marR="0" lvl="4" algn="l" rtl="0">
         <a:lnSpc>
           <a:spcPct val="100000"/>
         </a:lnSpc>
@@ -7233,7 +7356,7 @@
           <a:srgbClr val="000000"/>
         </a:buClr>
         <a:buFont typeface="Arial"/>
-        <a:defRPr b="0" i="0" sz="1400" u="none" cap="none" strike="noStrike">
+        <a:defRPr sz="1400" b="0" i="0" u="none" strike="noStrike" cap="none">
           <a:solidFill>
             <a:srgbClr val="000000"/>
           </a:solidFill>
@@ -7243,7 +7366,7 @@
           <a:sym typeface="Arial"/>
         </a:defRPr>
       </a:lvl5pPr>
-      <a:lvl6pPr lvl="5" marR="0" rtl="0" algn="l">
+      <a:lvl6pPr marR="0" lvl="5" algn="l" rtl="0">
         <a:lnSpc>
           <a:spcPct val="100000"/>
         </a:lnSpc>
@@ -7257,7 +7380,7 @@
           <a:srgbClr val="000000"/>
         </a:buClr>
         <a:buFont typeface="Arial"/>
-        <a:defRPr b="0" i="0" sz="1400" u="none" cap="none" strike="noStrike">
+        <a:defRPr sz="1400" b="0" i="0" u="none" strike="noStrike" cap="none">
           <a:solidFill>
             <a:srgbClr val="000000"/>
           </a:solidFill>
@@ -7267,7 +7390,7 @@
           <a:sym typeface="Arial"/>
         </a:defRPr>
       </a:lvl6pPr>
-      <a:lvl7pPr lvl="6" marR="0" rtl="0" algn="l">
+      <a:lvl7pPr marR="0" lvl="6" algn="l" rtl="0">
         <a:lnSpc>
           <a:spcPct val="100000"/>
         </a:lnSpc>
@@ -7281,7 +7404,7 @@
           <a:srgbClr val="000000"/>
         </a:buClr>
         <a:buFont typeface="Arial"/>
-        <a:defRPr b="0" i="0" sz="1400" u="none" cap="none" strike="noStrike">
+        <a:defRPr sz="1400" b="0" i="0" u="none" strike="noStrike" cap="none">
           <a:solidFill>
             <a:srgbClr val="000000"/>
           </a:solidFill>
@@ -7291,7 +7414,7 @@
           <a:sym typeface="Arial"/>
         </a:defRPr>
       </a:lvl7pPr>
-      <a:lvl8pPr lvl="7" marR="0" rtl="0" algn="l">
+      <a:lvl8pPr marR="0" lvl="7" algn="l" rtl="0">
         <a:lnSpc>
           <a:spcPct val="100000"/>
         </a:lnSpc>
@@ -7305,7 +7428,7 @@
           <a:srgbClr val="000000"/>
         </a:buClr>
         <a:buFont typeface="Arial"/>
-        <a:defRPr b="0" i="0" sz="1400" u="none" cap="none" strike="noStrike">
+        <a:defRPr sz="1400" b="0" i="0" u="none" strike="noStrike" cap="none">
           <a:solidFill>
             <a:srgbClr val="000000"/>
           </a:solidFill>
@@ -7315,7 +7438,7 @@
           <a:sym typeface="Arial"/>
         </a:defRPr>
       </a:lvl8pPr>
-      <a:lvl9pPr lvl="8" marR="0" rtl="0" algn="l">
+      <a:lvl9pPr marR="0" lvl="8" algn="l" rtl="0">
         <a:lnSpc>
           <a:spcPct val="100000"/>
         </a:lnSpc>
@@ -7329,7 +7452,7 @@
           <a:srgbClr val="000000"/>
         </a:buClr>
         <a:buFont typeface="Arial"/>
-        <a:defRPr b="0" i="0" sz="1400" u="none" cap="none" strike="noStrike">
+        <a:defRPr sz="1400" b="0" i="0" u="none" strike="noStrike" cap="none">
           <a:solidFill>
             <a:srgbClr val="000000"/>
           </a:solidFill>
@@ -7341,7 +7464,7 @@
       </a:lvl9pPr>
     </p:bodyStyle>
     <p:otherStyle>
-      <a:defPPr lvl="0" marR="0" rtl="0" algn="l">
+      <a:defPPr marR="0" lvl="0" algn="l" rtl="0">
         <a:lnSpc>
           <a:spcPct val="100000"/>
         </a:lnSpc>
@@ -7352,7 +7475,7 @@
           <a:spcPts val="0"/>
         </a:spcAft>
       </a:defPPr>
-      <a:lvl1pPr lvl="0" marR="0" rtl="0" algn="l">
+      <a:lvl1pPr marR="0" lvl="0" algn="l" rtl="0">
         <a:lnSpc>
           <a:spcPct val="100000"/>
         </a:lnSpc>
@@ -7366,7 +7489,7 @@
           <a:srgbClr val="000000"/>
         </a:buClr>
         <a:buFont typeface="Arial"/>
-        <a:defRPr b="0" i="0" sz="1400" u="none" cap="none" strike="noStrike">
+        <a:defRPr sz="1400" b="0" i="0" u="none" strike="noStrike" cap="none">
           <a:solidFill>
             <a:srgbClr val="000000"/>
           </a:solidFill>
@@ -7376,7 +7499,7 @@
           <a:sym typeface="Arial"/>
         </a:defRPr>
       </a:lvl1pPr>
-      <a:lvl2pPr lvl="1" marR="0" rtl="0" algn="l">
+      <a:lvl2pPr marR="0" lvl="1" algn="l" rtl="0">
         <a:lnSpc>
           <a:spcPct val="100000"/>
         </a:lnSpc>
@@ -7390,7 +7513,7 @@
           <a:srgbClr val="000000"/>
         </a:buClr>
         <a:buFont typeface="Arial"/>
-        <a:defRPr b="0" i="0" sz="1400" u="none" cap="none" strike="noStrike">
+        <a:defRPr sz="1400" b="0" i="0" u="none" strike="noStrike" cap="none">
           <a:solidFill>
             <a:srgbClr val="000000"/>
           </a:solidFill>
@@ -7400,7 +7523,7 @@
           <a:sym typeface="Arial"/>
         </a:defRPr>
       </a:lvl2pPr>
-      <a:lvl3pPr lvl="2" marR="0" rtl="0" algn="l">
+      <a:lvl3pPr marR="0" lvl="2" algn="l" rtl="0">
         <a:lnSpc>
           <a:spcPct val="100000"/>
         </a:lnSpc>
@@ -7414,7 +7537,7 @@
           <a:srgbClr val="000000"/>
         </a:buClr>
         <a:buFont typeface="Arial"/>
-        <a:defRPr b="0" i="0" sz="1400" u="none" cap="none" strike="noStrike">
+        <a:defRPr sz="1400" b="0" i="0" u="none" strike="noStrike" cap="none">
           <a:solidFill>
             <a:srgbClr val="000000"/>
           </a:solidFill>
@@ -7424,7 +7547,7 @@
           <a:sym typeface="Arial"/>
         </a:defRPr>
       </a:lvl3pPr>
-      <a:lvl4pPr lvl="3" marR="0" rtl="0" algn="l">
+      <a:lvl4pPr marR="0" lvl="3" algn="l" rtl="0">
         <a:lnSpc>
           <a:spcPct val="100000"/>
         </a:lnSpc>
@@ -7438,7 +7561,7 @@
           <a:srgbClr val="000000"/>
         </a:buClr>
         <a:buFont typeface="Arial"/>
-        <a:defRPr b="0" i="0" sz="1400" u="none" cap="none" strike="noStrike">
+        <a:defRPr sz="1400" b="0" i="0" u="none" strike="noStrike" cap="none">
           <a:solidFill>
             <a:srgbClr val="000000"/>
           </a:solidFill>
@@ -7448,7 +7571,7 @@
           <a:sym typeface="Arial"/>
         </a:defRPr>
       </a:lvl4pPr>
-      <a:lvl5pPr lvl="4" marR="0" rtl="0" algn="l">
+      <a:lvl5pPr marR="0" lvl="4" algn="l" rtl="0">
         <a:lnSpc>
           <a:spcPct val="100000"/>
         </a:lnSpc>
@@ -7462,7 +7585,7 @@
           <a:srgbClr val="000000"/>
         </a:buClr>
         <a:buFont typeface="Arial"/>
-        <a:defRPr b="0" i="0" sz="1400" u="none" cap="none" strike="noStrike">
+        <a:defRPr sz="1400" b="0" i="0" u="none" strike="noStrike" cap="none">
           <a:solidFill>
             <a:srgbClr val="000000"/>
           </a:solidFill>
@@ -7472,7 +7595,7 @@
           <a:sym typeface="Arial"/>
         </a:defRPr>
       </a:lvl5pPr>
-      <a:lvl6pPr lvl="5" marR="0" rtl="0" algn="l">
+      <a:lvl6pPr marR="0" lvl="5" algn="l" rtl="0">
         <a:lnSpc>
           <a:spcPct val="100000"/>
         </a:lnSpc>
@@ -7486,7 +7609,7 @@
           <a:srgbClr val="000000"/>
         </a:buClr>
         <a:buFont typeface="Arial"/>
-        <a:defRPr b="0" i="0" sz="1400" u="none" cap="none" strike="noStrike">
+        <a:defRPr sz="1400" b="0" i="0" u="none" strike="noStrike" cap="none">
           <a:solidFill>
             <a:srgbClr val="000000"/>
           </a:solidFill>
@@ -7496,7 +7619,7 @@
           <a:sym typeface="Arial"/>
         </a:defRPr>
       </a:lvl6pPr>
-      <a:lvl7pPr lvl="6" marR="0" rtl="0" algn="l">
+      <a:lvl7pPr marR="0" lvl="6" algn="l" rtl="0">
         <a:lnSpc>
           <a:spcPct val="100000"/>
         </a:lnSpc>
@@ -7510,7 +7633,7 @@
           <a:srgbClr val="000000"/>
         </a:buClr>
         <a:buFont typeface="Arial"/>
-        <a:defRPr b="0" i="0" sz="1400" u="none" cap="none" strike="noStrike">
+        <a:defRPr sz="1400" b="0" i="0" u="none" strike="noStrike" cap="none">
           <a:solidFill>
             <a:srgbClr val="000000"/>
           </a:solidFill>
@@ -7520,7 +7643,7 @@
           <a:sym typeface="Arial"/>
         </a:defRPr>
       </a:lvl7pPr>
-      <a:lvl8pPr lvl="7" marR="0" rtl="0" algn="l">
+      <a:lvl8pPr marR="0" lvl="7" algn="l" rtl="0">
         <a:lnSpc>
           <a:spcPct val="100000"/>
         </a:lnSpc>
@@ -7534,7 +7657,7 @@
           <a:srgbClr val="000000"/>
         </a:buClr>
         <a:buFont typeface="Arial"/>
-        <a:defRPr b="0" i="0" sz="1400" u="none" cap="none" strike="noStrike">
+        <a:defRPr sz="1400" b="0" i="0" u="none" strike="noStrike" cap="none">
           <a:solidFill>
             <a:srgbClr val="000000"/>
           </a:solidFill>
@@ -7544,7 +7667,7 @@
           <a:sym typeface="Arial"/>
         </a:defRPr>
       </a:lvl8pPr>
-      <a:lvl9pPr lvl="8" marR="0" rtl="0" algn="l">
+      <a:lvl9pPr marR="0" lvl="8" algn="l" rtl="0">
         <a:lnSpc>
           <a:spcPct val="100000"/>
         </a:lnSpc>
@@ -7558,7 +7681,7 @@
           <a:srgbClr val="000000"/>
         </a:buClr>
         <a:buFont typeface="Arial"/>
-        <a:defRPr b="0" i="0" sz="1400" u="none" cap="none" strike="noStrike">
+        <a:defRPr sz="1400" b="0" i="0" u="none" strike="noStrike" cap="none">
           <a:solidFill>
             <a:srgbClr val="000000"/>
           </a:solidFill>
@@ -7574,11 +7697,11 @@
 </file>
 
 <file path=ppt/slides/slide1.xml><?xml version="1.0" encoding="utf-8"?>
-<p:sld xmlns:a="http://schemas.openxmlformats.org/drawingml/2006/main" xmlns:r="http://schemas.openxmlformats.org/officeDocument/2006/relationships" xmlns:mc="http://schemas.openxmlformats.org/markup-compatibility/2006" xmlns:mv="urn:schemas-microsoft-com:mac:vml" xmlns:p="http://schemas.openxmlformats.org/presentationml/2006/main" xmlns:c="http://schemas.openxmlformats.org/drawingml/2006/chart" xmlns:dgm="http://schemas.openxmlformats.org/drawingml/2006/diagram" xmlns:o="urn:schemas-microsoft-com:office:office" xmlns:v="urn:schemas-microsoft-com:vml" xmlns:pvml="urn:schemas-microsoft-com:office:powerpoint" xmlns:com="http://schemas.openxmlformats.org/drawingml/2006/compatibility" xmlns:p14="http://schemas.microsoft.com/office/powerpoint/2010/main" xmlns:p15="http://schemas.microsoft.com/office/powerpoint/2012/main" xmlns:ahyp="http://schemas.microsoft.com/office/drawing/2018/hyperlinkcolor">
+<p:sld xmlns:a="http://schemas.openxmlformats.org/drawingml/2006/main" xmlns:r="http://schemas.openxmlformats.org/officeDocument/2006/relationships" xmlns:p="http://schemas.openxmlformats.org/presentationml/2006/main">
   <p:cSld>
     <p:spTree>
       <p:nvGrpSpPr>
-        <p:cNvPr id="66" name="Shape 66"/>
+        <p:cNvPr id="1" name="Shape 66"/>
         <p:cNvGrpSpPr/>
         <p:nvPr/>
       </p:nvGrpSpPr>
@@ -7593,7 +7716,9 @@
       <p:sp>
         <p:nvSpPr>
           <p:cNvPr id="67" name="Google Shape;67;p13"/>
-          <p:cNvSpPr txBox="1"/>
+          <p:cNvSpPr txBox="1">
+            <a:spLocks noGrp="1"/>
+          </p:cNvSpPr>
           <p:nvPr>
             <p:ph type="ctrTitle"/>
           </p:nvPr>
@@ -7608,12 +7733,12 @@
           </a:prstGeom>
         </p:spPr>
         <p:txBody>
-          <a:bodyPr anchorCtr="0" anchor="b" bIns="91425" lIns="91425" spcFirstLastPara="1" rIns="91425" wrap="square" tIns="91425">
+          <a:bodyPr spcFirstLastPara="1" wrap="square" lIns="91425" tIns="91425" rIns="91425" bIns="91425" anchor="b" anchorCtr="0">
             <a:normAutofit/>
           </a:bodyPr>
           <a:lstStyle/>
           <a:p>
-            <a:pPr indent="0" lvl="0" marL="0" rtl="0" algn="l">
+            <a:pPr marL="0" lvl="0" indent="0" algn="l" rtl="0">
               <a:spcBef>
                 <a:spcPts val="0"/>
               </a:spcBef>
@@ -7633,9 +7758,11 @@
       <p:sp>
         <p:nvSpPr>
           <p:cNvPr id="68" name="Google Shape;68;p13"/>
-          <p:cNvSpPr txBox="1"/>
+          <p:cNvSpPr txBox="1">
+            <a:spLocks noGrp="1"/>
+          </p:cNvSpPr>
           <p:nvPr>
-            <p:ph idx="1" type="subTitle"/>
+            <p:ph type="subTitle" idx="1"/>
           </p:nvPr>
         </p:nvSpPr>
         <p:spPr>
@@ -7648,12 +7775,12 @@
           </a:prstGeom>
         </p:spPr>
         <p:txBody>
-          <a:bodyPr anchorCtr="0" anchor="t" bIns="91425" lIns="91425" spcFirstLastPara="1" rIns="91425" wrap="square" tIns="91425">
+          <a:bodyPr spcFirstLastPara="1" wrap="square" lIns="91425" tIns="91425" rIns="91425" bIns="91425" anchor="t" anchorCtr="0">
             <a:normAutofit/>
           </a:bodyPr>
           <a:lstStyle/>
           <a:p>
-            <a:pPr indent="0" lvl="0" marL="0" rtl="0" algn="l">
+            <a:pPr marL="0" lvl="0" indent="0" algn="l" rtl="0">
               <a:spcBef>
                 <a:spcPts val="0"/>
               </a:spcBef>
@@ -7669,7 +7796,7 @@
             <a:endParaRPr/>
           </a:p>
           <a:p>
-            <a:pPr indent="0" lvl="0" marL="0" rtl="0" algn="l">
+            <a:pPr marL="0" lvl="0" indent="0" algn="l" rtl="0">
               <a:spcBef>
                 <a:spcPts val="0"/>
               </a:spcBef>
@@ -7678,13 +7805,10 @@
               </a:spcAft>
               <a:buNone/>
             </a:pPr>
-            <a:r>
-              <a:t/>
-            </a:r>
             <a:endParaRPr sz="800"/>
           </a:p>
           <a:p>
-            <a:pPr indent="0" lvl="0" marL="0" rtl="0" algn="l">
+            <a:pPr marL="0" lvl="0" indent="0" algn="l" rtl="0">
               <a:spcBef>
                 <a:spcPts val="0"/>
               </a:spcBef>
@@ -7700,7 +7824,7 @@
             <a:endParaRPr sz="1300"/>
           </a:p>
           <a:p>
-            <a:pPr indent="0" lvl="0" marL="0" rtl="0" algn="l">
+            <a:pPr marL="0" lvl="0" indent="0" algn="l" rtl="0">
               <a:spcBef>
                 <a:spcPts val="0"/>
               </a:spcBef>
@@ -7737,12 +7861,12 @@
           </a:ln>
         </p:spPr>
         <p:txBody>
-          <a:bodyPr anchorCtr="0" anchor="t" bIns="91425" lIns="91425" spcFirstLastPara="1" rIns="91425" wrap="square" tIns="91425">
+          <a:bodyPr spcFirstLastPara="1" wrap="square" lIns="91425" tIns="91425" rIns="91425" bIns="91425" anchor="t" anchorCtr="0">
             <a:spAutoFit/>
           </a:bodyPr>
           <a:lstStyle/>
           <a:p>
-            <a:pPr indent="0" lvl="0" marL="0" rtl="0" algn="l">
+            <a:pPr marL="0" lvl="0" indent="0" algn="l" rtl="0">
               <a:spcBef>
                 <a:spcPts val="0"/>
               </a:spcBef>
@@ -7792,23 +7916,23 @@
           <a:solidFill>
             <a:schemeClr val="lt1"/>
           </a:solidFill>
-          <a:ln cap="flat" cmpd="sng" w="9525">
+          <a:ln w="9525" cap="flat" cmpd="sng">
             <a:solidFill>
               <a:schemeClr val="lt1"/>
             </a:solidFill>
             <a:prstDash val="solid"/>
             <a:round/>
-            <a:headEnd len="sm" w="sm" type="none"/>
-            <a:tailEnd len="sm" w="sm" type="none"/>
+            <a:headEnd type="none" w="sm" len="sm"/>
+            <a:tailEnd type="none" w="sm" len="sm"/>
           </a:ln>
         </p:spPr>
         <p:txBody>
-          <a:bodyPr anchorCtr="0" anchor="ctr" bIns="91425" lIns="91425" spcFirstLastPara="1" rIns="91425" wrap="square" tIns="91425">
+          <a:bodyPr spcFirstLastPara="1" wrap="square" lIns="91425" tIns="91425" rIns="91425" bIns="91425" anchor="ctr" anchorCtr="0">
             <a:noAutofit/>
           </a:bodyPr>
           <a:lstStyle/>
           <a:p>
-            <a:pPr indent="0" lvl="0" marL="0" rtl="0" algn="l">
+            <a:pPr marL="0" lvl="0" indent="0" algn="l" rtl="0">
               <a:spcBef>
                 <a:spcPts val="0"/>
               </a:spcBef>
@@ -7817,9 +7941,6 @@
               </a:spcAft>
               <a:buNone/>
             </a:pPr>
-            <a:r>
-              <a:t/>
-            </a:r>
             <a:endParaRPr/>
           </a:p>
         </p:txBody>
@@ -7861,11 +7982,11 @@
 </file>
 
 <file path=ppt/slides/slide2.xml><?xml version="1.0" encoding="utf-8"?>
-<p:sld xmlns:a="http://schemas.openxmlformats.org/drawingml/2006/main" xmlns:r="http://schemas.openxmlformats.org/officeDocument/2006/relationships" xmlns:mc="http://schemas.openxmlformats.org/markup-compatibility/2006" xmlns:mv="urn:schemas-microsoft-com:mac:vml" xmlns:p="http://schemas.openxmlformats.org/presentationml/2006/main" xmlns:c="http://schemas.openxmlformats.org/drawingml/2006/chart" xmlns:dgm="http://schemas.openxmlformats.org/drawingml/2006/diagram" xmlns:o="urn:schemas-microsoft-com:office:office" xmlns:v="urn:schemas-microsoft-com:vml" xmlns:pvml="urn:schemas-microsoft-com:office:powerpoint" xmlns:com="http://schemas.openxmlformats.org/drawingml/2006/compatibility" xmlns:p14="http://schemas.microsoft.com/office/powerpoint/2010/main" xmlns:p15="http://schemas.microsoft.com/office/powerpoint/2012/main" xmlns:ahyp="http://schemas.microsoft.com/office/drawing/2018/hyperlinkcolor">
+<p:sld xmlns:a="http://schemas.openxmlformats.org/drawingml/2006/main" xmlns:r="http://schemas.openxmlformats.org/officeDocument/2006/relationships" xmlns:p="http://schemas.openxmlformats.org/presentationml/2006/main">
   <p:cSld>
     <p:spTree>
       <p:nvGrpSpPr>
-        <p:cNvPr id="75" name="Shape 75"/>
+        <p:cNvPr id="1" name="Shape 75"/>
         <p:cNvGrpSpPr/>
         <p:nvPr/>
       </p:nvGrpSpPr>
@@ -7880,7 +8001,9 @@
       <p:sp>
         <p:nvSpPr>
           <p:cNvPr id="76" name="Google Shape;76;p14"/>
-          <p:cNvSpPr txBox="1"/>
+          <p:cNvSpPr txBox="1">
+            <a:spLocks noGrp="1"/>
+          </p:cNvSpPr>
           <p:nvPr>
             <p:ph type="title"/>
           </p:nvPr>
@@ -7895,12 +8018,12 @@
           </a:prstGeom>
         </p:spPr>
         <p:txBody>
-          <a:bodyPr anchorCtr="0" anchor="b" bIns="91425" lIns="91425" spcFirstLastPara="1" rIns="91425" wrap="square" tIns="91425">
+          <a:bodyPr spcFirstLastPara="1" wrap="square" lIns="91425" tIns="91425" rIns="91425" bIns="91425" anchor="b" anchorCtr="0">
             <a:normAutofit/>
           </a:bodyPr>
           <a:lstStyle/>
           <a:p>
-            <a:pPr indent="0" lvl="0" marL="0" rtl="0" algn="l">
+            <a:pPr marL="0" lvl="0" indent="0" algn="l" rtl="0">
               <a:spcBef>
                 <a:spcPts val="0"/>
               </a:spcBef>
@@ -7920,9 +8043,11 @@
       <p:sp>
         <p:nvSpPr>
           <p:cNvPr id="77" name="Google Shape;77;p14"/>
-          <p:cNvSpPr txBox="1"/>
+          <p:cNvSpPr txBox="1">
+            <a:spLocks noGrp="1"/>
+          </p:cNvSpPr>
           <p:nvPr>
-            <p:ph idx="1" type="body"/>
+            <p:ph type="body" idx="1"/>
           </p:nvPr>
         </p:nvSpPr>
         <p:spPr>
@@ -7935,12 +8060,12 @@
           </a:prstGeom>
         </p:spPr>
         <p:txBody>
-          <a:bodyPr anchorCtr="0" anchor="t" bIns="91425" lIns="91425" spcFirstLastPara="1" rIns="91425" wrap="square" tIns="91425">
-            <a:normAutofit lnSpcReduction="10000"/>
+          <a:bodyPr spcFirstLastPara="1" wrap="square" lIns="91425" tIns="91425" rIns="91425" bIns="91425" anchor="t" anchorCtr="0">
+            <a:normAutofit fontScale="92500" lnSpcReduction="20000"/>
           </a:bodyPr>
           <a:lstStyle/>
           <a:p>
-            <a:pPr indent="0" lvl="0" marL="0" rtl="0" algn="l">
+            <a:pPr marL="0" lvl="0" indent="0" algn="l" rtl="0">
               <a:spcBef>
                 <a:spcPts val="0"/>
               </a:spcBef>
@@ -7956,7 +8081,7 @@
             <a:endParaRPr/>
           </a:p>
           <a:p>
-            <a:pPr indent="0" lvl="0" marL="457200" rtl="0" algn="l">
+            <a:pPr marL="457200" lvl="0" indent="0" algn="l" rtl="0">
               <a:spcBef>
                 <a:spcPts val="1200"/>
               </a:spcBef>
@@ -7972,7 +8097,7 @@
             <a:endParaRPr/>
           </a:p>
           <a:p>
-            <a:pPr indent="0" lvl="0" marL="0" rtl="0" algn="l">
+            <a:pPr marL="0" lvl="0" indent="0" algn="l" rtl="0">
               <a:spcBef>
                 <a:spcPts val="1200"/>
               </a:spcBef>
@@ -7988,7 +8113,7 @@
             <a:endParaRPr/>
           </a:p>
           <a:p>
-            <a:pPr indent="0" lvl="0" marL="457200" rtl="0" algn="l">
+            <a:pPr marL="457200" lvl="0" indent="0" algn="l" rtl="0">
               <a:spcBef>
                 <a:spcPts val="1200"/>
               </a:spcBef>
@@ -8004,7 +8129,7 @@
             <a:endParaRPr/>
           </a:p>
           <a:p>
-            <a:pPr indent="0" lvl="0" marL="0" rtl="0" algn="l">
+            <a:pPr marL="0" lvl="0" indent="0" algn="l" rtl="0">
               <a:spcBef>
                 <a:spcPts val="1200"/>
               </a:spcBef>
@@ -8020,7 +8145,7 @@
             <a:endParaRPr/>
           </a:p>
           <a:p>
-            <a:pPr indent="0" lvl="0" marL="457200" rtl="0" algn="l">
+            <a:pPr marL="457200" lvl="0" indent="0" algn="l" rtl="0">
               <a:spcBef>
                 <a:spcPts val="1200"/>
               </a:spcBef>
@@ -8046,11 +8171,11 @@
 </file>
 
 <file path=ppt/slides/slide3.xml><?xml version="1.0" encoding="utf-8"?>
-<p:sld xmlns:a="http://schemas.openxmlformats.org/drawingml/2006/main" xmlns:r="http://schemas.openxmlformats.org/officeDocument/2006/relationships" xmlns:mc="http://schemas.openxmlformats.org/markup-compatibility/2006" xmlns:mv="urn:schemas-microsoft-com:mac:vml" xmlns:p="http://schemas.openxmlformats.org/presentationml/2006/main" xmlns:c="http://schemas.openxmlformats.org/drawingml/2006/chart" xmlns:dgm="http://schemas.openxmlformats.org/drawingml/2006/diagram" xmlns:o="urn:schemas-microsoft-com:office:office" xmlns:v="urn:schemas-microsoft-com:vml" xmlns:pvml="urn:schemas-microsoft-com:office:powerpoint" xmlns:com="http://schemas.openxmlformats.org/drawingml/2006/compatibility" xmlns:p14="http://schemas.microsoft.com/office/powerpoint/2010/main" xmlns:p15="http://schemas.microsoft.com/office/powerpoint/2012/main" xmlns:ahyp="http://schemas.microsoft.com/office/drawing/2018/hyperlinkcolor">
+<p:sld xmlns:a="http://schemas.openxmlformats.org/drawingml/2006/main" xmlns:r="http://schemas.openxmlformats.org/officeDocument/2006/relationships" xmlns:p="http://schemas.openxmlformats.org/presentationml/2006/main">
   <p:cSld>
     <p:spTree>
       <p:nvGrpSpPr>
-        <p:cNvPr id="81" name="Shape 81"/>
+        <p:cNvPr id="1" name="Shape 81"/>
         <p:cNvGrpSpPr/>
         <p:nvPr/>
       </p:nvGrpSpPr>
@@ -8065,7 +8190,9 @@
       <p:sp>
         <p:nvSpPr>
           <p:cNvPr id="82" name="Google Shape;82;p15"/>
-          <p:cNvSpPr txBox="1"/>
+          <p:cNvSpPr txBox="1">
+            <a:spLocks noGrp="1"/>
+          </p:cNvSpPr>
           <p:nvPr>
             <p:ph type="title"/>
           </p:nvPr>
@@ -8080,12 +8207,12 @@
           </a:prstGeom>
         </p:spPr>
         <p:txBody>
-          <a:bodyPr anchorCtr="0" anchor="b" bIns="91425" lIns="91425" spcFirstLastPara="1" rIns="91425" wrap="square" tIns="91425">
+          <a:bodyPr spcFirstLastPara="1" wrap="square" lIns="91425" tIns="91425" rIns="91425" bIns="91425" anchor="b" anchorCtr="0">
             <a:normAutofit/>
           </a:bodyPr>
           <a:lstStyle/>
           <a:p>
-            <a:pPr indent="0" lvl="0" marL="0" rtl="0" algn="l">
+            <a:pPr marL="0" lvl="0" indent="0" algn="l" rtl="0">
               <a:spcBef>
                 <a:spcPts val="0"/>
               </a:spcBef>
@@ -8105,9 +8232,11 @@
       <p:sp>
         <p:nvSpPr>
           <p:cNvPr id="83" name="Google Shape;83;p15"/>
-          <p:cNvSpPr txBox="1"/>
+          <p:cNvSpPr txBox="1">
+            <a:spLocks noGrp="1"/>
+          </p:cNvSpPr>
           <p:nvPr>
-            <p:ph idx="1" type="body"/>
+            <p:ph type="body" idx="1"/>
           </p:nvPr>
         </p:nvSpPr>
         <p:spPr>
@@ -8120,12 +8249,12 @@
           </a:prstGeom>
         </p:spPr>
         <p:txBody>
-          <a:bodyPr anchorCtr="0" anchor="t" bIns="91425" lIns="91425" spcFirstLastPara="1" rIns="91425" wrap="square" tIns="91425">
-            <a:normAutofit lnSpcReduction="10000"/>
+          <a:bodyPr spcFirstLastPara="1" wrap="square" lIns="91425" tIns="91425" rIns="91425" bIns="91425" anchor="t" anchorCtr="0">
+            <a:normAutofit fontScale="92500" lnSpcReduction="10000"/>
           </a:bodyPr>
           <a:lstStyle/>
           <a:p>
-            <a:pPr indent="-355600" lvl="0" marL="457200" rtl="0" algn="l">
+            <a:pPr marL="457200" lvl="0" indent="-355600" algn="l" rtl="0">
               <a:lnSpc>
                 <a:spcPct val="150000"/>
               </a:lnSpc>
@@ -8145,7 +8274,7 @@
             <a:endParaRPr sz="2000"/>
           </a:p>
           <a:p>
-            <a:pPr indent="-355600" lvl="0" marL="457200" rtl="0" algn="l">
+            <a:pPr marL="457200" lvl="0" indent="-355600" algn="l" rtl="0">
               <a:lnSpc>
                 <a:spcPct val="150000"/>
               </a:lnSpc>
@@ -8165,7 +8294,7 @@
             <a:endParaRPr sz="2000"/>
           </a:p>
           <a:p>
-            <a:pPr indent="-355600" lvl="0" marL="457200" rtl="0" algn="l">
+            <a:pPr marL="457200" lvl="0" indent="-355600" algn="l" rtl="0">
               <a:lnSpc>
                 <a:spcPct val="150000"/>
               </a:lnSpc>
@@ -8185,7 +8314,7 @@
             <a:endParaRPr sz="2000"/>
           </a:p>
           <a:p>
-            <a:pPr indent="-355600" lvl="0" marL="457200" rtl="0" algn="l">
+            <a:pPr marL="457200" lvl="0" indent="-355600" algn="l" rtl="0">
               <a:lnSpc>
                 <a:spcPct val="150000"/>
               </a:lnSpc>
@@ -8205,7 +8334,7 @@
             <a:endParaRPr sz="2000"/>
           </a:p>
           <a:p>
-            <a:pPr indent="-355600" lvl="0" marL="457200" rtl="0" algn="l">
+            <a:pPr marL="457200" lvl="0" indent="-355600" algn="l" rtl="0">
               <a:lnSpc>
                 <a:spcPct val="150000"/>
               </a:lnSpc>
@@ -8225,7 +8354,7 @@
             <a:endParaRPr sz="2000"/>
           </a:p>
           <a:p>
-            <a:pPr indent="-355600" lvl="0" marL="457200" rtl="0" algn="l">
+            <a:pPr marL="457200" lvl="0" indent="-355600" algn="l" rtl="0">
               <a:lnSpc>
                 <a:spcPct val="150000"/>
               </a:lnSpc>
@@ -8249,9 +8378,11 @@
       <p:sp>
         <p:nvSpPr>
           <p:cNvPr id="84" name="Google Shape;84;p15"/>
-          <p:cNvSpPr txBox="1"/>
+          <p:cNvSpPr txBox="1">
+            <a:spLocks noGrp="1"/>
+          </p:cNvSpPr>
           <p:nvPr>
-            <p:ph idx="1" type="body"/>
+            <p:ph type="body" idx="1"/>
           </p:nvPr>
         </p:nvSpPr>
         <p:spPr>
@@ -8264,12 +8395,12 @@
           </a:prstGeom>
         </p:spPr>
         <p:txBody>
-          <a:bodyPr anchorCtr="0" anchor="t" bIns="91425" lIns="91425" spcFirstLastPara="1" rIns="91425" wrap="square" tIns="91425">
-            <a:normAutofit lnSpcReduction="10000"/>
+          <a:bodyPr spcFirstLastPara="1" wrap="square" lIns="91425" tIns="91425" rIns="91425" bIns="91425" anchor="t" anchorCtr="0">
+            <a:normAutofit fontScale="92500" lnSpcReduction="10000"/>
           </a:bodyPr>
           <a:lstStyle/>
           <a:p>
-            <a:pPr indent="-355600" lvl="0" marL="457200" rtl="0" algn="l">
+            <a:pPr marL="457200" lvl="0" indent="-355600" algn="l" rtl="0">
               <a:lnSpc>
                 <a:spcPct val="150000"/>
               </a:lnSpc>
@@ -8289,7 +8420,7 @@
             <a:endParaRPr sz="2000"/>
           </a:p>
           <a:p>
-            <a:pPr indent="-355600" lvl="0" marL="457200" rtl="0" algn="l">
+            <a:pPr marL="457200" lvl="0" indent="-355600" algn="l" rtl="0">
               <a:lnSpc>
                 <a:spcPct val="150000"/>
               </a:lnSpc>
@@ -8309,7 +8440,7 @@
             <a:endParaRPr sz="2000"/>
           </a:p>
           <a:p>
-            <a:pPr indent="-355600" lvl="0" marL="457200" rtl="0" algn="l">
+            <a:pPr marL="457200" lvl="0" indent="-355600" algn="l" rtl="0">
               <a:lnSpc>
                 <a:spcPct val="150000"/>
               </a:lnSpc>
@@ -8329,7 +8460,7 @@
             <a:endParaRPr sz="2000"/>
           </a:p>
           <a:p>
-            <a:pPr indent="-355600" lvl="0" marL="457200" rtl="0" algn="l">
+            <a:pPr marL="457200" lvl="0" indent="-355600" algn="l" rtl="0">
               <a:lnSpc>
                 <a:spcPct val="150000"/>
               </a:lnSpc>
@@ -8349,7 +8480,7 @@
             <a:endParaRPr sz="2000"/>
           </a:p>
           <a:p>
-            <a:pPr indent="-355600" lvl="0" marL="457200" rtl="0" algn="l">
+            <a:pPr marL="457200" lvl="0" indent="-355600" algn="l" rtl="0">
               <a:lnSpc>
                 <a:spcPct val="150000"/>
               </a:lnSpc>
@@ -8369,7 +8500,7 @@
             <a:endParaRPr sz="2000"/>
           </a:p>
           <a:p>
-            <a:pPr indent="-355600" lvl="0" marL="457200" rtl="0" algn="l">
+            <a:pPr marL="457200" lvl="0" indent="-355600" algn="l" rtl="0">
               <a:lnSpc>
                 <a:spcPct val="150000"/>
               </a:lnSpc>
@@ -8399,11 +8530,11 @@
 </file>
 
 <file path=ppt/slides/slide4.xml><?xml version="1.0" encoding="utf-8"?>
-<p:sld xmlns:a="http://schemas.openxmlformats.org/drawingml/2006/main" xmlns:r="http://schemas.openxmlformats.org/officeDocument/2006/relationships" xmlns:mc="http://schemas.openxmlformats.org/markup-compatibility/2006" xmlns:mv="urn:schemas-microsoft-com:mac:vml" xmlns:p="http://schemas.openxmlformats.org/presentationml/2006/main" xmlns:c="http://schemas.openxmlformats.org/drawingml/2006/chart" xmlns:dgm="http://schemas.openxmlformats.org/drawingml/2006/diagram" xmlns:o="urn:schemas-microsoft-com:office:office" xmlns:v="urn:schemas-microsoft-com:vml" xmlns:pvml="urn:schemas-microsoft-com:office:powerpoint" xmlns:com="http://schemas.openxmlformats.org/drawingml/2006/compatibility" xmlns:p14="http://schemas.microsoft.com/office/powerpoint/2010/main" xmlns:p15="http://schemas.microsoft.com/office/powerpoint/2012/main" xmlns:ahyp="http://schemas.microsoft.com/office/drawing/2018/hyperlinkcolor">
+<p:sld xmlns:a="http://schemas.openxmlformats.org/drawingml/2006/main" xmlns:r="http://schemas.openxmlformats.org/officeDocument/2006/relationships" xmlns:p="http://schemas.openxmlformats.org/presentationml/2006/main">
   <p:cSld>
     <p:spTree>
       <p:nvGrpSpPr>
-        <p:cNvPr id="88" name="Shape 88"/>
+        <p:cNvPr id="1" name="Shape 88"/>
         <p:cNvGrpSpPr/>
         <p:nvPr/>
       </p:nvGrpSpPr>
@@ -8418,7 +8549,9 @@
       <p:sp>
         <p:nvSpPr>
           <p:cNvPr id="89" name="Google Shape;89;p16"/>
-          <p:cNvSpPr txBox="1"/>
+          <p:cNvSpPr txBox="1">
+            <a:spLocks noGrp="1"/>
+          </p:cNvSpPr>
           <p:nvPr>
             <p:ph type="title"/>
           </p:nvPr>
@@ -8433,12 +8566,12 @@
           </a:prstGeom>
         </p:spPr>
         <p:txBody>
-          <a:bodyPr anchorCtr="0" anchor="b" bIns="91425" lIns="91425" spcFirstLastPara="1" rIns="91425" wrap="square" tIns="91425">
+          <a:bodyPr spcFirstLastPara="1" wrap="square" lIns="91425" tIns="91425" rIns="91425" bIns="91425" anchor="b" anchorCtr="0">
             <a:normAutofit fontScale="90000"/>
           </a:bodyPr>
           <a:lstStyle/>
           <a:p>
-            <a:pPr indent="0" lvl="0" marL="0" rtl="0" algn="l">
+            <a:pPr marL="0" lvl="0" indent="0" algn="l" rtl="0">
               <a:spcBef>
                 <a:spcPts val="0"/>
               </a:spcBef>
@@ -8454,7 +8587,7 @@
             <a:endParaRPr/>
           </a:p>
           <a:p>
-            <a:pPr indent="0" lvl="0" marL="0" rtl="0" algn="l">
+            <a:pPr marL="0" lvl="0" indent="0" algn="l" rtl="0">
               <a:spcBef>
                 <a:spcPts val="0"/>
               </a:spcBef>
@@ -8474,9 +8607,11 @@
       <p:sp>
         <p:nvSpPr>
           <p:cNvPr id="90" name="Google Shape;90;p16"/>
-          <p:cNvSpPr txBox="1"/>
+          <p:cNvSpPr txBox="1">
+            <a:spLocks noGrp="1"/>
+          </p:cNvSpPr>
           <p:nvPr>
-            <p:ph idx="1" type="body"/>
+            <p:ph type="body" idx="1"/>
           </p:nvPr>
         </p:nvSpPr>
         <p:spPr>
@@ -8489,12 +8624,12 @@
           </a:prstGeom>
         </p:spPr>
         <p:txBody>
-          <a:bodyPr anchorCtr="0" anchor="ctr" bIns="91425" lIns="91425" spcFirstLastPara="1" rIns="91425" wrap="square" tIns="91425">
+          <a:bodyPr spcFirstLastPara="1" wrap="square" lIns="91425" tIns="91425" rIns="91425" bIns="91425" anchor="ctr" anchorCtr="0">
             <a:normAutofit/>
           </a:bodyPr>
           <a:lstStyle/>
           <a:p>
-            <a:pPr indent="0" lvl="0" marL="0" rtl="0" algn="l">
+            <a:pPr marL="0" lvl="0" indent="0" algn="l" rtl="0">
               <a:spcBef>
                 <a:spcPts val="0"/>
               </a:spcBef>
@@ -8528,23 +8663,23 @@
           <a:solidFill>
             <a:schemeClr val="lt1"/>
           </a:solidFill>
-          <a:ln cap="flat" cmpd="sng" w="9525">
+          <a:ln w="9525" cap="flat" cmpd="sng">
             <a:solidFill>
               <a:schemeClr val="lt1"/>
             </a:solidFill>
             <a:prstDash val="solid"/>
             <a:round/>
-            <a:headEnd len="sm" w="sm" type="none"/>
-            <a:tailEnd len="sm" w="sm" type="none"/>
+            <a:headEnd type="none" w="sm" len="sm"/>
+            <a:tailEnd type="none" w="sm" len="sm"/>
           </a:ln>
         </p:spPr>
         <p:txBody>
-          <a:bodyPr anchorCtr="0" anchor="ctr" bIns="91425" lIns="91425" spcFirstLastPara="1" rIns="91425" wrap="square" tIns="91425">
+          <a:bodyPr spcFirstLastPara="1" wrap="square" lIns="91425" tIns="91425" rIns="91425" bIns="91425" anchor="ctr" anchorCtr="0">
             <a:noAutofit/>
           </a:bodyPr>
           <a:lstStyle/>
           <a:p>
-            <a:pPr indent="0" lvl="0" marL="0" rtl="0" algn="l">
+            <a:pPr marL="0" lvl="0" indent="0" algn="l" rtl="0">
               <a:spcBef>
                 <a:spcPts val="0"/>
               </a:spcBef>
@@ -8553,9 +8688,6 @@
               </a:spcAft>
               <a:buNone/>
             </a:pPr>
-            <a:r>
-              <a:t/>
-            </a:r>
             <a:endParaRPr/>
           </a:p>
         </p:txBody>
@@ -8583,14 +8715,14 @@
             <a:avLst/>
           </a:prstGeom>
           <a:noFill/>
-          <a:ln cap="flat" cmpd="sng" w="9525">
+          <a:ln w="9525" cap="flat" cmpd="sng">
             <a:solidFill>
               <a:schemeClr val="lt1"/>
             </a:solidFill>
             <a:prstDash val="solid"/>
             <a:round/>
-            <a:headEnd len="sm" w="sm" type="none"/>
-            <a:tailEnd len="sm" w="sm" type="none"/>
+            <a:headEnd type="none" w="sm" len="sm"/>
+            <a:tailEnd type="none" w="sm" len="sm"/>
           </a:ln>
         </p:spPr>
       </p:pic>
@@ -8603,11 +8735,11 @@
 </file>
 
 <file path=ppt/slides/slide5.xml><?xml version="1.0" encoding="utf-8"?>
-<p:sld xmlns:a="http://schemas.openxmlformats.org/drawingml/2006/main" xmlns:r="http://schemas.openxmlformats.org/officeDocument/2006/relationships" xmlns:mc="http://schemas.openxmlformats.org/markup-compatibility/2006" xmlns:mv="urn:schemas-microsoft-com:mac:vml" xmlns:p="http://schemas.openxmlformats.org/presentationml/2006/main" xmlns:c="http://schemas.openxmlformats.org/drawingml/2006/chart" xmlns:dgm="http://schemas.openxmlformats.org/drawingml/2006/diagram" xmlns:o="urn:schemas-microsoft-com:office:office" xmlns:v="urn:schemas-microsoft-com:vml" xmlns:pvml="urn:schemas-microsoft-com:office:powerpoint" xmlns:com="http://schemas.openxmlformats.org/drawingml/2006/compatibility" xmlns:p14="http://schemas.microsoft.com/office/powerpoint/2010/main" xmlns:p15="http://schemas.microsoft.com/office/powerpoint/2012/main" xmlns:ahyp="http://schemas.microsoft.com/office/drawing/2018/hyperlinkcolor">
+<p:sld xmlns:a="http://schemas.openxmlformats.org/drawingml/2006/main" xmlns:r="http://schemas.openxmlformats.org/officeDocument/2006/relationships" xmlns:p="http://schemas.openxmlformats.org/presentationml/2006/main">
   <p:cSld>
     <p:spTree>
       <p:nvGrpSpPr>
-        <p:cNvPr id="96" name="Shape 96"/>
+        <p:cNvPr id="1" name="Shape 96"/>
         <p:cNvGrpSpPr/>
         <p:nvPr/>
       </p:nvGrpSpPr>
@@ -8622,7 +8754,9 @@
       <p:sp>
         <p:nvSpPr>
           <p:cNvPr id="97" name="Google Shape;97;p17"/>
-          <p:cNvSpPr txBox="1"/>
+          <p:cNvSpPr txBox="1">
+            <a:spLocks noGrp="1"/>
+          </p:cNvSpPr>
           <p:nvPr>
             <p:ph type="title"/>
           </p:nvPr>
@@ -8637,12 +8771,12 @@
           </a:prstGeom>
         </p:spPr>
         <p:txBody>
-          <a:bodyPr anchorCtr="0" anchor="ctr" bIns="91425" lIns="91425" spcFirstLastPara="1" rIns="91425" wrap="square" tIns="91425">
+          <a:bodyPr spcFirstLastPara="1" wrap="square" lIns="91425" tIns="91425" rIns="91425" bIns="91425" anchor="ctr" anchorCtr="0">
             <a:normAutofit fontScale="90000"/>
           </a:bodyPr>
           <a:lstStyle/>
           <a:p>
-            <a:pPr indent="0" lvl="0" marL="0" rtl="0" algn="l">
+            <a:pPr marL="0" lvl="0" indent="0" algn="l" rtl="0">
               <a:spcBef>
                 <a:spcPts val="0"/>
               </a:spcBef>
@@ -8652,13 +8786,13 @@
               <a:buNone/>
             </a:pPr>
             <a:r>
-              <a:rPr lang="en"/>
+              <a:rPr lang="en" dirty="0"/>
               <a:t>Project Description</a:t>
             </a:r>
-            <a:endParaRPr/>
-          </a:p>
-          <a:p>
-            <a:pPr indent="0" lvl="0" marL="0" rtl="0" algn="l">
+            <a:endParaRPr dirty="0"/>
+          </a:p>
+          <a:p>
+            <a:pPr marL="0" lvl="0" indent="0" algn="l" rtl="0">
               <a:spcBef>
                 <a:spcPts val="0"/>
               </a:spcBef>
@@ -8668,19 +8802,21 @@
               <a:buNone/>
             </a:pPr>
             <a:r>
-              <a:rPr lang="en" sz="1866"/>
+              <a:rPr lang="en" sz="1866" dirty="0"/>
               <a:t>Back-end</a:t>
             </a:r>
-            <a:endParaRPr sz="1866"/>
+            <a:endParaRPr sz="1866" dirty="0"/>
           </a:p>
         </p:txBody>
       </p:sp>
       <p:sp>
         <p:nvSpPr>
           <p:cNvPr id="98" name="Google Shape;98;p17"/>
-          <p:cNvSpPr txBox="1"/>
+          <p:cNvSpPr txBox="1">
+            <a:spLocks noGrp="1"/>
+          </p:cNvSpPr>
           <p:nvPr>
-            <p:ph idx="4294967295" type="body"/>
+            <p:ph type="body" idx="4294967295"/>
           </p:nvPr>
         </p:nvSpPr>
         <p:spPr>
@@ -8693,12 +8829,12 @@
           </a:prstGeom>
         </p:spPr>
         <p:txBody>
-          <a:bodyPr anchorCtr="0" anchor="ctr" bIns="91425" lIns="91425" spcFirstLastPara="1" rIns="91425" wrap="square" tIns="91425">
+          <a:bodyPr spcFirstLastPara="1" wrap="square" lIns="91425" tIns="91425" rIns="91425" bIns="91425" anchor="ctr" anchorCtr="0">
             <a:normAutofit/>
           </a:bodyPr>
           <a:lstStyle/>
           <a:p>
-            <a:pPr indent="0" lvl="0" marL="0" rtl="0" algn="l">
+            <a:pPr marL="0" lvl="0" indent="0" algn="l" rtl="0">
               <a:spcBef>
                 <a:spcPts val="0"/>
               </a:spcBef>
@@ -8708,39 +8844,41 @@
               <a:buNone/>
             </a:pPr>
             <a:r>
-              <a:rPr lang="en"/>
+              <a:rPr lang="en" dirty="0"/>
               <a:t>The back-end is Spring Boot REST API. It connects a MySQL database to the front-end GUI via HTTP requests.</a:t>
             </a:r>
-            <a:endParaRPr/>
+            <a:endParaRPr dirty="0"/>
           </a:p>
         </p:txBody>
       </p:sp>
       <p:pic>
         <p:nvPicPr>
-          <p:cNvPr id="99" name="Google Shape;99;p17"/>
-          <p:cNvPicPr preferRelativeResize="0"/>
+          <p:cNvPr id="4" name="Picture 3" descr="A screenshot of a computer&#10;&#10;Description automatically generated with medium confidence">
+            <a:extLst>
+              <a:ext uri="{FF2B5EF4-FFF2-40B4-BE49-F238E27FC236}">
+                <a16:creationId xmlns:a16="http://schemas.microsoft.com/office/drawing/2014/main" id="{01F0C69D-4302-6055-554D-0AA0CC0143CF}"/>
+              </a:ext>
+            </a:extLst>
+          </p:cNvPr>
+          <p:cNvPicPr>
+            <a:picLocks noChangeAspect="1"/>
+          </p:cNvPicPr>
           <p:nvPr/>
         </p:nvPicPr>
         <p:blipFill>
-          <a:blip r:embed="rId3">
-            <a:alphaModFix/>
-          </a:blip>
+          <a:blip r:embed="rId3"/>
           <a:stretch>
             <a:fillRect/>
           </a:stretch>
         </p:blipFill>
         <p:spPr>
           <a:xfrm>
-            <a:off x="2488775" y="878000"/>
-            <a:ext cx="6498627" cy="4023551"/>
+            <a:off x="2392150" y="1038862"/>
+            <a:ext cx="6444106" cy="3701876"/>
           </a:xfrm>
           <a:prstGeom prst="rect">
             <a:avLst/>
           </a:prstGeom>
-          <a:noFill/>
-          <a:ln>
-            <a:noFill/>
-          </a:ln>
         </p:spPr>
       </p:pic>
     </p:spTree>
@@ -8752,11 +8890,11 @@
 </file>
 
 <file path=ppt/slides/slide6.xml><?xml version="1.0" encoding="utf-8"?>
-<p:sld xmlns:a="http://schemas.openxmlformats.org/drawingml/2006/main" xmlns:r="http://schemas.openxmlformats.org/officeDocument/2006/relationships" xmlns:mc="http://schemas.openxmlformats.org/markup-compatibility/2006" xmlns:mv="urn:schemas-microsoft-com:mac:vml" xmlns:p="http://schemas.openxmlformats.org/presentationml/2006/main" xmlns:c="http://schemas.openxmlformats.org/drawingml/2006/chart" xmlns:dgm="http://schemas.openxmlformats.org/drawingml/2006/diagram" xmlns:o="urn:schemas-microsoft-com:office:office" xmlns:v="urn:schemas-microsoft-com:vml" xmlns:pvml="urn:schemas-microsoft-com:office:powerpoint" xmlns:com="http://schemas.openxmlformats.org/drawingml/2006/compatibility" xmlns:p14="http://schemas.microsoft.com/office/powerpoint/2010/main" xmlns:p15="http://schemas.microsoft.com/office/powerpoint/2012/main" xmlns:ahyp="http://schemas.microsoft.com/office/drawing/2018/hyperlinkcolor">
+<p:sld xmlns:a="http://schemas.openxmlformats.org/drawingml/2006/main" xmlns:r="http://schemas.openxmlformats.org/officeDocument/2006/relationships" xmlns:p="http://schemas.openxmlformats.org/presentationml/2006/main">
   <p:cSld>
     <p:spTree>
       <p:nvGrpSpPr>
-        <p:cNvPr id="103" name="Shape 103"/>
+        <p:cNvPr id="1" name="Shape 103"/>
         <p:cNvGrpSpPr/>
         <p:nvPr/>
       </p:nvGrpSpPr>
@@ -8771,7 +8909,9 @@
       <p:sp>
         <p:nvSpPr>
           <p:cNvPr id="104" name="Google Shape;104;p18"/>
-          <p:cNvSpPr txBox="1"/>
+          <p:cNvSpPr txBox="1">
+            <a:spLocks noGrp="1"/>
+          </p:cNvSpPr>
           <p:nvPr>
             <p:ph type="title"/>
           </p:nvPr>
@@ -8786,12 +8926,12 @@
           </a:prstGeom>
         </p:spPr>
         <p:txBody>
-          <a:bodyPr anchorCtr="0" anchor="ctr" bIns="91425" lIns="91425" spcFirstLastPara="1" rIns="91425" wrap="square" tIns="91425">
+          <a:bodyPr spcFirstLastPara="1" wrap="square" lIns="91425" tIns="91425" rIns="91425" bIns="91425" anchor="ctr" anchorCtr="0">
             <a:normAutofit/>
           </a:bodyPr>
           <a:lstStyle/>
           <a:p>
-            <a:pPr indent="0" lvl="0" marL="0" rtl="0" algn="l">
+            <a:pPr marL="0" lvl="0" indent="0" algn="l" rtl="0">
               <a:spcBef>
                 <a:spcPts val="0"/>
               </a:spcBef>
@@ -8817,11 +8957,11 @@
 </file>
 
 <file path=ppt/slides/slide7.xml><?xml version="1.0" encoding="utf-8"?>
-<p:sld xmlns:a="http://schemas.openxmlformats.org/drawingml/2006/main" xmlns:r="http://schemas.openxmlformats.org/officeDocument/2006/relationships" xmlns:mc="http://schemas.openxmlformats.org/markup-compatibility/2006" xmlns:mv="urn:schemas-microsoft-com:mac:vml" xmlns:p="http://schemas.openxmlformats.org/presentationml/2006/main" xmlns:c="http://schemas.openxmlformats.org/drawingml/2006/chart" xmlns:dgm="http://schemas.openxmlformats.org/drawingml/2006/diagram" xmlns:o="urn:schemas-microsoft-com:office:office" xmlns:v="urn:schemas-microsoft-com:vml" xmlns:pvml="urn:schemas-microsoft-com:office:powerpoint" xmlns:com="http://schemas.openxmlformats.org/drawingml/2006/compatibility" xmlns:p14="http://schemas.microsoft.com/office/powerpoint/2010/main" xmlns:p15="http://schemas.microsoft.com/office/powerpoint/2012/main" xmlns:ahyp="http://schemas.microsoft.com/office/drawing/2018/hyperlinkcolor">
+<p:sld xmlns:a="http://schemas.openxmlformats.org/drawingml/2006/main" xmlns:r="http://schemas.openxmlformats.org/officeDocument/2006/relationships" xmlns:p="http://schemas.openxmlformats.org/presentationml/2006/main">
   <p:cSld>
     <p:spTree>
       <p:nvGrpSpPr>
-        <p:cNvPr id="108" name="Shape 108"/>
+        <p:cNvPr id="1" name="Shape 108"/>
         <p:cNvGrpSpPr/>
         <p:nvPr/>
       </p:nvGrpSpPr>
@@ -8836,7 +8976,9 @@
       <p:sp>
         <p:nvSpPr>
           <p:cNvPr id="109" name="Google Shape;109;p19"/>
-          <p:cNvSpPr txBox="1"/>
+          <p:cNvSpPr txBox="1">
+            <a:spLocks noGrp="1"/>
+          </p:cNvSpPr>
           <p:nvPr>
             <p:ph type="title"/>
           </p:nvPr>
@@ -8851,12 +8993,12 @@
           </a:prstGeom>
         </p:spPr>
         <p:txBody>
-          <a:bodyPr anchorCtr="0" anchor="b" bIns="91425" lIns="91425" spcFirstLastPara="1" rIns="91425" wrap="square" tIns="91425">
+          <a:bodyPr spcFirstLastPara="1" wrap="square" lIns="91425" tIns="91425" rIns="91425" bIns="91425" anchor="b" anchorCtr="0">
             <a:normAutofit/>
           </a:bodyPr>
           <a:lstStyle/>
           <a:p>
-            <a:pPr indent="0" lvl="0" marL="0" rtl="0" algn="l">
+            <a:pPr marL="0" lvl="0" indent="0" algn="l" rtl="0">
               <a:spcBef>
                 <a:spcPts val="0"/>
               </a:spcBef>
@@ -8876,9 +9018,11 @@
       <p:sp>
         <p:nvSpPr>
           <p:cNvPr id="110" name="Google Shape;110;p19"/>
-          <p:cNvSpPr txBox="1"/>
+          <p:cNvSpPr txBox="1">
+            <a:spLocks noGrp="1"/>
+          </p:cNvSpPr>
           <p:nvPr>
-            <p:ph idx="1" type="body"/>
+            <p:ph type="body" idx="1"/>
           </p:nvPr>
         </p:nvSpPr>
         <p:spPr>
@@ -8891,12 +9035,12 @@
           </a:prstGeom>
         </p:spPr>
         <p:txBody>
-          <a:bodyPr anchorCtr="0" anchor="t" bIns="91425" lIns="91425" spcFirstLastPara="1" rIns="91425" wrap="square" tIns="91425">
+          <a:bodyPr spcFirstLastPara="1" wrap="square" lIns="91425" tIns="91425" rIns="91425" bIns="91425" anchor="t" anchorCtr="0">
             <a:normAutofit/>
           </a:bodyPr>
           <a:lstStyle/>
           <a:p>
-            <a:pPr indent="-342900" lvl="0" marL="457200" rtl="0" algn="l">
+            <a:pPr marL="457200" lvl="0" indent="-342900" algn="l" rtl="0">
               <a:spcBef>
                 <a:spcPts val="0"/>
               </a:spcBef>
@@ -8913,7 +9057,7 @@
             <a:endParaRPr/>
           </a:p>
           <a:p>
-            <a:pPr indent="-342900" lvl="0" marL="457200" rtl="0" algn="l">
+            <a:pPr marL="457200" lvl="0" indent="-342900" algn="l" rtl="0">
               <a:spcBef>
                 <a:spcPts val="0"/>
               </a:spcBef>
@@ -8930,7 +9074,7 @@
             <a:endParaRPr/>
           </a:p>
           <a:p>
-            <a:pPr indent="-342900" lvl="0" marL="457200" rtl="0" algn="l">
+            <a:pPr marL="457200" lvl="0" indent="-342900" algn="l" rtl="0">
               <a:spcBef>
                 <a:spcPts val="0"/>
               </a:spcBef>
@@ -8947,7 +9091,7 @@
             <a:endParaRPr/>
           </a:p>
           <a:p>
-            <a:pPr indent="-342900" lvl="0" marL="457200" rtl="0" algn="l">
+            <a:pPr marL="457200" lvl="0" indent="-342900" algn="l" rtl="0">
               <a:spcBef>
                 <a:spcPts val="0"/>
               </a:spcBef>
@@ -8964,7 +9108,7 @@
             <a:endParaRPr/>
           </a:p>
           <a:p>
-            <a:pPr indent="-342900" lvl="0" marL="457200" rtl="0" algn="l">
+            <a:pPr marL="457200" lvl="0" indent="-342900" algn="l" rtl="0">
               <a:spcBef>
                 <a:spcPts val="0"/>
               </a:spcBef>
@@ -8981,7 +9125,7 @@
             <a:endParaRPr/>
           </a:p>
           <a:p>
-            <a:pPr indent="-342900" lvl="0" marL="457200" rtl="0" algn="l">
+            <a:pPr marL="457200" lvl="0" indent="-342900" algn="l" rtl="0">
               <a:spcBef>
                 <a:spcPts val="0"/>
               </a:spcBef>
@@ -8998,7 +9142,7 @@
             <a:endParaRPr/>
           </a:p>
           <a:p>
-            <a:pPr indent="-342900" lvl="0" marL="457200" rtl="0" algn="l">
+            <a:pPr marL="457200" lvl="0" indent="-342900" algn="l" rtl="0">
               <a:spcBef>
                 <a:spcPts val="0"/>
               </a:spcBef>
@@ -9015,7 +9159,7 @@
             <a:endParaRPr/>
           </a:p>
           <a:p>
-            <a:pPr indent="-342900" lvl="0" marL="457200" rtl="0" algn="l">
+            <a:pPr marL="457200" lvl="0" indent="-342900" algn="l" rtl="0">
               <a:spcBef>
                 <a:spcPts val="0"/>
               </a:spcBef>
@@ -9036,9 +9180,11 @@
       <p:sp>
         <p:nvSpPr>
           <p:cNvPr id="111" name="Google Shape;111;p19"/>
-          <p:cNvSpPr txBox="1"/>
+          <p:cNvSpPr txBox="1">
+            <a:spLocks noGrp="1"/>
+          </p:cNvSpPr>
           <p:nvPr>
-            <p:ph idx="1" type="body"/>
+            <p:ph type="body" idx="1"/>
           </p:nvPr>
         </p:nvSpPr>
         <p:spPr>
@@ -9051,12 +9197,12 @@
           </a:prstGeom>
         </p:spPr>
         <p:txBody>
-          <a:bodyPr anchorCtr="0" anchor="t" bIns="91425" lIns="91425" spcFirstLastPara="1" rIns="91425" wrap="square" tIns="91425">
+          <a:bodyPr spcFirstLastPara="1" wrap="square" lIns="91425" tIns="91425" rIns="91425" bIns="91425" anchor="t" anchorCtr="0">
             <a:normAutofit/>
           </a:bodyPr>
           <a:lstStyle/>
           <a:p>
-            <a:pPr indent="-342900" lvl="0" marL="457200" rtl="0" algn="l">
+            <a:pPr marL="457200" lvl="0" indent="-342900" algn="l" rtl="0">
               <a:spcBef>
                 <a:spcPts val="0"/>
               </a:spcBef>
@@ -9073,7 +9219,7 @@
             <a:endParaRPr/>
           </a:p>
           <a:p>
-            <a:pPr indent="-342900" lvl="0" marL="457200" rtl="0" algn="l">
+            <a:pPr marL="457200" lvl="0" indent="-342900" algn="l" rtl="0">
               <a:spcBef>
                 <a:spcPts val="0"/>
               </a:spcBef>
@@ -9090,7 +9236,7 @@
             <a:endParaRPr/>
           </a:p>
           <a:p>
-            <a:pPr indent="-342900" lvl="0" marL="457200" rtl="0" algn="l">
+            <a:pPr marL="457200" lvl="0" indent="-342900" algn="l" rtl="0">
               <a:spcBef>
                 <a:spcPts val="0"/>
               </a:spcBef>
@@ -9107,7 +9253,7 @@
             <a:endParaRPr/>
           </a:p>
           <a:p>
-            <a:pPr indent="-342900" lvl="0" marL="457200" rtl="0" algn="l">
+            <a:pPr marL="457200" lvl="0" indent="-342900" algn="l" rtl="0">
               <a:spcBef>
                 <a:spcPts val="0"/>
               </a:spcBef>
@@ -9134,11 +9280,11 @@
 </file>
 
 <file path=ppt/slides/slide8.xml><?xml version="1.0" encoding="utf-8"?>
-<p:sld xmlns:a="http://schemas.openxmlformats.org/drawingml/2006/main" xmlns:r="http://schemas.openxmlformats.org/officeDocument/2006/relationships" xmlns:mc="http://schemas.openxmlformats.org/markup-compatibility/2006" xmlns:mv="urn:schemas-microsoft-com:mac:vml" xmlns:p="http://schemas.openxmlformats.org/presentationml/2006/main" xmlns:c="http://schemas.openxmlformats.org/drawingml/2006/chart" xmlns:dgm="http://schemas.openxmlformats.org/drawingml/2006/diagram" xmlns:o="urn:schemas-microsoft-com:office:office" xmlns:v="urn:schemas-microsoft-com:vml" xmlns:pvml="urn:schemas-microsoft-com:office:powerpoint" xmlns:com="http://schemas.openxmlformats.org/drawingml/2006/compatibility" xmlns:p14="http://schemas.microsoft.com/office/powerpoint/2010/main" xmlns:p15="http://schemas.microsoft.com/office/powerpoint/2012/main" xmlns:ahyp="http://schemas.microsoft.com/office/drawing/2018/hyperlinkcolor">
+<p:sld xmlns:a="http://schemas.openxmlformats.org/drawingml/2006/main" xmlns:r="http://schemas.openxmlformats.org/officeDocument/2006/relationships" xmlns:p="http://schemas.openxmlformats.org/presentationml/2006/main">
   <p:cSld>
     <p:spTree>
       <p:nvGrpSpPr>
-        <p:cNvPr id="115" name="Shape 115"/>
+        <p:cNvPr id="1" name="Shape 115"/>
         <p:cNvGrpSpPr/>
         <p:nvPr/>
       </p:nvGrpSpPr>
@@ -9187,11 +9333,11 @@
 </file>
 
 <file path=ppt/slides/slide9.xml><?xml version="1.0" encoding="utf-8"?>
-<p:sld xmlns:a="http://schemas.openxmlformats.org/drawingml/2006/main" xmlns:r="http://schemas.openxmlformats.org/officeDocument/2006/relationships" xmlns:mc="http://schemas.openxmlformats.org/markup-compatibility/2006" xmlns:mv="urn:schemas-microsoft-com:mac:vml" xmlns:p="http://schemas.openxmlformats.org/presentationml/2006/main" xmlns:c="http://schemas.openxmlformats.org/drawingml/2006/chart" xmlns:dgm="http://schemas.openxmlformats.org/drawingml/2006/diagram" xmlns:o="urn:schemas-microsoft-com:office:office" xmlns:v="urn:schemas-microsoft-com:vml" xmlns:pvml="urn:schemas-microsoft-com:office:powerpoint" xmlns:com="http://schemas.openxmlformats.org/drawingml/2006/compatibility" xmlns:p14="http://schemas.microsoft.com/office/powerpoint/2010/main" xmlns:p15="http://schemas.microsoft.com/office/powerpoint/2012/main" xmlns:ahyp="http://schemas.microsoft.com/office/drawing/2018/hyperlinkcolor">
+<p:sld xmlns:a="http://schemas.openxmlformats.org/drawingml/2006/main" xmlns:r="http://schemas.openxmlformats.org/officeDocument/2006/relationships" xmlns:p="http://schemas.openxmlformats.org/presentationml/2006/main">
   <p:cSld>
     <p:spTree>
       <p:nvGrpSpPr>
-        <p:cNvPr id="120" name="Shape 120"/>
+        <p:cNvPr id="1" name="Shape 120"/>
         <p:cNvGrpSpPr/>
         <p:nvPr/>
       </p:nvGrpSpPr>
@@ -9206,7 +9352,9 @@
       <p:sp>
         <p:nvSpPr>
           <p:cNvPr id="121" name="Google Shape;121;p21"/>
-          <p:cNvSpPr txBox="1"/>
+          <p:cNvSpPr txBox="1">
+            <a:spLocks noGrp="1"/>
+          </p:cNvSpPr>
           <p:nvPr>
             <p:ph type="title"/>
           </p:nvPr>
@@ -9221,12 +9369,12 @@
           </a:prstGeom>
         </p:spPr>
         <p:txBody>
-          <a:bodyPr anchorCtr="0" anchor="ctr" bIns="91425" lIns="91425" spcFirstLastPara="1" rIns="91425" wrap="square" tIns="91425">
+          <a:bodyPr spcFirstLastPara="1" wrap="square" lIns="91425" tIns="91425" rIns="91425" bIns="91425" anchor="ctr" anchorCtr="0">
             <a:noAutofit/>
           </a:bodyPr>
           <a:lstStyle/>
           <a:p>
-            <a:pPr indent="0" lvl="0" marL="0" rtl="0" algn="ctr">
+            <a:pPr marL="0" lvl="0" indent="0" algn="ctr" rtl="0">
               <a:spcBef>
                 <a:spcPts val="0"/>
               </a:spcBef>
@@ -9252,7 +9400,7 @@
             </a:endParaRPr>
           </a:p>
           <a:p>
-            <a:pPr indent="0" lvl="0" marL="0" rtl="0" algn="ctr">
+            <a:pPr marL="0" lvl="0" indent="0" algn="ctr" rtl="0">
               <a:spcBef>
                 <a:spcPts val="0"/>
               </a:spcBef>
@@ -9288,7 +9436,288 @@
 </file>
 
 <file path=ppt/theme/theme1.xml><?xml version="1.0" encoding="utf-8"?>
-<a:theme xmlns:a="http://schemas.openxmlformats.org/drawingml/2006/main" xmlns:r="http://schemas.openxmlformats.org/officeDocument/2006/relationships">
+<a:theme xmlns:a="http://schemas.openxmlformats.org/drawingml/2006/main" name="Material">
+  <a:themeElements>
+    <a:clrScheme name="Material">
+      <a:dk1>
+        <a:srgbClr val="4285F4"/>
+      </a:dk1>
+      <a:lt1>
+        <a:srgbClr val="FFFFFF"/>
+      </a:lt1>
+      <a:dk2>
+        <a:srgbClr val="424242"/>
+      </a:dk2>
+      <a:lt2>
+        <a:srgbClr val="737373"/>
+      </a:lt2>
+      <a:accent1>
+        <a:srgbClr val="0277BD"/>
+      </a:accent1>
+      <a:accent2>
+        <a:srgbClr val="0F9D58"/>
+      </a:accent2>
+      <a:accent3>
+        <a:srgbClr val="DB4437"/>
+      </a:accent3>
+      <a:accent4>
+        <a:srgbClr val="FAFAFA"/>
+      </a:accent4>
+      <a:accent5>
+        <a:srgbClr val="1A237E"/>
+      </a:accent5>
+      <a:accent6>
+        <a:srgbClr val="F4B400"/>
+      </a:accent6>
+      <a:hlink>
+        <a:srgbClr val="1A237E"/>
+      </a:hlink>
+      <a:folHlink>
+        <a:srgbClr val="1A237E"/>
+      </a:folHlink>
+    </a:clrScheme>
+    <a:fontScheme name="Office">
+      <a:majorFont>
+        <a:latin typeface="Arial"/>
+        <a:ea typeface=""/>
+        <a:cs typeface=""/>
+        <a:font script="Jpan" typeface="ＭＳ Ｐゴシック"/>
+        <a:font script="Hang" typeface="맑은 고딕"/>
+        <a:font script="Hans" typeface="宋体"/>
+        <a:font script="Hant" typeface="新細明體"/>
+        <a:font script="Arab" typeface="Times New Roman"/>
+        <a:font script="Hebr" typeface="Times New Roman"/>
+        <a:font script="Thai" typeface="Angsana New"/>
+        <a:font script="Ethi" typeface="Nyala"/>
+        <a:font script="Beng" typeface="Vrinda"/>
+        <a:font script="Gujr" typeface="Shruti"/>
+        <a:font script="Khmr" typeface="MoolBoran"/>
+        <a:font script="Knda" typeface="Tunga"/>
+        <a:font script="Guru" typeface="Raavi"/>
+        <a:font script="Cans" typeface="Euphemia"/>
+        <a:font script="Cher" typeface="Plantagenet Cherokee"/>
+        <a:font script="Yiii" typeface="Microsoft Yi Baiti"/>
+        <a:font script="Tibt" typeface="Microsoft Himalaya"/>
+        <a:font script="Thaa" typeface="MV Boli"/>
+        <a:font script="Deva" typeface="Mangal"/>
+        <a:font script="Telu" typeface="Gautami"/>
+        <a:font script="Taml" typeface="Latha"/>
+        <a:font script="Syrc" typeface="Estrangelo Edessa"/>
+        <a:font script="Orya" typeface="Kalinga"/>
+        <a:font script="Mlym" typeface="Kartika"/>
+        <a:font script="Laoo" typeface="DokChampa"/>
+        <a:font script="Sinh" typeface="Iskoola Pota"/>
+        <a:font script="Mong" typeface="Mongolian Baiti"/>
+        <a:font script="Viet" typeface="Times New Roman"/>
+        <a:font script="Uigh" typeface="Microsoft Uighur"/>
+        <a:font script="Geor" typeface="Sylfaen"/>
+      </a:majorFont>
+      <a:minorFont>
+        <a:latin typeface="Arial"/>
+        <a:ea typeface=""/>
+        <a:cs typeface=""/>
+        <a:font script="Jpan" typeface="ＭＳ Ｐゴシック"/>
+        <a:font script="Hang" typeface="맑은 고딕"/>
+        <a:font script="Hans" typeface="宋体"/>
+        <a:font script="Hant" typeface="新細明體"/>
+        <a:font script="Arab" typeface="Arial"/>
+        <a:font script="Hebr" typeface="Arial"/>
+        <a:font script="Thai" typeface="Cordia New"/>
+        <a:font script="Ethi" typeface="Nyala"/>
+        <a:font script="Beng" typeface="Vrinda"/>
+        <a:font script="Gujr" typeface="Shruti"/>
+        <a:font script="Khmr" typeface="DaunPenh"/>
+        <a:font script="Knda" typeface="Tunga"/>
+        <a:font script="Guru" typeface="Raavi"/>
+        <a:font script="Cans" typeface="Euphemia"/>
+        <a:font script="Cher" typeface="Plantagenet Cherokee"/>
+        <a:font script="Yiii" typeface="Microsoft Yi Baiti"/>
+        <a:font script="Tibt" typeface="Microsoft Himalaya"/>
+        <a:font script="Thaa" typeface="MV Boli"/>
+        <a:font script="Deva" typeface="Mangal"/>
+        <a:font script="Telu" typeface="Gautami"/>
+        <a:font script="Taml" typeface="Latha"/>
+        <a:font script="Syrc" typeface="Estrangelo Edessa"/>
+        <a:font script="Orya" typeface="Kalinga"/>
+        <a:font script="Mlym" typeface="Kartika"/>
+        <a:font script="Laoo" typeface="DokChampa"/>
+        <a:font script="Sinh" typeface="Iskoola Pota"/>
+        <a:font script="Mong" typeface="Mongolian Baiti"/>
+        <a:font script="Viet" typeface="Arial"/>
+        <a:font script="Uigh" typeface="Microsoft Uighur"/>
+        <a:font script="Geor" typeface="Sylfaen"/>
+      </a:minorFont>
+    </a:fontScheme>
+    <a:fmtScheme name="Office">
+      <a:fillStyleLst>
+        <a:solidFill>
+          <a:schemeClr val="phClr"/>
+        </a:solidFill>
+        <a:gradFill rotWithShape="1">
+          <a:gsLst>
+            <a:gs pos="0">
+              <a:schemeClr val="phClr">
+                <a:tint val="50000"/>
+                <a:satMod val="300000"/>
+              </a:schemeClr>
+            </a:gs>
+            <a:gs pos="35000">
+              <a:schemeClr val="phClr">
+                <a:tint val="37000"/>
+                <a:satMod val="300000"/>
+              </a:schemeClr>
+            </a:gs>
+            <a:gs pos="100000">
+              <a:schemeClr val="phClr">
+                <a:tint val="15000"/>
+                <a:satMod val="350000"/>
+              </a:schemeClr>
+            </a:gs>
+          </a:gsLst>
+          <a:lin ang="16200000" scaled="1"/>
+        </a:gradFill>
+        <a:gradFill rotWithShape="1">
+          <a:gsLst>
+            <a:gs pos="0">
+              <a:schemeClr val="phClr">
+                <a:tint val="100000"/>
+                <a:shade val="100000"/>
+                <a:satMod val="130000"/>
+              </a:schemeClr>
+            </a:gs>
+            <a:gs pos="100000">
+              <a:schemeClr val="phClr">
+                <a:tint val="50000"/>
+                <a:shade val="100000"/>
+                <a:satMod val="350000"/>
+              </a:schemeClr>
+            </a:gs>
+          </a:gsLst>
+          <a:lin ang="16200000" scaled="0"/>
+        </a:gradFill>
+      </a:fillStyleLst>
+      <a:lnStyleLst>
+        <a:ln w="9525" cap="flat" cmpd="sng" algn="ctr">
+          <a:solidFill>
+            <a:schemeClr val="phClr">
+              <a:shade val="95000"/>
+              <a:satMod val="105000"/>
+            </a:schemeClr>
+          </a:solidFill>
+          <a:prstDash val="solid"/>
+        </a:ln>
+        <a:ln w="25400" cap="flat" cmpd="sng" algn="ctr">
+          <a:solidFill>
+            <a:schemeClr val="phClr"/>
+          </a:solidFill>
+          <a:prstDash val="solid"/>
+        </a:ln>
+        <a:ln w="38100" cap="flat" cmpd="sng" algn="ctr">
+          <a:solidFill>
+            <a:schemeClr val="phClr"/>
+          </a:solidFill>
+          <a:prstDash val="solid"/>
+        </a:ln>
+      </a:lnStyleLst>
+      <a:effectStyleLst>
+        <a:effectStyle>
+          <a:effectLst>
+            <a:outerShdw blurRad="40000" dist="20000" dir="5400000" rotWithShape="0">
+              <a:srgbClr val="000000">
+                <a:alpha val="38000"/>
+              </a:srgbClr>
+            </a:outerShdw>
+          </a:effectLst>
+        </a:effectStyle>
+        <a:effectStyle>
+          <a:effectLst>
+            <a:outerShdw blurRad="40000" dist="23000" dir="5400000" rotWithShape="0">
+              <a:srgbClr val="000000">
+                <a:alpha val="35000"/>
+              </a:srgbClr>
+            </a:outerShdw>
+          </a:effectLst>
+        </a:effectStyle>
+        <a:effectStyle>
+          <a:effectLst>
+            <a:outerShdw blurRad="40000" dist="23000" dir="5400000" rotWithShape="0">
+              <a:srgbClr val="000000">
+                <a:alpha val="35000"/>
+              </a:srgbClr>
+            </a:outerShdw>
+          </a:effectLst>
+          <a:scene3d>
+            <a:camera prst="orthographicFront">
+              <a:rot lat="0" lon="0" rev="0"/>
+            </a:camera>
+            <a:lightRig rig="threePt" dir="t">
+              <a:rot lat="0" lon="0" rev="1200000"/>
+            </a:lightRig>
+          </a:scene3d>
+          <a:sp3d>
+            <a:bevelT w="63500" h="25400"/>
+          </a:sp3d>
+        </a:effectStyle>
+      </a:effectStyleLst>
+      <a:bgFillStyleLst>
+        <a:solidFill>
+          <a:schemeClr val="phClr"/>
+        </a:solidFill>
+        <a:gradFill rotWithShape="1">
+          <a:gsLst>
+            <a:gs pos="0">
+              <a:schemeClr val="phClr">
+                <a:tint val="40000"/>
+                <a:satMod val="350000"/>
+              </a:schemeClr>
+            </a:gs>
+            <a:gs pos="40000">
+              <a:schemeClr val="phClr">
+                <a:tint val="45000"/>
+                <a:shade val="99000"/>
+                <a:satMod val="350000"/>
+              </a:schemeClr>
+            </a:gs>
+            <a:gs pos="100000">
+              <a:schemeClr val="phClr">
+                <a:shade val="20000"/>
+                <a:satMod val="255000"/>
+              </a:schemeClr>
+            </a:gs>
+          </a:gsLst>
+          <a:path path="circle">
+            <a:fillToRect l="50000" t="-80000" r="50000" b="180000"/>
+          </a:path>
+        </a:gradFill>
+        <a:gradFill rotWithShape="1">
+          <a:gsLst>
+            <a:gs pos="0">
+              <a:schemeClr val="phClr">
+                <a:tint val="80000"/>
+                <a:satMod val="300000"/>
+              </a:schemeClr>
+            </a:gs>
+            <a:gs pos="100000">
+              <a:schemeClr val="phClr">
+                <a:shade val="30000"/>
+                <a:satMod val="200000"/>
+              </a:schemeClr>
+            </a:gs>
+          </a:gsLst>
+          <a:path path="circle">
+            <a:fillToRect l="50000" t="50000" r="50000" b="50000"/>
+          </a:path>
+        </a:gradFill>
+      </a:bgFillStyleLst>
+    </a:fmtScheme>
+  </a:themeElements>
+  <a:objectDefaults/>
+  <a:extraClrSchemeLst/>
+</a:theme>
+</file>
+
+<file path=ppt/theme/theme2.xml><?xml version="1.0" encoding="utf-8"?>
+<a:theme xmlns:a="http://schemas.openxmlformats.org/drawingml/2006/main">
   <a:themeElements>
     <a:clrScheme name="Default">
       <a:dk1>
@@ -9563,284 +9992,7 @@
       </a:bgFillStyleLst>
     </a:fmtScheme>
   </a:themeElements>
-</a:theme>
-</file>
-
-<file path=ppt/theme/theme2.xml><?xml version="1.0" encoding="utf-8"?>
-<a:theme xmlns:a="http://schemas.openxmlformats.org/drawingml/2006/main" xmlns:r="http://schemas.openxmlformats.org/officeDocument/2006/relationships" name="Material">
-  <a:themeElements>
-    <a:clrScheme name="Material">
-      <a:dk1>
-        <a:srgbClr val="4285F4"/>
-      </a:dk1>
-      <a:lt1>
-        <a:srgbClr val="FFFFFF"/>
-      </a:lt1>
-      <a:dk2>
-        <a:srgbClr val="424242"/>
-      </a:dk2>
-      <a:lt2>
-        <a:srgbClr val="737373"/>
-      </a:lt2>
-      <a:accent1>
-        <a:srgbClr val="0277BD"/>
-      </a:accent1>
-      <a:accent2>
-        <a:srgbClr val="0F9D58"/>
-      </a:accent2>
-      <a:accent3>
-        <a:srgbClr val="DB4437"/>
-      </a:accent3>
-      <a:accent4>
-        <a:srgbClr val="FAFAFA"/>
-      </a:accent4>
-      <a:accent5>
-        <a:srgbClr val="1A237E"/>
-      </a:accent5>
-      <a:accent6>
-        <a:srgbClr val="F4B400"/>
-      </a:accent6>
-      <a:hlink>
-        <a:srgbClr val="1A237E"/>
-      </a:hlink>
-      <a:folHlink>
-        <a:srgbClr val="1A237E"/>
-      </a:folHlink>
-    </a:clrScheme>
-    <a:fontScheme name="Office">
-      <a:majorFont>
-        <a:latin typeface="Arial"/>
-        <a:ea typeface=""/>
-        <a:cs typeface=""/>
-        <a:font script="Jpan" typeface="ＭＳ Ｐゴシック"/>
-        <a:font script="Hang" typeface="맑은 고딕"/>
-        <a:font script="Hans" typeface="宋体"/>
-        <a:font script="Hant" typeface="新細明體"/>
-        <a:font script="Arab" typeface="Times New Roman"/>
-        <a:font script="Hebr" typeface="Times New Roman"/>
-        <a:font script="Thai" typeface="Angsana New"/>
-        <a:font script="Ethi" typeface="Nyala"/>
-        <a:font script="Beng" typeface="Vrinda"/>
-        <a:font script="Gujr" typeface="Shruti"/>
-        <a:font script="Khmr" typeface="MoolBoran"/>
-        <a:font script="Knda" typeface="Tunga"/>
-        <a:font script="Guru" typeface="Raavi"/>
-        <a:font script="Cans" typeface="Euphemia"/>
-        <a:font script="Cher" typeface="Plantagenet Cherokee"/>
-        <a:font script="Yiii" typeface="Microsoft Yi Baiti"/>
-        <a:font script="Tibt" typeface="Microsoft Himalaya"/>
-        <a:font script="Thaa" typeface="MV Boli"/>
-        <a:font script="Deva" typeface="Mangal"/>
-        <a:font script="Telu" typeface="Gautami"/>
-        <a:font script="Taml" typeface="Latha"/>
-        <a:font script="Syrc" typeface="Estrangelo Edessa"/>
-        <a:font script="Orya" typeface="Kalinga"/>
-        <a:font script="Mlym" typeface="Kartika"/>
-        <a:font script="Laoo" typeface="DokChampa"/>
-        <a:font script="Sinh" typeface="Iskoola Pota"/>
-        <a:font script="Mong" typeface="Mongolian Baiti"/>
-        <a:font script="Viet" typeface="Times New Roman"/>
-        <a:font script="Uigh" typeface="Microsoft Uighur"/>
-        <a:font script="Geor" typeface="Sylfaen"/>
-      </a:majorFont>
-      <a:minorFont>
-        <a:latin typeface="Arial"/>
-        <a:ea typeface=""/>
-        <a:cs typeface=""/>
-        <a:font script="Jpan" typeface="ＭＳ Ｐゴシック"/>
-        <a:font script="Hang" typeface="맑은 고딕"/>
-        <a:font script="Hans" typeface="宋体"/>
-        <a:font script="Hant" typeface="新細明體"/>
-        <a:font script="Arab" typeface="Arial"/>
-        <a:font script="Hebr" typeface="Arial"/>
-        <a:font script="Thai" typeface="Cordia New"/>
-        <a:font script="Ethi" typeface="Nyala"/>
-        <a:font script="Beng" typeface="Vrinda"/>
-        <a:font script="Gujr" typeface="Shruti"/>
-        <a:font script="Khmr" typeface="DaunPenh"/>
-        <a:font script="Knda" typeface="Tunga"/>
-        <a:font script="Guru" typeface="Raavi"/>
-        <a:font script="Cans" typeface="Euphemia"/>
-        <a:font script="Cher" typeface="Plantagenet Cherokee"/>
-        <a:font script="Yiii" typeface="Microsoft Yi Baiti"/>
-        <a:font script="Tibt" typeface="Microsoft Himalaya"/>
-        <a:font script="Thaa" typeface="MV Boli"/>
-        <a:font script="Deva" typeface="Mangal"/>
-        <a:font script="Telu" typeface="Gautami"/>
-        <a:font script="Taml" typeface="Latha"/>
-        <a:font script="Syrc" typeface="Estrangelo Edessa"/>
-        <a:font script="Orya" typeface="Kalinga"/>
-        <a:font script="Mlym" typeface="Kartika"/>
-        <a:font script="Laoo" typeface="DokChampa"/>
-        <a:font script="Sinh" typeface="Iskoola Pota"/>
-        <a:font script="Mong" typeface="Mongolian Baiti"/>
-        <a:font script="Viet" typeface="Arial"/>
-        <a:font script="Uigh" typeface="Microsoft Uighur"/>
-        <a:font script="Geor" typeface="Sylfaen"/>
-      </a:minorFont>
-    </a:fontScheme>
-    <a:fmtScheme name="Office">
-      <a:fillStyleLst>
-        <a:solidFill>
-          <a:schemeClr val="phClr"/>
-        </a:solidFill>
-        <a:gradFill rotWithShape="1">
-          <a:gsLst>
-            <a:gs pos="0">
-              <a:schemeClr val="phClr">
-                <a:tint val="50000"/>
-                <a:satMod val="300000"/>
-              </a:schemeClr>
-            </a:gs>
-            <a:gs pos="35000">
-              <a:schemeClr val="phClr">
-                <a:tint val="37000"/>
-                <a:satMod val="300000"/>
-              </a:schemeClr>
-            </a:gs>
-            <a:gs pos="100000">
-              <a:schemeClr val="phClr">
-                <a:tint val="15000"/>
-                <a:satMod val="350000"/>
-              </a:schemeClr>
-            </a:gs>
-          </a:gsLst>
-          <a:lin ang="16200000" scaled="1"/>
-        </a:gradFill>
-        <a:gradFill rotWithShape="1">
-          <a:gsLst>
-            <a:gs pos="0">
-              <a:schemeClr val="phClr">
-                <a:tint val="100000"/>
-                <a:shade val="100000"/>
-                <a:satMod val="130000"/>
-              </a:schemeClr>
-            </a:gs>
-            <a:gs pos="100000">
-              <a:schemeClr val="phClr">
-                <a:tint val="50000"/>
-                <a:shade val="100000"/>
-                <a:satMod val="350000"/>
-              </a:schemeClr>
-            </a:gs>
-          </a:gsLst>
-          <a:lin ang="16200000" scaled="0"/>
-        </a:gradFill>
-      </a:fillStyleLst>
-      <a:lnStyleLst>
-        <a:ln w="9525" cap="flat" cmpd="sng" algn="ctr">
-          <a:solidFill>
-            <a:schemeClr val="phClr">
-              <a:shade val="95000"/>
-              <a:satMod val="105000"/>
-            </a:schemeClr>
-          </a:solidFill>
-          <a:prstDash val="solid"/>
-        </a:ln>
-        <a:ln w="25400" cap="flat" cmpd="sng" algn="ctr">
-          <a:solidFill>
-            <a:schemeClr val="phClr"/>
-          </a:solidFill>
-          <a:prstDash val="solid"/>
-        </a:ln>
-        <a:ln w="38100" cap="flat" cmpd="sng" algn="ctr">
-          <a:solidFill>
-            <a:schemeClr val="phClr"/>
-          </a:solidFill>
-          <a:prstDash val="solid"/>
-        </a:ln>
-      </a:lnStyleLst>
-      <a:effectStyleLst>
-        <a:effectStyle>
-          <a:effectLst>
-            <a:outerShdw blurRad="40000" dist="20000" dir="5400000" rotWithShape="0">
-              <a:srgbClr val="000000">
-                <a:alpha val="38000"/>
-              </a:srgbClr>
-            </a:outerShdw>
-          </a:effectLst>
-        </a:effectStyle>
-        <a:effectStyle>
-          <a:effectLst>
-            <a:outerShdw blurRad="40000" dist="23000" dir="5400000" rotWithShape="0">
-              <a:srgbClr val="000000">
-                <a:alpha val="35000"/>
-              </a:srgbClr>
-            </a:outerShdw>
-          </a:effectLst>
-        </a:effectStyle>
-        <a:effectStyle>
-          <a:effectLst>
-            <a:outerShdw blurRad="40000" dist="23000" dir="5400000" rotWithShape="0">
-              <a:srgbClr val="000000">
-                <a:alpha val="35000"/>
-              </a:srgbClr>
-            </a:outerShdw>
-          </a:effectLst>
-          <a:scene3d>
-            <a:camera prst="orthographicFront">
-              <a:rot lat="0" lon="0" rev="0"/>
-            </a:camera>
-            <a:lightRig rig="threePt" dir="t">
-              <a:rot lat="0" lon="0" rev="1200000"/>
-            </a:lightRig>
-          </a:scene3d>
-          <a:sp3d>
-            <a:bevelT w="63500" h="25400"/>
-          </a:sp3d>
-        </a:effectStyle>
-      </a:effectStyleLst>
-      <a:bgFillStyleLst>
-        <a:solidFill>
-          <a:schemeClr val="phClr"/>
-        </a:solidFill>
-        <a:gradFill rotWithShape="1">
-          <a:gsLst>
-            <a:gs pos="0">
-              <a:schemeClr val="phClr">
-                <a:tint val="40000"/>
-                <a:satMod val="350000"/>
-              </a:schemeClr>
-            </a:gs>
-            <a:gs pos="40000">
-              <a:schemeClr val="phClr">
-                <a:tint val="45000"/>
-                <a:shade val="99000"/>
-                <a:satMod val="350000"/>
-              </a:schemeClr>
-            </a:gs>
-            <a:gs pos="100000">
-              <a:schemeClr val="phClr">
-                <a:shade val="20000"/>
-                <a:satMod val="255000"/>
-              </a:schemeClr>
-            </a:gs>
-          </a:gsLst>
-          <a:path path="circle">
-            <a:fillToRect l="50000" t="-80000" r="50000" b="180000"/>
-          </a:path>
-        </a:gradFill>
-        <a:gradFill rotWithShape="1">
-          <a:gsLst>
-            <a:gs pos="0">
-              <a:schemeClr val="phClr">
-                <a:tint val="80000"/>
-                <a:satMod val="300000"/>
-              </a:schemeClr>
-            </a:gs>
-            <a:gs pos="100000">
-              <a:schemeClr val="phClr">
-                <a:shade val="30000"/>
-                <a:satMod val="200000"/>
-              </a:schemeClr>
-            </a:gs>
-          </a:gsLst>
-          <a:path path="circle">
-            <a:fillToRect l="50000" t="50000" r="50000" b="50000"/>
-          </a:path>
-        </a:gradFill>
-      </a:bgFillStyleLst>
-    </a:fmtScheme>
-  </a:themeElements>
+  <a:objectDefaults/>
+  <a:extraClrSchemeLst/>
 </a:theme>
 </file>